--- a/Documentation/Prescription Presentation.pptx
+++ b/Documentation/Prescription Presentation.pptx
@@ -2,7 +2,7 @@
 <file path=ppt/presentation.xml><?xml version="1.0" encoding="utf-8"?>
 <p:presentation xmlns:a="http://schemas.openxmlformats.org/drawingml/2006/main" xmlns:r="http://schemas.openxmlformats.org/officeDocument/2006/relationships" xmlns:p="http://schemas.openxmlformats.org/presentationml/2006/main" saveSubsetFonts="1">
   <p:sldMasterIdLst>
-    <p:sldMasterId id="2147483660" r:id="rId1"/>
+    <p:sldMasterId id="2147483672" r:id="rId1"/>
   </p:sldMasterIdLst>
   <p:sldIdLst>
     <p:sldId id="256" r:id="rId2"/>
@@ -108,6 +108,11 @@
       </a:defRPr>
     </a:lvl9pPr>
   </p:defaultTextStyle>
+  <p:extLst>
+    <p:ext uri="{EFAFB233-063F-42B5-8137-9DF3F51BA10A}">
+      <p15:sldGuideLst xmlns:p15="http://schemas.microsoft.com/office/powerpoint/2012/main"/>
+    </p:ext>
+  </p:extLst>
 </p:presentation>
 </file>
 
@@ -128,121 +133,293 @@
           <a:chExt cx="0" cy="0"/>
         </a:xfrm>
       </p:grpSpPr>
-      <p:sp>
-        <p:nvSpPr>
-          <p:cNvPr id="7" name="Rectangle 6"/>
-          <p:cNvSpPr/>
+      <p:grpSp>
+        <p:nvGrpSpPr>
+          <p:cNvPr id="7" name="Group 6"/>
+          <p:cNvGrpSpPr/>
           <p:nvPr/>
+        </p:nvGrpSpPr>
+        <p:grpSpPr>
+          <a:xfrm>
+            <a:off x="-16934" y="0"/>
+            <a:ext cx="12231160" cy="6856214"/>
+            <a:chOff x="-16934" y="0"/>
+            <a:chExt cx="12231160" cy="6856214"/>
+          </a:xfrm>
+        </p:grpSpPr>
+        <p:pic>
+          <p:nvPicPr>
+            <p:cNvPr id="16" name="Picture 15" descr="HD-PanelTitleR1.png"/>
+            <p:cNvPicPr>
+              <a:picLocks noChangeAspect="1"/>
+            </p:cNvPicPr>
+            <p:nvPr/>
+          </p:nvPicPr>
+          <p:blipFill>
+            <a:blip r:embed="rId2">
+              <a:extLst>
+                <a:ext uri="{28A0092B-C50C-407E-A947-70E740481C1C}">
+                  <a14:useLocalDpi xmlns:a14="http://schemas.microsoft.com/office/drawing/2010/main" val="0"/>
+                </a:ext>
+              </a:extLst>
+            </a:blip>
+            <a:stretch>
+              <a:fillRect/>
+            </a:stretch>
+          </p:blipFill>
+          <p:spPr>
+            <a:xfrm>
+              <a:off x="0" y="0"/>
+              <a:ext cx="12188825" cy="6856214"/>
+            </a:xfrm>
+            <a:prstGeom prst="rect">
+              <a:avLst/>
+            </a:prstGeom>
+          </p:spPr>
+        </p:pic>
+        <p:sp>
+          <p:nvSpPr>
+            <p:cNvPr id="26" name="Rectangle 25"/>
+            <p:cNvSpPr/>
+            <p:nvPr/>
+          </p:nvSpPr>
+          <p:spPr>
+            <a:xfrm>
+              <a:off x="2328332" y="1540931"/>
+              <a:ext cx="7543802" cy="3835401"/>
+            </a:xfrm>
+            <a:prstGeom prst="rect">
+              <a:avLst/>
+            </a:prstGeom>
+            <a:noFill/>
+            <a:ln w="15875">
+              <a:miter lim="800000"/>
+            </a:ln>
+          </p:spPr>
+          <p:style>
+            <a:lnRef idx="1">
+              <a:schemeClr val="accent1"/>
+            </a:lnRef>
+            <a:fillRef idx="3">
+              <a:schemeClr val="accent1"/>
+            </a:fillRef>
+            <a:effectRef idx="2">
+              <a:schemeClr val="accent1"/>
+            </a:effectRef>
+            <a:fontRef idx="minor">
+              <a:schemeClr val="lt1"/>
+            </a:fontRef>
+          </p:style>
+        </p:sp>
+        <p:pic>
+          <p:nvPicPr>
+            <p:cNvPr id="17" name="Picture 16" descr="HDRibbonTitle-UniformTrim.png"/>
+            <p:cNvPicPr>
+              <a:picLocks noChangeAspect="1"/>
+            </p:cNvPicPr>
+            <p:nvPr/>
+          </p:nvPicPr>
+          <p:blipFill rotWithShape="1">
+            <a:blip r:embed="rId3">
+              <a:extLst>
+                <a:ext uri="{28A0092B-C50C-407E-A947-70E740481C1C}">
+                  <a14:useLocalDpi xmlns:a14="http://schemas.microsoft.com/office/drawing/2010/main" val="0"/>
+                </a:ext>
+              </a:extLst>
+            </a:blip>
+            <a:srcRect/>
+            <a:stretch/>
+          </p:blipFill>
+          <p:spPr>
+            <a:xfrm>
+              <a:off x="-16934" y="3147609"/>
+              <a:ext cx="2478024" cy="612648"/>
+            </a:xfrm>
+            <a:prstGeom prst="rect">
+              <a:avLst/>
+            </a:prstGeom>
+          </p:spPr>
+        </p:pic>
+        <p:pic>
+          <p:nvPicPr>
+            <p:cNvPr id="20" name="Picture 19" descr="HDRibbonTitle-UniformTrim.png"/>
+            <p:cNvPicPr>
+              <a:picLocks noChangeAspect="1"/>
+            </p:cNvPicPr>
+            <p:nvPr/>
+          </p:nvPicPr>
+          <p:blipFill rotWithShape="1">
+            <a:blip r:embed="rId3">
+              <a:extLst>
+                <a:ext uri="{28A0092B-C50C-407E-A947-70E740481C1C}">
+                  <a14:useLocalDpi xmlns:a14="http://schemas.microsoft.com/office/drawing/2010/main" val="0"/>
+                </a:ext>
+              </a:extLst>
+            </a:blip>
+            <a:srcRect/>
+            <a:stretch/>
+          </p:blipFill>
+          <p:spPr>
+            <a:xfrm>
+              <a:off x="9736202" y="3147609"/>
+              <a:ext cx="2478024" cy="612648"/>
+            </a:xfrm>
+            <a:prstGeom prst="rect">
+              <a:avLst/>
+            </a:prstGeom>
+          </p:spPr>
+        </p:pic>
+      </p:grpSp>
+      <p:sp>
+        <p:nvSpPr>
+          <p:cNvPr id="2" name="Title 1"/>
+          <p:cNvSpPr>
+            <a:spLocks noGrp="1"/>
+          </p:cNvSpPr>
+          <p:nvPr>
+            <p:ph type="ctrTitle"/>
+          </p:nvPr>
         </p:nvSpPr>
         <p:spPr>
           <a:xfrm>
-            <a:off x="3175" y="6400800"/>
-            <a:ext cx="12188825" cy="457200"/>
+            <a:off x="2692398" y="1871131"/>
+            <a:ext cx="6815669" cy="1515533"/>
           </a:xfrm>
-          <a:prstGeom prst="rect">
-            <a:avLst/>
-          </a:prstGeom>
-          <a:solidFill>
-            <a:schemeClr val="accent2"/>
-          </a:solidFill>
-          <a:ln>
-            <a:noFill/>
-          </a:ln>
         </p:spPr>
-        <p:style>
-          <a:lnRef idx="2">
-            <a:schemeClr val="accent1">
-              <a:shade val="50000"/>
-            </a:schemeClr>
-          </a:lnRef>
-          <a:fillRef idx="1">
-            <a:schemeClr val="accent1"/>
-          </a:fillRef>
-          <a:effectRef idx="0">
-            <a:schemeClr val="accent1"/>
-          </a:effectRef>
-          <a:fontRef idx="minor">
-            <a:schemeClr val="lt1"/>
-          </a:fontRef>
-        </p:style>
-      </p:sp>
-      <p:sp>
-        <p:nvSpPr>
-          <p:cNvPr id="8" name="Rectangle 7"/>
-          <p:cNvSpPr/>
-          <p:nvPr/>
+        <p:txBody>
+          <a:bodyPr anchor="b">
+            <a:noAutofit/>
+          </a:bodyPr>
+          <a:lstStyle>
+            <a:lvl1pPr algn="ctr">
+              <a:defRPr sz="5400">
+                <a:effectLst/>
+              </a:defRPr>
+            </a:lvl1pPr>
+          </a:lstStyle>
+          <a:p>
+            <a:r>
+              <a:rPr lang="en-US" smtClean="0"/>
+              <a:t>Click to edit Master title style</a:t>
+            </a:r>
+            <a:endParaRPr lang="en-US" dirty="0"/>
+          </a:p>
+        </p:txBody>
+      </p:sp>
+      <p:sp>
+        <p:nvSpPr>
+          <p:cNvPr id="3" name="Subtitle 2"/>
+          <p:cNvSpPr>
+            <a:spLocks noGrp="1"/>
+          </p:cNvSpPr>
+          <p:nvPr>
+            <p:ph type="subTitle" idx="1"/>
+          </p:nvPr>
         </p:nvSpPr>
         <p:spPr>
           <a:xfrm>
-            <a:off x="15" y="6334316"/>
-            <a:ext cx="12188825" cy="64008"/>
-          </a:xfrm>
-          <a:prstGeom prst="rect">
-            <a:avLst/>
-          </a:prstGeom>
-          <a:solidFill>
-            <a:schemeClr val="accent1"/>
-          </a:solidFill>
-          <a:ln>
-            <a:noFill/>
-          </a:ln>
-        </p:spPr>
-        <p:style>
-          <a:lnRef idx="2">
-            <a:schemeClr val="accent1">
-              <a:shade val="50000"/>
-            </a:schemeClr>
-          </a:lnRef>
-          <a:fillRef idx="1">
-            <a:schemeClr val="accent1"/>
-          </a:fillRef>
-          <a:effectRef idx="0">
-            <a:schemeClr val="accent1"/>
-          </a:effectRef>
-          <a:fontRef idx="minor">
-            <a:schemeClr val="lt1"/>
-          </a:fontRef>
-        </p:style>
-      </p:sp>
-      <p:sp>
-        <p:nvSpPr>
-          <p:cNvPr id="2" name="Title 1"/>
-          <p:cNvSpPr>
-            <a:spLocks noGrp="1"/>
-          </p:cNvSpPr>
-          <p:nvPr>
-            <p:ph type="ctrTitle"/>
-          </p:nvPr>
-        </p:nvSpPr>
-        <p:spPr>
-          <a:xfrm>
-            <a:off x="1097280" y="758952"/>
-            <a:ext cx="10058400" cy="3566160"/>
+            <a:off x="2692398" y="3657597"/>
+            <a:ext cx="6815669" cy="1320802"/>
           </a:xfrm>
         </p:spPr>
         <p:txBody>
-          <a:bodyPr anchor="b">
+          <a:bodyPr anchor="t">
             <a:normAutofit/>
           </a:bodyPr>
           <a:lstStyle>
-            <a:lvl1pPr algn="l">
-              <a:lnSpc>
-                <a:spcPct val="85000"/>
-              </a:lnSpc>
-              <a:defRPr sz="8000" spc="-50" baseline="0">
-                <a:solidFill>
-                  <a:schemeClr val="tx1">
-                    <a:lumMod val="85000"/>
-                    <a:lumOff val="15000"/>
-                  </a:schemeClr>
+            <a:lvl1pPr marL="0" indent="0" algn="ctr">
+              <a:buNone/>
+              <a:defRPr sz="2100">
+                <a:solidFill>
+                  <a:schemeClr val="tx1"/>
                 </a:solidFill>
               </a:defRPr>
             </a:lvl1pPr>
+            <a:lvl2pPr marL="457200" indent="0" algn="ctr">
+              <a:buNone/>
+              <a:defRPr>
+                <a:solidFill>
+                  <a:schemeClr val="tx1">
+                    <a:tint val="75000"/>
+                  </a:schemeClr>
+                </a:solidFill>
+              </a:defRPr>
+            </a:lvl2pPr>
+            <a:lvl3pPr marL="914400" indent="0" algn="ctr">
+              <a:buNone/>
+              <a:defRPr>
+                <a:solidFill>
+                  <a:schemeClr val="tx1">
+                    <a:tint val="75000"/>
+                  </a:schemeClr>
+                </a:solidFill>
+              </a:defRPr>
+            </a:lvl3pPr>
+            <a:lvl4pPr marL="1371600" indent="0" algn="ctr">
+              <a:buNone/>
+              <a:defRPr>
+                <a:solidFill>
+                  <a:schemeClr val="tx1">
+                    <a:tint val="75000"/>
+                  </a:schemeClr>
+                </a:solidFill>
+              </a:defRPr>
+            </a:lvl4pPr>
+            <a:lvl5pPr marL="1828800" indent="0" algn="ctr">
+              <a:buNone/>
+              <a:defRPr>
+                <a:solidFill>
+                  <a:schemeClr val="tx1">
+                    <a:tint val="75000"/>
+                  </a:schemeClr>
+                </a:solidFill>
+              </a:defRPr>
+            </a:lvl5pPr>
+            <a:lvl6pPr marL="2286000" indent="0" algn="ctr">
+              <a:buNone/>
+              <a:defRPr>
+                <a:solidFill>
+                  <a:schemeClr val="tx1">
+                    <a:tint val="75000"/>
+                  </a:schemeClr>
+                </a:solidFill>
+              </a:defRPr>
+            </a:lvl6pPr>
+            <a:lvl7pPr marL="2743200" indent="0" algn="ctr">
+              <a:buNone/>
+              <a:defRPr>
+                <a:solidFill>
+                  <a:schemeClr val="tx1">
+                    <a:tint val="75000"/>
+                  </a:schemeClr>
+                </a:solidFill>
+              </a:defRPr>
+            </a:lvl7pPr>
+            <a:lvl8pPr marL="3200400" indent="0" algn="ctr">
+              <a:buNone/>
+              <a:defRPr>
+                <a:solidFill>
+                  <a:schemeClr val="tx1">
+                    <a:tint val="75000"/>
+                  </a:schemeClr>
+                </a:solidFill>
+              </a:defRPr>
+            </a:lvl8pPr>
+            <a:lvl9pPr marL="3657600" indent="0" algn="ctr">
+              <a:buNone/>
+              <a:defRPr>
+                <a:solidFill>
+                  <a:schemeClr val="tx1">
+                    <a:tint val="75000"/>
+                  </a:schemeClr>
+                </a:solidFill>
+              </a:defRPr>
+            </a:lvl9pPr>
           </a:lstStyle>
           <a:p>
             <a:r>
               <a:rPr lang="en-US" smtClean="0"/>
-              <a:t>Click to edit Master title style</a:t>
+              <a:t>Click to edit Master subtitle style</a:t>
             </a:r>
             <a:endParaRPr lang="en-US" dirty="0"/>
           </a:p>
@@ -250,94 +427,27 @@
       </p:sp>
       <p:sp>
         <p:nvSpPr>
-          <p:cNvPr id="3" name="Subtitle 2"/>
-          <p:cNvSpPr>
-            <a:spLocks noGrp="1"/>
-          </p:cNvSpPr>
-          <p:nvPr>
-            <p:ph type="subTitle" idx="1"/>
+          <p:cNvPr id="4" name="Date Placeholder 3"/>
+          <p:cNvSpPr>
+            <a:spLocks noGrp="1"/>
+          </p:cNvSpPr>
+          <p:nvPr>
+            <p:ph type="dt" sz="half" idx="10"/>
           </p:nvPr>
         </p:nvSpPr>
         <p:spPr>
           <a:xfrm>
-            <a:off x="1100051" y="4455620"/>
-            <a:ext cx="10058400" cy="1143000"/>
+            <a:off x="7983232" y="5037663"/>
+            <a:ext cx="897467" cy="279400"/>
           </a:xfrm>
         </p:spPr>
         <p:txBody>
-          <a:bodyPr lIns="91440" rIns="91440">
-            <a:normAutofit/>
-          </a:bodyPr>
-          <a:lstStyle>
-            <a:lvl1pPr marL="0" indent="0" algn="l">
-              <a:buNone/>
-              <a:defRPr sz="2400" cap="all" spc="200" baseline="0">
-                <a:solidFill>
-                  <a:schemeClr val="tx2"/>
-                </a:solidFill>
-                <a:latin typeface="+mj-lt"/>
-              </a:defRPr>
-            </a:lvl1pPr>
-            <a:lvl2pPr marL="457200" indent="0" algn="ctr">
-              <a:buNone/>
-              <a:defRPr sz="2400"/>
-            </a:lvl2pPr>
-            <a:lvl3pPr marL="914400" indent="0" algn="ctr">
-              <a:buNone/>
-              <a:defRPr sz="2400"/>
-            </a:lvl3pPr>
-            <a:lvl4pPr marL="1371600" indent="0" algn="ctr">
-              <a:buNone/>
-              <a:defRPr sz="2000"/>
-            </a:lvl4pPr>
-            <a:lvl5pPr marL="1828800" indent="0" algn="ctr">
-              <a:buNone/>
-              <a:defRPr sz="2000"/>
-            </a:lvl5pPr>
-            <a:lvl6pPr marL="2286000" indent="0" algn="ctr">
-              <a:buNone/>
-              <a:defRPr sz="2000"/>
-            </a:lvl6pPr>
-            <a:lvl7pPr marL="2743200" indent="0" algn="ctr">
-              <a:buNone/>
-              <a:defRPr sz="2000"/>
-            </a:lvl7pPr>
-            <a:lvl8pPr marL="3200400" indent="0" algn="ctr">
-              <a:buNone/>
-              <a:defRPr sz="2000"/>
-            </a:lvl8pPr>
-            <a:lvl9pPr marL="3657600" indent="0" algn="ctr">
-              <a:buNone/>
-              <a:defRPr sz="2000"/>
-            </a:lvl9pPr>
-          </a:lstStyle>
-          <a:p>
-            <a:r>
-              <a:rPr lang="en-US" smtClean="0"/>
-              <a:t>Click to edit Master subtitle style</a:t>
-            </a:r>
-            <a:endParaRPr lang="en-US" dirty="0"/>
-          </a:p>
-        </p:txBody>
-      </p:sp>
-      <p:sp>
-        <p:nvSpPr>
-          <p:cNvPr id="4" name="Date Placeholder 3"/>
-          <p:cNvSpPr>
-            <a:spLocks noGrp="1"/>
-          </p:cNvSpPr>
-          <p:nvPr>
-            <p:ph type="dt" sz="half" idx="10"/>
-          </p:nvPr>
-        </p:nvSpPr>
-        <p:spPr/>
-        <p:txBody>
           <a:bodyPr/>
           <a:lstStyle/>
           <a:p>
             <a:fld id="{0EEBE4E2-722C-4916-A391-E0B1B79DBDC9}" type="datetimeFigureOut">
               <a:rPr lang="en-US" smtClean="0"/>
-              <a:t>15/11/2022</a:t>
+              <a:t>11/15/2022</a:t>
             </a:fld>
             <a:endParaRPr lang="en-US"/>
           </a:p>
@@ -353,7 +463,12 @@
             <p:ph type="ftr" sz="quarter" idx="11"/>
           </p:nvPr>
         </p:nvSpPr>
-        <p:spPr/>
+        <p:spPr>
+          <a:xfrm>
+            <a:off x="2692397" y="5037663"/>
+            <a:ext cx="5214635" cy="279400"/>
+          </a:xfrm>
+        </p:spPr>
         <p:txBody>
           <a:bodyPr/>
           <a:lstStyle/>
@@ -372,7 +487,12 @@
             <p:ph type="sldNum" sz="quarter" idx="12"/>
           </p:nvPr>
         </p:nvSpPr>
-        <p:spPr/>
+        <p:spPr>
+          <a:xfrm>
+            <a:off x="8956900" y="5037663"/>
+            <a:ext cx="551167" cy="279400"/>
+          </a:xfrm>
+        </p:spPr>
         <p:txBody>
           <a:bodyPr/>
           <a:lstStyle/>
@@ -387,35 +507,27 @@
       </p:sp>
       <p:cxnSp>
         <p:nvCxnSpPr>
-          <p:cNvPr id="9" name="Straight Connector 8"/>
+          <p:cNvPr id="15" name="Straight Connector 14"/>
           <p:cNvCxnSpPr/>
           <p:nvPr/>
         </p:nvCxnSpPr>
         <p:spPr>
           <a:xfrm>
-            <a:off x="1207658" y="4343400"/>
-            <a:ext cx="9875520" cy="0"/>
+            <a:off x="2692399" y="3522131"/>
+            <a:ext cx="6815668" cy="0"/>
           </a:xfrm>
           <a:prstGeom prst="line">
             <a:avLst/>
           </a:prstGeom>
-          <a:ln w="6350">
-            <a:solidFill>
-              <a:schemeClr val="tx1">
-                <a:lumMod val="50000"/>
-                <a:lumOff val="50000"/>
-              </a:schemeClr>
-            </a:solidFill>
-          </a:ln>
         </p:spPr>
         <p:style>
-          <a:lnRef idx="1">
+          <a:lnRef idx="2">
             <a:schemeClr val="accent1"/>
           </a:lnRef>
           <a:fillRef idx="0">
             <a:schemeClr val="accent1"/>
           </a:fillRef>
-          <a:effectRef idx="0">
+          <a:effectRef idx="1">
             <a:schemeClr val="accent1"/>
           </a:effectRef>
           <a:fontRef idx="minor">
@@ -426,7 +538,7 @@
     </p:spTree>
     <p:extLst>
       <p:ext uri="{BB962C8B-B14F-4D97-AF65-F5344CB8AC3E}">
-        <p14:creationId xmlns:p14="http://schemas.microsoft.com/office/powerpoint/2010/main" val="3242618518"/>
+        <p14:creationId xmlns:p14="http://schemas.microsoft.com/office/powerpoint/2010/main" val="3167620882"/>
       </p:ext>
     </p:extLst>
   </p:cSld>
@@ -437,6 +549,2099 @@
 </file>
 
 <file path=ppt/slideLayouts/slideLayout10.xml><?xml version="1.0" encoding="utf-8"?>
+<p:sldLayout xmlns:a="http://schemas.openxmlformats.org/drawingml/2006/main" xmlns:r="http://schemas.openxmlformats.org/officeDocument/2006/relationships" xmlns:p="http://schemas.openxmlformats.org/presentationml/2006/main" preserve="1">
+  <p:cSld name="Panoramic Picture with Caption">
+    <p:spTree>
+      <p:nvGrpSpPr>
+        <p:cNvPr id="1" name=""/>
+        <p:cNvGrpSpPr/>
+        <p:nvPr/>
+      </p:nvGrpSpPr>
+      <p:grpSpPr>
+        <a:xfrm>
+          <a:off x="0" y="0"/>
+          <a:ext cx="0" cy="0"/>
+          <a:chOff x="0" y="0"/>
+          <a:chExt cx="0" cy="0"/>
+        </a:xfrm>
+      </p:grpSpPr>
+      <p:sp>
+        <p:nvSpPr>
+          <p:cNvPr id="2" name="Title 1"/>
+          <p:cNvSpPr>
+            <a:spLocks noGrp="1"/>
+          </p:cNvSpPr>
+          <p:nvPr>
+            <p:ph type="title"/>
+          </p:nvPr>
+        </p:nvSpPr>
+        <p:spPr>
+          <a:xfrm>
+            <a:off x="1295401" y="4815415"/>
+            <a:ext cx="9609666" cy="566738"/>
+          </a:xfrm>
+        </p:spPr>
+        <p:txBody>
+          <a:bodyPr anchor="b">
+            <a:normAutofit/>
+          </a:bodyPr>
+          <a:lstStyle>
+            <a:lvl1pPr algn="ctr">
+              <a:defRPr sz="2400" b="0"/>
+            </a:lvl1pPr>
+          </a:lstStyle>
+          <a:p>
+            <a:r>
+              <a:rPr lang="en-US" smtClean="0"/>
+              <a:t>Click to edit Master title style</a:t>
+            </a:r>
+            <a:endParaRPr lang="en-US" dirty="0"/>
+          </a:p>
+        </p:txBody>
+      </p:sp>
+      <p:sp>
+        <p:nvSpPr>
+          <p:cNvPr id="3" name="Picture Placeholder 2"/>
+          <p:cNvSpPr>
+            <a:spLocks noGrp="1" noChangeAspect="1"/>
+          </p:cNvSpPr>
+          <p:nvPr>
+            <p:ph type="pic" idx="1"/>
+          </p:nvPr>
+        </p:nvSpPr>
+        <p:spPr>
+          <a:xfrm>
+            <a:off x="1041427" y="1041399"/>
+            <a:ext cx="10105972" cy="3335869"/>
+          </a:xfrm>
+          <a:prstGeom prst="roundRect">
+            <a:avLst>
+              <a:gd name="adj" fmla="val 0"/>
+            </a:avLst>
+          </a:prstGeom>
+          <a:ln w="57150" cmpd="thickThin">
+            <a:solidFill>
+              <a:schemeClr val="tx1">
+                <a:lumMod val="50000"/>
+                <a:lumOff val="50000"/>
+              </a:schemeClr>
+            </a:solidFill>
+            <a:miter lim="800000"/>
+          </a:ln>
+          <a:effectLst>
+            <a:innerShdw blurRad="57150" dist="38100" dir="14460000">
+              <a:srgbClr val="000000">
+                <a:alpha val="70000"/>
+              </a:srgbClr>
+            </a:innerShdw>
+          </a:effectLst>
+        </p:spPr>
+        <p:txBody>
+          <a:bodyPr anchor="t">
+            <a:normAutofit/>
+          </a:bodyPr>
+          <a:lstStyle>
+            <a:lvl1pPr marL="0" indent="0" algn="ctr">
+              <a:buNone/>
+              <a:defRPr sz="1600"/>
+            </a:lvl1pPr>
+            <a:lvl2pPr marL="457200" indent="0">
+              <a:buNone/>
+              <a:defRPr sz="1600"/>
+            </a:lvl2pPr>
+            <a:lvl3pPr marL="914400" indent="0">
+              <a:buNone/>
+              <a:defRPr sz="1600"/>
+            </a:lvl3pPr>
+            <a:lvl4pPr marL="1371600" indent="0">
+              <a:buNone/>
+              <a:defRPr sz="1600"/>
+            </a:lvl4pPr>
+            <a:lvl5pPr marL="1828800" indent="0">
+              <a:buNone/>
+              <a:defRPr sz="1600"/>
+            </a:lvl5pPr>
+            <a:lvl6pPr marL="2286000" indent="0">
+              <a:buNone/>
+              <a:defRPr sz="1600"/>
+            </a:lvl6pPr>
+            <a:lvl7pPr marL="2743200" indent="0">
+              <a:buNone/>
+              <a:defRPr sz="1600"/>
+            </a:lvl7pPr>
+            <a:lvl8pPr marL="3200400" indent="0">
+              <a:buNone/>
+              <a:defRPr sz="1600"/>
+            </a:lvl8pPr>
+            <a:lvl9pPr marL="3657600" indent="0">
+              <a:buNone/>
+              <a:defRPr sz="1600"/>
+            </a:lvl9pPr>
+          </a:lstStyle>
+          <a:p>
+            <a:r>
+              <a:rPr lang="en-US" smtClean="0"/>
+              <a:t>Click icon to add picture</a:t>
+            </a:r>
+            <a:endParaRPr lang="en-US" dirty="0"/>
+          </a:p>
+        </p:txBody>
+      </p:sp>
+      <p:sp>
+        <p:nvSpPr>
+          <p:cNvPr id="4" name="Text Placeholder 3"/>
+          <p:cNvSpPr>
+            <a:spLocks noGrp="1"/>
+          </p:cNvSpPr>
+          <p:nvPr>
+            <p:ph type="body" sz="half" idx="2"/>
+          </p:nvPr>
+        </p:nvSpPr>
+        <p:spPr>
+          <a:xfrm>
+            <a:off x="1295401" y="5382153"/>
+            <a:ext cx="9609666" cy="493712"/>
+          </a:xfrm>
+        </p:spPr>
+        <p:txBody>
+          <a:bodyPr>
+            <a:normAutofit/>
+          </a:bodyPr>
+          <a:lstStyle>
+            <a:lvl1pPr marL="0" indent="0" algn="ctr">
+              <a:buNone/>
+              <a:defRPr sz="1400"/>
+            </a:lvl1pPr>
+            <a:lvl2pPr marL="457200" indent="0">
+              <a:buNone/>
+              <a:defRPr sz="1200"/>
+            </a:lvl2pPr>
+            <a:lvl3pPr marL="914400" indent="0">
+              <a:buNone/>
+              <a:defRPr sz="1000"/>
+            </a:lvl3pPr>
+            <a:lvl4pPr marL="1371600" indent="0">
+              <a:buNone/>
+              <a:defRPr sz="900"/>
+            </a:lvl4pPr>
+            <a:lvl5pPr marL="1828800" indent="0">
+              <a:buNone/>
+              <a:defRPr sz="900"/>
+            </a:lvl5pPr>
+            <a:lvl6pPr marL="2286000" indent="0">
+              <a:buNone/>
+              <a:defRPr sz="900"/>
+            </a:lvl6pPr>
+            <a:lvl7pPr marL="2743200" indent="0">
+              <a:buNone/>
+              <a:defRPr sz="900"/>
+            </a:lvl7pPr>
+            <a:lvl8pPr marL="3200400" indent="0">
+              <a:buNone/>
+              <a:defRPr sz="900"/>
+            </a:lvl8pPr>
+            <a:lvl9pPr marL="3657600" indent="0">
+              <a:buNone/>
+              <a:defRPr sz="900"/>
+            </a:lvl9pPr>
+          </a:lstStyle>
+          <a:p>
+            <a:pPr lvl="0"/>
+            <a:r>
+              <a:rPr lang="en-US" smtClean="0"/>
+              <a:t>Click to edit Master text styles</a:t>
+            </a:r>
+          </a:p>
+        </p:txBody>
+      </p:sp>
+      <p:sp>
+        <p:nvSpPr>
+          <p:cNvPr id="5" name="Date Placeholder 4"/>
+          <p:cNvSpPr>
+            <a:spLocks noGrp="1"/>
+          </p:cNvSpPr>
+          <p:nvPr>
+            <p:ph type="dt" sz="half" idx="10"/>
+          </p:nvPr>
+        </p:nvSpPr>
+        <p:spPr/>
+        <p:txBody>
+          <a:bodyPr/>
+          <a:lstStyle/>
+          <a:p>
+            <a:fld id="{0EEBE4E2-722C-4916-A391-E0B1B79DBDC9}" type="datetimeFigureOut">
+              <a:rPr lang="en-US" smtClean="0"/>
+              <a:t>11/15/2022</a:t>
+            </a:fld>
+            <a:endParaRPr lang="en-US"/>
+          </a:p>
+        </p:txBody>
+      </p:sp>
+      <p:sp>
+        <p:nvSpPr>
+          <p:cNvPr id="6" name="Footer Placeholder 5"/>
+          <p:cNvSpPr>
+            <a:spLocks noGrp="1"/>
+          </p:cNvSpPr>
+          <p:nvPr>
+            <p:ph type="ftr" sz="quarter" idx="11"/>
+          </p:nvPr>
+        </p:nvSpPr>
+        <p:spPr/>
+        <p:txBody>
+          <a:bodyPr/>
+          <a:lstStyle/>
+          <a:p>
+            <a:endParaRPr lang="en-US"/>
+          </a:p>
+        </p:txBody>
+      </p:sp>
+      <p:sp>
+        <p:nvSpPr>
+          <p:cNvPr id="7" name="Slide Number Placeholder 6"/>
+          <p:cNvSpPr>
+            <a:spLocks noGrp="1"/>
+          </p:cNvSpPr>
+          <p:nvPr>
+            <p:ph type="sldNum" sz="quarter" idx="12"/>
+          </p:nvPr>
+        </p:nvSpPr>
+        <p:spPr/>
+        <p:txBody>
+          <a:bodyPr/>
+          <a:lstStyle/>
+          <a:p>
+            <a:fld id="{BC07FA81-D92D-4079-88C7-8B7259F34E9B}" type="slidenum">
+              <a:rPr lang="en-US" smtClean="0"/>
+              <a:t>‹#›</a:t>
+            </a:fld>
+            <a:endParaRPr lang="en-US"/>
+          </a:p>
+        </p:txBody>
+      </p:sp>
+    </p:spTree>
+    <p:extLst>
+      <p:ext uri="{BB962C8B-B14F-4D97-AF65-F5344CB8AC3E}">
+        <p14:creationId xmlns:p14="http://schemas.microsoft.com/office/powerpoint/2010/main" val="3546322614"/>
+      </p:ext>
+    </p:extLst>
+  </p:cSld>
+  <p:clrMapOvr>
+    <a:masterClrMapping/>
+  </p:clrMapOvr>
+</p:sldLayout>
+</file>
+
+<file path=ppt/slideLayouts/slideLayout11.xml><?xml version="1.0" encoding="utf-8"?>
+<p:sldLayout xmlns:a="http://schemas.openxmlformats.org/drawingml/2006/main" xmlns:r="http://schemas.openxmlformats.org/officeDocument/2006/relationships" xmlns:p="http://schemas.openxmlformats.org/presentationml/2006/main" preserve="1">
+  <p:cSld name="Title and Caption">
+    <p:spTree>
+      <p:nvGrpSpPr>
+        <p:cNvPr id="1" name=""/>
+        <p:cNvGrpSpPr/>
+        <p:nvPr/>
+      </p:nvGrpSpPr>
+      <p:grpSpPr>
+        <a:xfrm>
+          <a:off x="0" y="0"/>
+          <a:ext cx="0" cy="0"/>
+          <a:chOff x="0" y="0"/>
+          <a:chExt cx="0" cy="0"/>
+        </a:xfrm>
+      </p:grpSpPr>
+      <p:sp>
+        <p:nvSpPr>
+          <p:cNvPr id="2" name="Title 1"/>
+          <p:cNvSpPr>
+            <a:spLocks noGrp="1"/>
+          </p:cNvSpPr>
+          <p:nvPr>
+            <p:ph type="title"/>
+          </p:nvPr>
+        </p:nvSpPr>
+        <p:spPr>
+          <a:xfrm>
+            <a:off x="1303868" y="982132"/>
+            <a:ext cx="9592732" cy="2954868"/>
+          </a:xfrm>
+        </p:spPr>
+        <p:txBody>
+          <a:bodyPr anchor="ctr">
+            <a:normAutofit/>
+          </a:bodyPr>
+          <a:lstStyle>
+            <a:lvl1pPr algn="ctr">
+              <a:defRPr sz="3200" b="0" cap="none"/>
+            </a:lvl1pPr>
+          </a:lstStyle>
+          <a:p>
+            <a:r>
+              <a:rPr lang="en-US" smtClean="0"/>
+              <a:t>Click to edit Master title style</a:t>
+            </a:r>
+            <a:endParaRPr lang="en-US" dirty="0"/>
+          </a:p>
+        </p:txBody>
+      </p:sp>
+      <p:sp>
+        <p:nvSpPr>
+          <p:cNvPr id="3" name="Text Placeholder 2"/>
+          <p:cNvSpPr>
+            <a:spLocks noGrp="1"/>
+          </p:cNvSpPr>
+          <p:nvPr>
+            <p:ph type="body" idx="1"/>
+          </p:nvPr>
+        </p:nvSpPr>
+        <p:spPr>
+          <a:xfrm>
+            <a:off x="1303868" y="4343399"/>
+            <a:ext cx="9592732" cy="1532467"/>
+          </a:xfrm>
+        </p:spPr>
+        <p:txBody>
+          <a:bodyPr anchor="ctr">
+            <a:normAutofit/>
+          </a:bodyPr>
+          <a:lstStyle>
+            <a:lvl1pPr marL="0" indent="0" algn="ctr">
+              <a:buNone/>
+              <a:defRPr sz="2000">
+                <a:solidFill>
+                  <a:schemeClr val="tx1"/>
+                </a:solidFill>
+              </a:defRPr>
+            </a:lvl1pPr>
+            <a:lvl2pPr marL="457200" indent="0">
+              <a:buNone/>
+              <a:defRPr sz="1800">
+                <a:solidFill>
+                  <a:schemeClr val="tx1">
+                    <a:tint val="75000"/>
+                  </a:schemeClr>
+                </a:solidFill>
+              </a:defRPr>
+            </a:lvl2pPr>
+            <a:lvl3pPr marL="914400" indent="0">
+              <a:buNone/>
+              <a:defRPr sz="1600">
+                <a:solidFill>
+                  <a:schemeClr val="tx1">
+                    <a:tint val="75000"/>
+                  </a:schemeClr>
+                </a:solidFill>
+              </a:defRPr>
+            </a:lvl3pPr>
+            <a:lvl4pPr marL="1371600" indent="0">
+              <a:buNone/>
+              <a:defRPr sz="1400">
+                <a:solidFill>
+                  <a:schemeClr val="tx1">
+                    <a:tint val="75000"/>
+                  </a:schemeClr>
+                </a:solidFill>
+              </a:defRPr>
+            </a:lvl4pPr>
+            <a:lvl5pPr marL="1828800" indent="0">
+              <a:buNone/>
+              <a:defRPr sz="1400">
+                <a:solidFill>
+                  <a:schemeClr val="tx1">
+                    <a:tint val="75000"/>
+                  </a:schemeClr>
+                </a:solidFill>
+              </a:defRPr>
+            </a:lvl5pPr>
+            <a:lvl6pPr marL="2286000" indent="0">
+              <a:buNone/>
+              <a:defRPr sz="1400">
+                <a:solidFill>
+                  <a:schemeClr val="tx1">
+                    <a:tint val="75000"/>
+                  </a:schemeClr>
+                </a:solidFill>
+              </a:defRPr>
+            </a:lvl6pPr>
+            <a:lvl7pPr marL="2743200" indent="0">
+              <a:buNone/>
+              <a:defRPr sz="1400">
+                <a:solidFill>
+                  <a:schemeClr val="tx1">
+                    <a:tint val="75000"/>
+                  </a:schemeClr>
+                </a:solidFill>
+              </a:defRPr>
+            </a:lvl7pPr>
+            <a:lvl8pPr marL="3200400" indent="0">
+              <a:buNone/>
+              <a:defRPr sz="1400">
+                <a:solidFill>
+                  <a:schemeClr val="tx1">
+                    <a:tint val="75000"/>
+                  </a:schemeClr>
+                </a:solidFill>
+              </a:defRPr>
+            </a:lvl8pPr>
+            <a:lvl9pPr marL="3657600" indent="0">
+              <a:buNone/>
+              <a:defRPr sz="1400">
+                <a:solidFill>
+                  <a:schemeClr val="tx1">
+                    <a:tint val="75000"/>
+                  </a:schemeClr>
+                </a:solidFill>
+              </a:defRPr>
+            </a:lvl9pPr>
+          </a:lstStyle>
+          <a:p>
+            <a:pPr lvl="0"/>
+            <a:r>
+              <a:rPr lang="en-US" smtClean="0"/>
+              <a:t>Click to edit Master text styles</a:t>
+            </a:r>
+          </a:p>
+        </p:txBody>
+      </p:sp>
+      <p:sp>
+        <p:nvSpPr>
+          <p:cNvPr id="4" name="Date Placeholder 3"/>
+          <p:cNvSpPr>
+            <a:spLocks noGrp="1"/>
+          </p:cNvSpPr>
+          <p:nvPr>
+            <p:ph type="dt" sz="half" idx="10"/>
+          </p:nvPr>
+        </p:nvSpPr>
+        <p:spPr/>
+        <p:txBody>
+          <a:bodyPr/>
+          <a:lstStyle/>
+          <a:p>
+            <a:fld id="{0EEBE4E2-722C-4916-A391-E0B1B79DBDC9}" type="datetimeFigureOut">
+              <a:rPr lang="en-US" smtClean="0"/>
+              <a:t>11/15/2022</a:t>
+            </a:fld>
+            <a:endParaRPr lang="en-US"/>
+          </a:p>
+        </p:txBody>
+      </p:sp>
+      <p:sp>
+        <p:nvSpPr>
+          <p:cNvPr id="5" name="Footer Placeholder 4"/>
+          <p:cNvSpPr>
+            <a:spLocks noGrp="1"/>
+          </p:cNvSpPr>
+          <p:nvPr>
+            <p:ph type="ftr" sz="quarter" idx="11"/>
+          </p:nvPr>
+        </p:nvSpPr>
+        <p:spPr/>
+        <p:txBody>
+          <a:bodyPr/>
+          <a:lstStyle/>
+          <a:p>
+            <a:endParaRPr lang="en-US"/>
+          </a:p>
+        </p:txBody>
+      </p:sp>
+      <p:sp>
+        <p:nvSpPr>
+          <p:cNvPr id="6" name="Slide Number Placeholder 5"/>
+          <p:cNvSpPr>
+            <a:spLocks noGrp="1"/>
+          </p:cNvSpPr>
+          <p:nvPr>
+            <p:ph type="sldNum" sz="quarter" idx="12"/>
+          </p:nvPr>
+        </p:nvSpPr>
+        <p:spPr/>
+        <p:txBody>
+          <a:bodyPr/>
+          <a:lstStyle/>
+          <a:p>
+            <a:fld id="{BC07FA81-D92D-4079-88C7-8B7259F34E9B}" type="slidenum">
+              <a:rPr lang="en-US" smtClean="0"/>
+              <a:t>‹#›</a:t>
+            </a:fld>
+            <a:endParaRPr lang="en-US"/>
+          </a:p>
+        </p:txBody>
+      </p:sp>
+      <p:cxnSp>
+        <p:nvCxnSpPr>
+          <p:cNvPr id="15" name="Straight Connector 14"/>
+          <p:cNvCxnSpPr/>
+          <p:nvPr/>
+        </p:nvCxnSpPr>
+        <p:spPr>
+          <a:xfrm>
+            <a:off x="1396169" y="4140199"/>
+            <a:ext cx="9407298" cy="0"/>
+          </a:xfrm>
+          <a:prstGeom prst="line">
+            <a:avLst/>
+          </a:prstGeom>
+          <a:ln w="15875"/>
+        </p:spPr>
+        <p:style>
+          <a:lnRef idx="2">
+            <a:schemeClr val="accent1"/>
+          </a:lnRef>
+          <a:fillRef idx="0">
+            <a:schemeClr val="accent1"/>
+          </a:fillRef>
+          <a:effectRef idx="1">
+            <a:schemeClr val="accent1"/>
+          </a:effectRef>
+          <a:fontRef idx="minor">
+            <a:schemeClr val="tx1"/>
+          </a:fontRef>
+        </p:style>
+      </p:cxnSp>
+    </p:spTree>
+    <p:extLst>
+      <p:ext uri="{BB962C8B-B14F-4D97-AF65-F5344CB8AC3E}">
+        <p14:creationId xmlns:p14="http://schemas.microsoft.com/office/powerpoint/2010/main" val="1124072826"/>
+      </p:ext>
+    </p:extLst>
+  </p:cSld>
+  <p:clrMapOvr>
+    <a:masterClrMapping/>
+  </p:clrMapOvr>
+</p:sldLayout>
+</file>
+
+<file path=ppt/slideLayouts/slideLayout12.xml><?xml version="1.0" encoding="utf-8"?>
+<p:sldLayout xmlns:a="http://schemas.openxmlformats.org/drawingml/2006/main" xmlns:r="http://schemas.openxmlformats.org/officeDocument/2006/relationships" xmlns:p="http://schemas.openxmlformats.org/presentationml/2006/main" preserve="1">
+  <p:cSld name="Quote with Caption">
+    <p:spTree>
+      <p:nvGrpSpPr>
+        <p:cNvPr id="1" name=""/>
+        <p:cNvGrpSpPr/>
+        <p:nvPr/>
+      </p:nvGrpSpPr>
+      <p:grpSpPr>
+        <a:xfrm>
+          <a:off x="0" y="0"/>
+          <a:ext cx="0" cy="0"/>
+          <a:chOff x="0" y="0"/>
+          <a:chExt cx="0" cy="0"/>
+        </a:xfrm>
+      </p:grpSpPr>
+      <p:sp>
+        <p:nvSpPr>
+          <p:cNvPr id="2" name="Title 1"/>
+          <p:cNvSpPr>
+            <a:spLocks noGrp="1"/>
+          </p:cNvSpPr>
+          <p:nvPr>
+            <p:ph type="title"/>
+          </p:nvPr>
+        </p:nvSpPr>
+        <p:spPr>
+          <a:xfrm>
+            <a:off x="1446213" y="982132"/>
+            <a:ext cx="9296398" cy="2370668"/>
+          </a:xfrm>
+        </p:spPr>
+        <p:txBody>
+          <a:bodyPr anchor="ctr">
+            <a:normAutofit/>
+          </a:bodyPr>
+          <a:lstStyle>
+            <a:lvl1pPr algn="ctr">
+              <a:defRPr sz="3200" b="0" cap="none">
+                <a:solidFill>
+                  <a:schemeClr val="tx1"/>
+                </a:solidFill>
+              </a:defRPr>
+            </a:lvl1pPr>
+          </a:lstStyle>
+          <a:p>
+            <a:r>
+              <a:rPr lang="en-US" smtClean="0"/>
+              <a:t>Click to edit Master title style</a:t>
+            </a:r>
+            <a:endParaRPr lang="en-US" dirty="0"/>
+          </a:p>
+        </p:txBody>
+      </p:sp>
+      <p:sp>
+        <p:nvSpPr>
+          <p:cNvPr id="10" name="Text Placeholder 9"/>
+          <p:cNvSpPr>
+            <a:spLocks noGrp="1"/>
+          </p:cNvSpPr>
+          <p:nvPr>
+            <p:ph type="body" sz="quarter" idx="13"/>
+          </p:nvPr>
+        </p:nvSpPr>
+        <p:spPr>
+          <a:xfrm>
+            <a:off x="1674812" y="3352800"/>
+            <a:ext cx="8839202" cy="584200"/>
+          </a:xfrm>
+        </p:spPr>
+        <p:txBody>
+          <a:bodyPr anchor="ctr">
+            <a:normAutofit/>
+          </a:bodyPr>
+          <a:lstStyle>
+            <a:lvl1pPr marL="0" indent="0" algn="r">
+              <a:buFontTx/>
+              <a:buNone/>
+              <a:defRPr sz="2000"/>
+            </a:lvl1pPr>
+            <a:lvl2pPr marL="457200" indent="0">
+              <a:buFontTx/>
+              <a:buNone/>
+              <a:defRPr/>
+            </a:lvl2pPr>
+            <a:lvl3pPr marL="914400" indent="0">
+              <a:buFontTx/>
+              <a:buNone/>
+              <a:defRPr/>
+            </a:lvl3pPr>
+            <a:lvl4pPr marL="1371600" indent="0">
+              <a:buFontTx/>
+              <a:buNone/>
+              <a:defRPr/>
+            </a:lvl4pPr>
+            <a:lvl5pPr marL="1828800" indent="0">
+              <a:buFontTx/>
+              <a:buNone/>
+              <a:defRPr/>
+            </a:lvl5pPr>
+          </a:lstStyle>
+          <a:p>
+            <a:pPr lvl="0"/>
+            <a:r>
+              <a:rPr lang="en-US" smtClean="0"/>
+              <a:t>Click to edit Master text styles</a:t>
+            </a:r>
+          </a:p>
+        </p:txBody>
+      </p:sp>
+      <p:sp>
+        <p:nvSpPr>
+          <p:cNvPr id="3" name="Text Placeholder 2"/>
+          <p:cNvSpPr>
+            <a:spLocks noGrp="1"/>
+          </p:cNvSpPr>
+          <p:nvPr>
+            <p:ph type="body" idx="1"/>
+          </p:nvPr>
+        </p:nvSpPr>
+        <p:spPr>
+          <a:xfrm>
+            <a:off x="1295401" y="4343399"/>
+            <a:ext cx="9609666" cy="1532467"/>
+          </a:xfrm>
+        </p:spPr>
+        <p:txBody>
+          <a:bodyPr anchor="ctr">
+            <a:normAutofit/>
+          </a:bodyPr>
+          <a:lstStyle>
+            <a:lvl1pPr marL="0" indent="0" algn="ctr">
+              <a:buNone/>
+              <a:defRPr sz="2000">
+                <a:solidFill>
+                  <a:schemeClr val="tx1"/>
+                </a:solidFill>
+              </a:defRPr>
+            </a:lvl1pPr>
+            <a:lvl2pPr marL="457200" indent="0">
+              <a:buNone/>
+              <a:defRPr sz="1800">
+                <a:solidFill>
+                  <a:schemeClr val="tx1">
+                    <a:tint val="75000"/>
+                  </a:schemeClr>
+                </a:solidFill>
+              </a:defRPr>
+            </a:lvl2pPr>
+            <a:lvl3pPr marL="914400" indent="0">
+              <a:buNone/>
+              <a:defRPr sz="1600">
+                <a:solidFill>
+                  <a:schemeClr val="tx1">
+                    <a:tint val="75000"/>
+                  </a:schemeClr>
+                </a:solidFill>
+              </a:defRPr>
+            </a:lvl3pPr>
+            <a:lvl4pPr marL="1371600" indent="0">
+              <a:buNone/>
+              <a:defRPr sz="1400">
+                <a:solidFill>
+                  <a:schemeClr val="tx1">
+                    <a:tint val="75000"/>
+                  </a:schemeClr>
+                </a:solidFill>
+              </a:defRPr>
+            </a:lvl4pPr>
+            <a:lvl5pPr marL="1828800" indent="0">
+              <a:buNone/>
+              <a:defRPr sz="1400">
+                <a:solidFill>
+                  <a:schemeClr val="tx1">
+                    <a:tint val="75000"/>
+                  </a:schemeClr>
+                </a:solidFill>
+              </a:defRPr>
+            </a:lvl5pPr>
+            <a:lvl6pPr marL="2286000" indent="0">
+              <a:buNone/>
+              <a:defRPr sz="1400">
+                <a:solidFill>
+                  <a:schemeClr val="tx1">
+                    <a:tint val="75000"/>
+                  </a:schemeClr>
+                </a:solidFill>
+              </a:defRPr>
+            </a:lvl6pPr>
+            <a:lvl7pPr marL="2743200" indent="0">
+              <a:buNone/>
+              <a:defRPr sz="1400">
+                <a:solidFill>
+                  <a:schemeClr val="tx1">
+                    <a:tint val="75000"/>
+                  </a:schemeClr>
+                </a:solidFill>
+              </a:defRPr>
+            </a:lvl7pPr>
+            <a:lvl8pPr marL="3200400" indent="0">
+              <a:buNone/>
+              <a:defRPr sz="1400">
+                <a:solidFill>
+                  <a:schemeClr val="tx1">
+                    <a:tint val="75000"/>
+                  </a:schemeClr>
+                </a:solidFill>
+              </a:defRPr>
+            </a:lvl8pPr>
+            <a:lvl9pPr marL="3657600" indent="0">
+              <a:buNone/>
+              <a:defRPr sz="1400">
+                <a:solidFill>
+                  <a:schemeClr val="tx1">
+                    <a:tint val="75000"/>
+                  </a:schemeClr>
+                </a:solidFill>
+              </a:defRPr>
+            </a:lvl9pPr>
+          </a:lstStyle>
+          <a:p>
+            <a:pPr lvl="0"/>
+            <a:r>
+              <a:rPr lang="en-US" smtClean="0"/>
+              <a:t>Click to edit Master text styles</a:t>
+            </a:r>
+          </a:p>
+        </p:txBody>
+      </p:sp>
+      <p:sp>
+        <p:nvSpPr>
+          <p:cNvPr id="4" name="Date Placeholder 3"/>
+          <p:cNvSpPr>
+            <a:spLocks noGrp="1"/>
+          </p:cNvSpPr>
+          <p:nvPr>
+            <p:ph type="dt" sz="half" idx="10"/>
+          </p:nvPr>
+        </p:nvSpPr>
+        <p:spPr/>
+        <p:txBody>
+          <a:bodyPr/>
+          <a:lstStyle/>
+          <a:p>
+            <a:fld id="{0EEBE4E2-722C-4916-A391-E0B1B79DBDC9}" type="datetimeFigureOut">
+              <a:rPr lang="en-US" smtClean="0"/>
+              <a:t>11/15/2022</a:t>
+            </a:fld>
+            <a:endParaRPr lang="en-US"/>
+          </a:p>
+        </p:txBody>
+      </p:sp>
+      <p:sp>
+        <p:nvSpPr>
+          <p:cNvPr id="5" name="Footer Placeholder 4"/>
+          <p:cNvSpPr>
+            <a:spLocks noGrp="1"/>
+          </p:cNvSpPr>
+          <p:nvPr>
+            <p:ph type="ftr" sz="quarter" idx="11"/>
+          </p:nvPr>
+        </p:nvSpPr>
+        <p:spPr/>
+        <p:txBody>
+          <a:bodyPr/>
+          <a:lstStyle/>
+          <a:p>
+            <a:endParaRPr lang="en-US"/>
+          </a:p>
+        </p:txBody>
+      </p:sp>
+      <p:sp>
+        <p:nvSpPr>
+          <p:cNvPr id="6" name="Slide Number Placeholder 5"/>
+          <p:cNvSpPr>
+            <a:spLocks noGrp="1"/>
+          </p:cNvSpPr>
+          <p:nvPr>
+            <p:ph type="sldNum" sz="quarter" idx="12"/>
+          </p:nvPr>
+        </p:nvSpPr>
+        <p:spPr/>
+        <p:txBody>
+          <a:bodyPr/>
+          <a:lstStyle/>
+          <a:p>
+            <a:fld id="{BC07FA81-D92D-4079-88C7-8B7259F34E9B}" type="slidenum">
+              <a:rPr lang="en-US" smtClean="0"/>
+              <a:t>‹#›</a:t>
+            </a:fld>
+            <a:endParaRPr lang="en-US"/>
+          </a:p>
+        </p:txBody>
+      </p:sp>
+      <p:sp>
+        <p:nvSpPr>
+          <p:cNvPr id="14" name="TextBox 13"/>
+          <p:cNvSpPr txBox="1"/>
+          <p:nvPr/>
+        </p:nvSpPr>
+        <p:spPr>
+          <a:xfrm>
+            <a:off x="862013" y="879961"/>
+            <a:ext cx="609600" cy="584776"/>
+          </a:xfrm>
+          <a:prstGeom prst="rect">
+            <a:avLst/>
+          </a:prstGeom>
+        </p:spPr>
+        <p:txBody>
+          <a:bodyPr vert="horz" lIns="91440" tIns="45720" rIns="91440" bIns="45720" rtlCol="0" anchor="ctr">
+            <a:noAutofit/>
+          </a:bodyPr>
+          <a:lstStyle/>
+          <a:p>
+            <a:pPr lvl="0"/>
+            <a:r>
+              <a:rPr lang="en-US" sz="8000" dirty="0">
+                <a:solidFill>
+                  <a:schemeClr val="tx1"/>
+                </a:solidFill>
+                <a:effectLst/>
+              </a:rPr>
+              <a:t>“</a:t>
+            </a:r>
+          </a:p>
+        </p:txBody>
+      </p:sp>
+      <p:sp>
+        <p:nvSpPr>
+          <p:cNvPr id="15" name="TextBox 14"/>
+          <p:cNvSpPr txBox="1"/>
+          <p:nvPr/>
+        </p:nvSpPr>
+        <p:spPr>
+          <a:xfrm>
+            <a:off x="10600267" y="2827870"/>
+            <a:ext cx="609600" cy="584776"/>
+          </a:xfrm>
+          <a:prstGeom prst="rect">
+            <a:avLst/>
+          </a:prstGeom>
+        </p:spPr>
+        <p:txBody>
+          <a:bodyPr vert="horz" lIns="91440" tIns="45720" rIns="91440" bIns="45720" rtlCol="0" anchor="ctr">
+            <a:noAutofit/>
+          </a:bodyPr>
+          <a:lstStyle/>
+          <a:p>
+            <a:pPr lvl="0" algn="r"/>
+            <a:r>
+              <a:rPr lang="en-US" sz="8000" dirty="0">
+                <a:solidFill>
+                  <a:schemeClr val="tx1"/>
+                </a:solidFill>
+                <a:effectLst/>
+              </a:rPr>
+              <a:t>”</a:t>
+            </a:r>
+          </a:p>
+        </p:txBody>
+      </p:sp>
+      <p:cxnSp>
+        <p:nvCxnSpPr>
+          <p:cNvPr id="19" name="Straight Connector 18"/>
+          <p:cNvCxnSpPr/>
+          <p:nvPr/>
+        </p:nvCxnSpPr>
+        <p:spPr>
+          <a:xfrm>
+            <a:off x="1396169" y="4140199"/>
+            <a:ext cx="9407298" cy="0"/>
+          </a:xfrm>
+          <a:prstGeom prst="line">
+            <a:avLst/>
+          </a:prstGeom>
+          <a:ln w="15875"/>
+        </p:spPr>
+        <p:style>
+          <a:lnRef idx="2">
+            <a:schemeClr val="accent1"/>
+          </a:lnRef>
+          <a:fillRef idx="0">
+            <a:schemeClr val="accent1"/>
+          </a:fillRef>
+          <a:effectRef idx="1">
+            <a:schemeClr val="accent1"/>
+          </a:effectRef>
+          <a:fontRef idx="minor">
+            <a:schemeClr val="tx1"/>
+          </a:fontRef>
+        </p:style>
+      </p:cxnSp>
+    </p:spTree>
+    <p:extLst>
+      <p:ext uri="{BB962C8B-B14F-4D97-AF65-F5344CB8AC3E}">
+        <p14:creationId xmlns:p14="http://schemas.microsoft.com/office/powerpoint/2010/main" val="3460317070"/>
+      </p:ext>
+    </p:extLst>
+  </p:cSld>
+  <p:clrMapOvr>
+    <a:masterClrMapping/>
+  </p:clrMapOvr>
+</p:sldLayout>
+</file>
+
+<file path=ppt/slideLayouts/slideLayout13.xml><?xml version="1.0" encoding="utf-8"?>
+<p:sldLayout xmlns:a="http://schemas.openxmlformats.org/drawingml/2006/main" xmlns:r="http://schemas.openxmlformats.org/officeDocument/2006/relationships" xmlns:p="http://schemas.openxmlformats.org/presentationml/2006/main" preserve="1">
+  <p:cSld name="Name Card">
+    <p:spTree>
+      <p:nvGrpSpPr>
+        <p:cNvPr id="1" name=""/>
+        <p:cNvGrpSpPr/>
+        <p:nvPr/>
+      </p:nvGrpSpPr>
+      <p:grpSpPr>
+        <a:xfrm>
+          <a:off x="0" y="0"/>
+          <a:ext cx="0" cy="0"/>
+          <a:chOff x="0" y="0"/>
+          <a:chExt cx="0" cy="0"/>
+        </a:xfrm>
+      </p:grpSpPr>
+      <p:sp>
+        <p:nvSpPr>
+          <p:cNvPr id="2" name="Title 1"/>
+          <p:cNvSpPr>
+            <a:spLocks noGrp="1"/>
+          </p:cNvSpPr>
+          <p:nvPr>
+            <p:ph type="title"/>
+          </p:nvPr>
+        </p:nvSpPr>
+        <p:spPr>
+          <a:xfrm>
+            <a:off x="1295402" y="3308581"/>
+            <a:ext cx="9609668" cy="1468800"/>
+          </a:xfrm>
+        </p:spPr>
+        <p:txBody>
+          <a:bodyPr anchor="b">
+            <a:normAutofit/>
+          </a:bodyPr>
+          <a:lstStyle>
+            <a:lvl1pPr algn="l">
+              <a:defRPr sz="3200" b="0" cap="none"/>
+            </a:lvl1pPr>
+          </a:lstStyle>
+          <a:p>
+            <a:r>
+              <a:rPr lang="en-US" smtClean="0"/>
+              <a:t>Click to edit Master title style</a:t>
+            </a:r>
+            <a:endParaRPr lang="en-US" dirty="0"/>
+          </a:p>
+        </p:txBody>
+      </p:sp>
+      <p:sp>
+        <p:nvSpPr>
+          <p:cNvPr id="3" name="Text Placeholder 2"/>
+          <p:cNvSpPr>
+            <a:spLocks noGrp="1"/>
+          </p:cNvSpPr>
+          <p:nvPr>
+            <p:ph type="body" idx="1"/>
+          </p:nvPr>
+        </p:nvSpPr>
+        <p:spPr>
+          <a:xfrm>
+            <a:off x="1295401" y="4777381"/>
+            <a:ext cx="9609668" cy="860400"/>
+          </a:xfrm>
+        </p:spPr>
+        <p:txBody>
+          <a:bodyPr anchor="t">
+            <a:normAutofit/>
+          </a:bodyPr>
+          <a:lstStyle>
+            <a:lvl1pPr marL="0" indent="0" algn="l">
+              <a:buNone/>
+              <a:defRPr sz="2000">
+                <a:solidFill>
+                  <a:schemeClr val="tx1"/>
+                </a:solidFill>
+              </a:defRPr>
+            </a:lvl1pPr>
+            <a:lvl2pPr marL="457200" indent="0">
+              <a:buNone/>
+              <a:defRPr sz="1800">
+                <a:solidFill>
+                  <a:schemeClr val="tx1">
+                    <a:tint val="75000"/>
+                  </a:schemeClr>
+                </a:solidFill>
+              </a:defRPr>
+            </a:lvl2pPr>
+            <a:lvl3pPr marL="914400" indent="0">
+              <a:buNone/>
+              <a:defRPr sz="1600">
+                <a:solidFill>
+                  <a:schemeClr val="tx1">
+                    <a:tint val="75000"/>
+                  </a:schemeClr>
+                </a:solidFill>
+              </a:defRPr>
+            </a:lvl3pPr>
+            <a:lvl4pPr marL="1371600" indent="0">
+              <a:buNone/>
+              <a:defRPr sz="1400">
+                <a:solidFill>
+                  <a:schemeClr val="tx1">
+                    <a:tint val="75000"/>
+                  </a:schemeClr>
+                </a:solidFill>
+              </a:defRPr>
+            </a:lvl4pPr>
+            <a:lvl5pPr marL="1828800" indent="0">
+              <a:buNone/>
+              <a:defRPr sz="1400">
+                <a:solidFill>
+                  <a:schemeClr val="tx1">
+                    <a:tint val="75000"/>
+                  </a:schemeClr>
+                </a:solidFill>
+              </a:defRPr>
+            </a:lvl5pPr>
+            <a:lvl6pPr marL="2286000" indent="0">
+              <a:buNone/>
+              <a:defRPr sz="1400">
+                <a:solidFill>
+                  <a:schemeClr val="tx1">
+                    <a:tint val="75000"/>
+                  </a:schemeClr>
+                </a:solidFill>
+              </a:defRPr>
+            </a:lvl6pPr>
+            <a:lvl7pPr marL="2743200" indent="0">
+              <a:buNone/>
+              <a:defRPr sz="1400">
+                <a:solidFill>
+                  <a:schemeClr val="tx1">
+                    <a:tint val="75000"/>
+                  </a:schemeClr>
+                </a:solidFill>
+              </a:defRPr>
+            </a:lvl7pPr>
+            <a:lvl8pPr marL="3200400" indent="0">
+              <a:buNone/>
+              <a:defRPr sz="1400">
+                <a:solidFill>
+                  <a:schemeClr val="tx1">
+                    <a:tint val="75000"/>
+                  </a:schemeClr>
+                </a:solidFill>
+              </a:defRPr>
+            </a:lvl8pPr>
+            <a:lvl9pPr marL="3657600" indent="0">
+              <a:buNone/>
+              <a:defRPr sz="1400">
+                <a:solidFill>
+                  <a:schemeClr val="tx1">
+                    <a:tint val="75000"/>
+                  </a:schemeClr>
+                </a:solidFill>
+              </a:defRPr>
+            </a:lvl9pPr>
+          </a:lstStyle>
+          <a:p>
+            <a:pPr lvl="0"/>
+            <a:r>
+              <a:rPr lang="en-US" smtClean="0"/>
+              <a:t>Click to edit Master text styles</a:t>
+            </a:r>
+          </a:p>
+        </p:txBody>
+      </p:sp>
+      <p:sp>
+        <p:nvSpPr>
+          <p:cNvPr id="4" name="Date Placeholder 3"/>
+          <p:cNvSpPr>
+            <a:spLocks noGrp="1"/>
+          </p:cNvSpPr>
+          <p:nvPr>
+            <p:ph type="dt" sz="half" idx="10"/>
+          </p:nvPr>
+        </p:nvSpPr>
+        <p:spPr/>
+        <p:txBody>
+          <a:bodyPr/>
+          <a:lstStyle/>
+          <a:p>
+            <a:fld id="{0EEBE4E2-722C-4916-A391-E0B1B79DBDC9}" type="datetimeFigureOut">
+              <a:rPr lang="en-US" smtClean="0"/>
+              <a:t>11/15/2022</a:t>
+            </a:fld>
+            <a:endParaRPr lang="en-US"/>
+          </a:p>
+        </p:txBody>
+      </p:sp>
+      <p:sp>
+        <p:nvSpPr>
+          <p:cNvPr id="5" name="Footer Placeholder 4"/>
+          <p:cNvSpPr>
+            <a:spLocks noGrp="1"/>
+          </p:cNvSpPr>
+          <p:nvPr>
+            <p:ph type="ftr" sz="quarter" idx="11"/>
+          </p:nvPr>
+        </p:nvSpPr>
+        <p:spPr/>
+        <p:txBody>
+          <a:bodyPr/>
+          <a:lstStyle/>
+          <a:p>
+            <a:endParaRPr lang="en-US"/>
+          </a:p>
+        </p:txBody>
+      </p:sp>
+      <p:sp>
+        <p:nvSpPr>
+          <p:cNvPr id="6" name="Slide Number Placeholder 5"/>
+          <p:cNvSpPr>
+            <a:spLocks noGrp="1"/>
+          </p:cNvSpPr>
+          <p:nvPr>
+            <p:ph type="sldNum" sz="quarter" idx="12"/>
+          </p:nvPr>
+        </p:nvSpPr>
+        <p:spPr/>
+        <p:txBody>
+          <a:bodyPr/>
+          <a:lstStyle/>
+          <a:p>
+            <a:fld id="{BC07FA81-D92D-4079-88C7-8B7259F34E9B}" type="slidenum">
+              <a:rPr lang="en-US" smtClean="0"/>
+              <a:t>‹#›</a:t>
+            </a:fld>
+            <a:endParaRPr lang="en-US"/>
+          </a:p>
+        </p:txBody>
+      </p:sp>
+    </p:spTree>
+    <p:extLst>
+      <p:ext uri="{BB962C8B-B14F-4D97-AF65-F5344CB8AC3E}">
+        <p14:creationId xmlns:p14="http://schemas.microsoft.com/office/powerpoint/2010/main" val="3076904328"/>
+      </p:ext>
+    </p:extLst>
+  </p:cSld>
+  <p:clrMapOvr>
+    <a:masterClrMapping/>
+  </p:clrMapOvr>
+</p:sldLayout>
+</file>
+
+<file path=ppt/slideLayouts/slideLayout14.xml><?xml version="1.0" encoding="utf-8"?>
+<p:sldLayout xmlns:a="http://schemas.openxmlformats.org/drawingml/2006/main" xmlns:r="http://schemas.openxmlformats.org/officeDocument/2006/relationships" xmlns:p="http://schemas.openxmlformats.org/presentationml/2006/main" preserve="1">
+  <p:cSld name="Quote Name Card">
+    <p:spTree>
+      <p:nvGrpSpPr>
+        <p:cNvPr id="1" name=""/>
+        <p:cNvGrpSpPr/>
+        <p:nvPr/>
+      </p:nvGrpSpPr>
+      <p:grpSpPr>
+        <a:xfrm>
+          <a:off x="0" y="0"/>
+          <a:ext cx="0" cy="0"/>
+          <a:chOff x="0" y="0"/>
+          <a:chExt cx="0" cy="0"/>
+        </a:xfrm>
+      </p:grpSpPr>
+      <p:sp>
+        <p:nvSpPr>
+          <p:cNvPr id="2" name="Title 1"/>
+          <p:cNvSpPr>
+            <a:spLocks noGrp="1"/>
+          </p:cNvSpPr>
+          <p:nvPr>
+            <p:ph type="title"/>
+          </p:nvPr>
+        </p:nvSpPr>
+        <p:spPr>
+          <a:xfrm>
+            <a:off x="1446213" y="982132"/>
+            <a:ext cx="9296398" cy="2243668"/>
+          </a:xfrm>
+        </p:spPr>
+        <p:txBody>
+          <a:bodyPr anchor="ctr">
+            <a:normAutofit/>
+          </a:bodyPr>
+          <a:lstStyle>
+            <a:lvl1pPr algn="ctr">
+              <a:defRPr sz="3200" b="0" cap="none">
+                <a:solidFill>
+                  <a:schemeClr val="tx1"/>
+                </a:solidFill>
+              </a:defRPr>
+            </a:lvl1pPr>
+          </a:lstStyle>
+          <a:p>
+            <a:r>
+              <a:rPr lang="en-US" smtClean="0"/>
+              <a:t>Click to edit Master title style</a:t>
+            </a:r>
+            <a:endParaRPr lang="en-US" dirty="0"/>
+          </a:p>
+        </p:txBody>
+      </p:sp>
+      <p:sp>
+        <p:nvSpPr>
+          <p:cNvPr id="23" name="Text Placeholder 2"/>
+          <p:cNvSpPr>
+            <a:spLocks noGrp="1"/>
+          </p:cNvSpPr>
+          <p:nvPr>
+            <p:ph type="body" idx="13"/>
+          </p:nvPr>
+        </p:nvSpPr>
+        <p:spPr>
+          <a:xfrm>
+            <a:off x="1295401" y="3639312"/>
+            <a:ext cx="9609668" cy="886968"/>
+          </a:xfrm>
+        </p:spPr>
+        <p:txBody>
+          <a:bodyPr anchor="b">
+            <a:normAutofit/>
+          </a:bodyPr>
+          <a:lstStyle>
+            <a:lvl1pPr marL="0" indent="0" algn="l">
+              <a:spcBef>
+                <a:spcPts val="0"/>
+              </a:spcBef>
+              <a:buNone/>
+              <a:defRPr sz="2400">
+                <a:solidFill>
+                  <a:schemeClr val="tx1"/>
+                </a:solidFill>
+              </a:defRPr>
+            </a:lvl1pPr>
+            <a:lvl2pPr marL="457200" indent="0">
+              <a:buNone/>
+              <a:defRPr sz="1800">
+                <a:solidFill>
+                  <a:schemeClr val="tx1">
+                    <a:tint val="75000"/>
+                  </a:schemeClr>
+                </a:solidFill>
+              </a:defRPr>
+            </a:lvl2pPr>
+            <a:lvl3pPr marL="914400" indent="0">
+              <a:buNone/>
+              <a:defRPr sz="1600">
+                <a:solidFill>
+                  <a:schemeClr val="tx1">
+                    <a:tint val="75000"/>
+                  </a:schemeClr>
+                </a:solidFill>
+              </a:defRPr>
+            </a:lvl3pPr>
+            <a:lvl4pPr marL="1371600" indent="0">
+              <a:buNone/>
+              <a:defRPr sz="1400">
+                <a:solidFill>
+                  <a:schemeClr val="tx1">
+                    <a:tint val="75000"/>
+                  </a:schemeClr>
+                </a:solidFill>
+              </a:defRPr>
+            </a:lvl4pPr>
+            <a:lvl5pPr marL="1828800" indent="0">
+              <a:buNone/>
+              <a:defRPr sz="1400">
+                <a:solidFill>
+                  <a:schemeClr val="tx1">
+                    <a:tint val="75000"/>
+                  </a:schemeClr>
+                </a:solidFill>
+              </a:defRPr>
+            </a:lvl5pPr>
+            <a:lvl6pPr marL="2286000" indent="0">
+              <a:buNone/>
+              <a:defRPr sz="1400">
+                <a:solidFill>
+                  <a:schemeClr val="tx1">
+                    <a:tint val="75000"/>
+                  </a:schemeClr>
+                </a:solidFill>
+              </a:defRPr>
+            </a:lvl6pPr>
+            <a:lvl7pPr marL="2743200" indent="0">
+              <a:buNone/>
+              <a:defRPr sz="1400">
+                <a:solidFill>
+                  <a:schemeClr val="tx1">
+                    <a:tint val="75000"/>
+                  </a:schemeClr>
+                </a:solidFill>
+              </a:defRPr>
+            </a:lvl7pPr>
+            <a:lvl8pPr marL="3200400" indent="0">
+              <a:buNone/>
+              <a:defRPr sz="1400">
+                <a:solidFill>
+                  <a:schemeClr val="tx1">
+                    <a:tint val="75000"/>
+                  </a:schemeClr>
+                </a:solidFill>
+              </a:defRPr>
+            </a:lvl8pPr>
+            <a:lvl9pPr marL="3657600" indent="0">
+              <a:buNone/>
+              <a:defRPr sz="1400">
+                <a:solidFill>
+                  <a:schemeClr val="tx1">
+                    <a:tint val="75000"/>
+                  </a:schemeClr>
+                </a:solidFill>
+              </a:defRPr>
+            </a:lvl9pPr>
+          </a:lstStyle>
+          <a:p>
+            <a:pPr lvl="0"/>
+            <a:r>
+              <a:rPr lang="en-US" smtClean="0"/>
+              <a:t>Click to edit Master text styles</a:t>
+            </a:r>
+          </a:p>
+        </p:txBody>
+      </p:sp>
+      <p:sp>
+        <p:nvSpPr>
+          <p:cNvPr id="3" name="Text Placeholder 2"/>
+          <p:cNvSpPr>
+            <a:spLocks noGrp="1"/>
+          </p:cNvSpPr>
+          <p:nvPr>
+            <p:ph type="body" idx="1"/>
+          </p:nvPr>
+        </p:nvSpPr>
+        <p:spPr>
+          <a:xfrm>
+            <a:off x="1295401" y="4529667"/>
+            <a:ext cx="9609668" cy="1346200"/>
+          </a:xfrm>
+        </p:spPr>
+        <p:txBody>
+          <a:bodyPr anchor="t">
+            <a:normAutofit/>
+          </a:bodyPr>
+          <a:lstStyle>
+            <a:lvl1pPr marL="0" indent="0" algn="l">
+              <a:buNone/>
+              <a:defRPr sz="1800">
+                <a:solidFill>
+                  <a:schemeClr val="tx1"/>
+                </a:solidFill>
+              </a:defRPr>
+            </a:lvl1pPr>
+            <a:lvl2pPr marL="457200" indent="0">
+              <a:buNone/>
+              <a:defRPr sz="1800">
+                <a:solidFill>
+                  <a:schemeClr val="tx1">
+                    <a:tint val="75000"/>
+                  </a:schemeClr>
+                </a:solidFill>
+              </a:defRPr>
+            </a:lvl2pPr>
+            <a:lvl3pPr marL="914400" indent="0">
+              <a:buNone/>
+              <a:defRPr sz="1600">
+                <a:solidFill>
+                  <a:schemeClr val="tx1">
+                    <a:tint val="75000"/>
+                  </a:schemeClr>
+                </a:solidFill>
+              </a:defRPr>
+            </a:lvl3pPr>
+            <a:lvl4pPr marL="1371600" indent="0">
+              <a:buNone/>
+              <a:defRPr sz="1400">
+                <a:solidFill>
+                  <a:schemeClr val="tx1">
+                    <a:tint val="75000"/>
+                  </a:schemeClr>
+                </a:solidFill>
+              </a:defRPr>
+            </a:lvl4pPr>
+            <a:lvl5pPr marL="1828800" indent="0">
+              <a:buNone/>
+              <a:defRPr sz="1400">
+                <a:solidFill>
+                  <a:schemeClr val="tx1">
+                    <a:tint val="75000"/>
+                  </a:schemeClr>
+                </a:solidFill>
+              </a:defRPr>
+            </a:lvl5pPr>
+            <a:lvl6pPr marL="2286000" indent="0">
+              <a:buNone/>
+              <a:defRPr sz="1400">
+                <a:solidFill>
+                  <a:schemeClr val="tx1">
+                    <a:tint val="75000"/>
+                  </a:schemeClr>
+                </a:solidFill>
+              </a:defRPr>
+            </a:lvl6pPr>
+            <a:lvl7pPr marL="2743200" indent="0">
+              <a:buNone/>
+              <a:defRPr sz="1400">
+                <a:solidFill>
+                  <a:schemeClr val="tx1">
+                    <a:tint val="75000"/>
+                  </a:schemeClr>
+                </a:solidFill>
+              </a:defRPr>
+            </a:lvl7pPr>
+            <a:lvl8pPr marL="3200400" indent="0">
+              <a:buNone/>
+              <a:defRPr sz="1400">
+                <a:solidFill>
+                  <a:schemeClr val="tx1">
+                    <a:tint val="75000"/>
+                  </a:schemeClr>
+                </a:solidFill>
+              </a:defRPr>
+            </a:lvl8pPr>
+            <a:lvl9pPr marL="3657600" indent="0">
+              <a:buNone/>
+              <a:defRPr sz="1400">
+                <a:solidFill>
+                  <a:schemeClr val="tx1">
+                    <a:tint val="75000"/>
+                  </a:schemeClr>
+                </a:solidFill>
+              </a:defRPr>
+            </a:lvl9pPr>
+          </a:lstStyle>
+          <a:p>
+            <a:pPr lvl="0"/>
+            <a:r>
+              <a:rPr lang="en-US" smtClean="0"/>
+              <a:t>Click to edit Master text styles</a:t>
+            </a:r>
+          </a:p>
+        </p:txBody>
+      </p:sp>
+      <p:sp>
+        <p:nvSpPr>
+          <p:cNvPr id="4" name="Date Placeholder 3"/>
+          <p:cNvSpPr>
+            <a:spLocks noGrp="1"/>
+          </p:cNvSpPr>
+          <p:nvPr>
+            <p:ph type="dt" sz="half" idx="10"/>
+          </p:nvPr>
+        </p:nvSpPr>
+        <p:spPr/>
+        <p:txBody>
+          <a:bodyPr/>
+          <a:lstStyle/>
+          <a:p>
+            <a:fld id="{0EEBE4E2-722C-4916-A391-E0B1B79DBDC9}" type="datetimeFigureOut">
+              <a:rPr lang="en-US" smtClean="0"/>
+              <a:t>11/15/2022</a:t>
+            </a:fld>
+            <a:endParaRPr lang="en-US"/>
+          </a:p>
+        </p:txBody>
+      </p:sp>
+      <p:sp>
+        <p:nvSpPr>
+          <p:cNvPr id="5" name="Footer Placeholder 4"/>
+          <p:cNvSpPr>
+            <a:spLocks noGrp="1"/>
+          </p:cNvSpPr>
+          <p:nvPr>
+            <p:ph type="ftr" sz="quarter" idx="11"/>
+          </p:nvPr>
+        </p:nvSpPr>
+        <p:spPr/>
+        <p:txBody>
+          <a:bodyPr/>
+          <a:lstStyle/>
+          <a:p>
+            <a:endParaRPr lang="en-US"/>
+          </a:p>
+        </p:txBody>
+      </p:sp>
+      <p:sp>
+        <p:nvSpPr>
+          <p:cNvPr id="6" name="Slide Number Placeholder 5"/>
+          <p:cNvSpPr>
+            <a:spLocks noGrp="1"/>
+          </p:cNvSpPr>
+          <p:nvPr>
+            <p:ph type="sldNum" sz="quarter" idx="12"/>
+          </p:nvPr>
+        </p:nvSpPr>
+        <p:spPr/>
+        <p:txBody>
+          <a:bodyPr/>
+          <a:lstStyle/>
+          <a:p>
+            <a:fld id="{BC07FA81-D92D-4079-88C7-8B7259F34E9B}" type="slidenum">
+              <a:rPr lang="en-US" smtClean="0"/>
+              <a:t>‹#›</a:t>
+            </a:fld>
+            <a:endParaRPr lang="en-US"/>
+          </a:p>
+        </p:txBody>
+      </p:sp>
+      <p:sp>
+        <p:nvSpPr>
+          <p:cNvPr id="12" name="TextBox 11"/>
+          <p:cNvSpPr txBox="1"/>
+          <p:nvPr/>
+        </p:nvSpPr>
+        <p:spPr>
+          <a:xfrm>
+            <a:off x="862013" y="879961"/>
+            <a:ext cx="609600" cy="584776"/>
+          </a:xfrm>
+          <a:prstGeom prst="rect">
+            <a:avLst/>
+          </a:prstGeom>
+        </p:spPr>
+        <p:txBody>
+          <a:bodyPr vert="horz" lIns="91440" tIns="45720" rIns="91440" bIns="45720" rtlCol="0" anchor="ctr">
+            <a:noAutofit/>
+          </a:bodyPr>
+          <a:lstStyle/>
+          <a:p>
+            <a:pPr lvl="0"/>
+            <a:r>
+              <a:rPr lang="en-US" sz="8000" dirty="0">
+                <a:solidFill>
+                  <a:schemeClr val="tx1"/>
+                </a:solidFill>
+                <a:effectLst/>
+              </a:rPr>
+              <a:t>“</a:t>
+            </a:r>
+          </a:p>
+        </p:txBody>
+      </p:sp>
+      <p:sp>
+        <p:nvSpPr>
+          <p:cNvPr id="13" name="TextBox 12"/>
+          <p:cNvSpPr txBox="1"/>
+          <p:nvPr/>
+        </p:nvSpPr>
+        <p:spPr>
+          <a:xfrm>
+            <a:off x="10600267" y="2599261"/>
+            <a:ext cx="609600" cy="584776"/>
+          </a:xfrm>
+          <a:prstGeom prst="rect">
+            <a:avLst/>
+          </a:prstGeom>
+        </p:spPr>
+        <p:txBody>
+          <a:bodyPr vert="horz" lIns="91440" tIns="45720" rIns="91440" bIns="45720" rtlCol="0" anchor="ctr">
+            <a:noAutofit/>
+          </a:bodyPr>
+          <a:lstStyle/>
+          <a:p>
+            <a:pPr lvl="0" algn="r"/>
+            <a:r>
+              <a:rPr lang="en-US" sz="8000" dirty="0">
+                <a:solidFill>
+                  <a:schemeClr val="tx1"/>
+                </a:solidFill>
+                <a:effectLst/>
+              </a:rPr>
+              <a:t>”</a:t>
+            </a:r>
+          </a:p>
+        </p:txBody>
+      </p:sp>
+      <p:cxnSp>
+        <p:nvCxnSpPr>
+          <p:cNvPr id="26" name="Straight Connector 25"/>
+          <p:cNvCxnSpPr/>
+          <p:nvPr/>
+        </p:nvCxnSpPr>
+        <p:spPr>
+          <a:xfrm>
+            <a:off x="1396169" y="3429000"/>
+            <a:ext cx="9407298" cy="0"/>
+          </a:xfrm>
+          <a:prstGeom prst="line">
+            <a:avLst/>
+          </a:prstGeom>
+          <a:ln w="15875"/>
+        </p:spPr>
+        <p:style>
+          <a:lnRef idx="2">
+            <a:schemeClr val="accent1"/>
+          </a:lnRef>
+          <a:fillRef idx="0">
+            <a:schemeClr val="accent1"/>
+          </a:fillRef>
+          <a:effectRef idx="1">
+            <a:schemeClr val="accent1"/>
+          </a:effectRef>
+          <a:fontRef idx="minor">
+            <a:schemeClr val="tx1"/>
+          </a:fontRef>
+        </p:style>
+      </p:cxnSp>
+    </p:spTree>
+    <p:extLst>
+      <p:ext uri="{BB962C8B-B14F-4D97-AF65-F5344CB8AC3E}">
+        <p14:creationId xmlns:p14="http://schemas.microsoft.com/office/powerpoint/2010/main" val="745994575"/>
+      </p:ext>
+    </p:extLst>
+  </p:cSld>
+  <p:clrMapOvr>
+    <a:masterClrMapping/>
+  </p:clrMapOvr>
+</p:sldLayout>
+</file>
+
+<file path=ppt/slideLayouts/slideLayout15.xml><?xml version="1.0" encoding="utf-8"?>
+<p:sldLayout xmlns:a="http://schemas.openxmlformats.org/drawingml/2006/main" xmlns:r="http://schemas.openxmlformats.org/officeDocument/2006/relationships" xmlns:p="http://schemas.openxmlformats.org/presentationml/2006/main" preserve="1">
+  <p:cSld name="True or False">
+    <p:spTree>
+      <p:nvGrpSpPr>
+        <p:cNvPr id="1" name=""/>
+        <p:cNvGrpSpPr/>
+        <p:nvPr/>
+      </p:nvGrpSpPr>
+      <p:grpSpPr>
+        <a:xfrm>
+          <a:off x="0" y="0"/>
+          <a:ext cx="0" cy="0"/>
+          <a:chOff x="0" y="0"/>
+          <a:chExt cx="0" cy="0"/>
+        </a:xfrm>
+      </p:grpSpPr>
+      <p:sp>
+        <p:nvSpPr>
+          <p:cNvPr id="2" name="Title 1"/>
+          <p:cNvSpPr>
+            <a:spLocks noGrp="1"/>
+          </p:cNvSpPr>
+          <p:nvPr>
+            <p:ph type="title"/>
+          </p:nvPr>
+        </p:nvSpPr>
+        <p:spPr>
+          <a:xfrm>
+            <a:off x="1295401" y="982132"/>
+            <a:ext cx="9609666" cy="2243668"/>
+          </a:xfrm>
+        </p:spPr>
+        <p:txBody>
+          <a:bodyPr vert="horz" lIns="91440" tIns="45720" rIns="91440" bIns="45720" rtlCol="0" anchor="ctr">
+            <a:normAutofit/>
+          </a:bodyPr>
+          <a:lstStyle>
+            <a:lvl1pPr>
+              <a:defRPr lang="en-US" b="0" dirty="0"/>
+            </a:lvl1pPr>
+          </a:lstStyle>
+          <a:p>
+            <a:pPr marL="0" lvl="0"/>
+            <a:r>
+              <a:rPr lang="en-US" smtClean="0"/>
+              <a:t>Click to edit Master title style</a:t>
+            </a:r>
+            <a:endParaRPr lang="en-US" dirty="0"/>
+          </a:p>
+        </p:txBody>
+      </p:sp>
+      <p:sp>
+        <p:nvSpPr>
+          <p:cNvPr id="20" name="Text Placeholder 2"/>
+          <p:cNvSpPr>
+            <a:spLocks noGrp="1"/>
+          </p:cNvSpPr>
+          <p:nvPr>
+            <p:ph type="body" idx="13"/>
+          </p:nvPr>
+        </p:nvSpPr>
+        <p:spPr>
+          <a:xfrm>
+            <a:off x="1295401" y="3630168"/>
+            <a:ext cx="9609668" cy="841248"/>
+          </a:xfrm>
+        </p:spPr>
+        <p:txBody>
+          <a:bodyPr anchor="b">
+            <a:normAutofit/>
+          </a:bodyPr>
+          <a:lstStyle>
+            <a:lvl1pPr marL="0" indent="0" algn="l">
+              <a:spcBef>
+                <a:spcPts val="0"/>
+              </a:spcBef>
+              <a:buNone/>
+              <a:defRPr sz="2800">
+                <a:solidFill>
+                  <a:schemeClr val="tx1"/>
+                </a:solidFill>
+              </a:defRPr>
+            </a:lvl1pPr>
+            <a:lvl2pPr marL="457200" indent="0">
+              <a:buNone/>
+              <a:defRPr sz="1800">
+                <a:solidFill>
+                  <a:schemeClr val="tx1">
+                    <a:tint val="75000"/>
+                  </a:schemeClr>
+                </a:solidFill>
+              </a:defRPr>
+            </a:lvl2pPr>
+            <a:lvl3pPr marL="914400" indent="0">
+              <a:buNone/>
+              <a:defRPr sz="1600">
+                <a:solidFill>
+                  <a:schemeClr val="tx1">
+                    <a:tint val="75000"/>
+                  </a:schemeClr>
+                </a:solidFill>
+              </a:defRPr>
+            </a:lvl3pPr>
+            <a:lvl4pPr marL="1371600" indent="0">
+              <a:buNone/>
+              <a:defRPr sz="1400">
+                <a:solidFill>
+                  <a:schemeClr val="tx1">
+                    <a:tint val="75000"/>
+                  </a:schemeClr>
+                </a:solidFill>
+              </a:defRPr>
+            </a:lvl4pPr>
+            <a:lvl5pPr marL="1828800" indent="0">
+              <a:buNone/>
+              <a:defRPr sz="1400">
+                <a:solidFill>
+                  <a:schemeClr val="tx1">
+                    <a:tint val="75000"/>
+                  </a:schemeClr>
+                </a:solidFill>
+              </a:defRPr>
+            </a:lvl5pPr>
+            <a:lvl6pPr marL="2286000" indent="0">
+              <a:buNone/>
+              <a:defRPr sz="1400">
+                <a:solidFill>
+                  <a:schemeClr val="tx1">
+                    <a:tint val="75000"/>
+                  </a:schemeClr>
+                </a:solidFill>
+              </a:defRPr>
+            </a:lvl6pPr>
+            <a:lvl7pPr marL="2743200" indent="0">
+              <a:buNone/>
+              <a:defRPr sz="1400">
+                <a:solidFill>
+                  <a:schemeClr val="tx1">
+                    <a:tint val="75000"/>
+                  </a:schemeClr>
+                </a:solidFill>
+              </a:defRPr>
+            </a:lvl7pPr>
+            <a:lvl8pPr marL="3200400" indent="0">
+              <a:buNone/>
+              <a:defRPr sz="1400">
+                <a:solidFill>
+                  <a:schemeClr val="tx1">
+                    <a:tint val="75000"/>
+                  </a:schemeClr>
+                </a:solidFill>
+              </a:defRPr>
+            </a:lvl8pPr>
+            <a:lvl9pPr marL="3657600" indent="0">
+              <a:buNone/>
+              <a:defRPr sz="1400">
+                <a:solidFill>
+                  <a:schemeClr val="tx1">
+                    <a:tint val="75000"/>
+                  </a:schemeClr>
+                </a:solidFill>
+              </a:defRPr>
+            </a:lvl9pPr>
+          </a:lstStyle>
+          <a:p>
+            <a:pPr lvl="0"/>
+            <a:r>
+              <a:rPr lang="en-US" smtClean="0"/>
+              <a:t>Click to edit Master text styles</a:t>
+            </a:r>
+          </a:p>
+        </p:txBody>
+      </p:sp>
+      <p:sp>
+        <p:nvSpPr>
+          <p:cNvPr id="3" name="Text Placeholder 2"/>
+          <p:cNvSpPr>
+            <a:spLocks noGrp="1"/>
+          </p:cNvSpPr>
+          <p:nvPr>
+            <p:ph type="body" idx="1"/>
+          </p:nvPr>
+        </p:nvSpPr>
+        <p:spPr>
+          <a:xfrm>
+            <a:off x="1295400" y="4470399"/>
+            <a:ext cx="9609670" cy="1405467"/>
+          </a:xfrm>
+        </p:spPr>
+        <p:txBody>
+          <a:bodyPr anchor="t">
+            <a:normAutofit/>
+          </a:bodyPr>
+          <a:lstStyle>
+            <a:lvl1pPr marL="0" indent="0" algn="l">
+              <a:buNone/>
+              <a:defRPr sz="1800">
+                <a:solidFill>
+                  <a:schemeClr val="tx1"/>
+                </a:solidFill>
+              </a:defRPr>
+            </a:lvl1pPr>
+            <a:lvl2pPr marL="457200" indent="0">
+              <a:buNone/>
+              <a:defRPr sz="1800">
+                <a:solidFill>
+                  <a:schemeClr val="tx1">
+                    <a:tint val="75000"/>
+                  </a:schemeClr>
+                </a:solidFill>
+              </a:defRPr>
+            </a:lvl2pPr>
+            <a:lvl3pPr marL="914400" indent="0">
+              <a:buNone/>
+              <a:defRPr sz="1600">
+                <a:solidFill>
+                  <a:schemeClr val="tx1">
+                    <a:tint val="75000"/>
+                  </a:schemeClr>
+                </a:solidFill>
+              </a:defRPr>
+            </a:lvl3pPr>
+            <a:lvl4pPr marL="1371600" indent="0">
+              <a:buNone/>
+              <a:defRPr sz="1400">
+                <a:solidFill>
+                  <a:schemeClr val="tx1">
+                    <a:tint val="75000"/>
+                  </a:schemeClr>
+                </a:solidFill>
+              </a:defRPr>
+            </a:lvl4pPr>
+            <a:lvl5pPr marL="1828800" indent="0">
+              <a:buNone/>
+              <a:defRPr sz="1400">
+                <a:solidFill>
+                  <a:schemeClr val="tx1">
+                    <a:tint val="75000"/>
+                  </a:schemeClr>
+                </a:solidFill>
+              </a:defRPr>
+            </a:lvl5pPr>
+            <a:lvl6pPr marL="2286000" indent="0">
+              <a:buNone/>
+              <a:defRPr sz="1400">
+                <a:solidFill>
+                  <a:schemeClr val="tx1">
+                    <a:tint val="75000"/>
+                  </a:schemeClr>
+                </a:solidFill>
+              </a:defRPr>
+            </a:lvl6pPr>
+            <a:lvl7pPr marL="2743200" indent="0">
+              <a:buNone/>
+              <a:defRPr sz="1400">
+                <a:solidFill>
+                  <a:schemeClr val="tx1">
+                    <a:tint val="75000"/>
+                  </a:schemeClr>
+                </a:solidFill>
+              </a:defRPr>
+            </a:lvl7pPr>
+            <a:lvl8pPr marL="3200400" indent="0">
+              <a:buNone/>
+              <a:defRPr sz="1400">
+                <a:solidFill>
+                  <a:schemeClr val="tx1">
+                    <a:tint val="75000"/>
+                  </a:schemeClr>
+                </a:solidFill>
+              </a:defRPr>
+            </a:lvl8pPr>
+            <a:lvl9pPr marL="3657600" indent="0">
+              <a:buNone/>
+              <a:defRPr sz="1400">
+                <a:solidFill>
+                  <a:schemeClr val="tx1">
+                    <a:tint val="75000"/>
+                  </a:schemeClr>
+                </a:solidFill>
+              </a:defRPr>
+            </a:lvl9pPr>
+          </a:lstStyle>
+          <a:p>
+            <a:pPr lvl="0"/>
+            <a:r>
+              <a:rPr lang="en-US" smtClean="0"/>
+              <a:t>Click to edit Master text styles</a:t>
+            </a:r>
+          </a:p>
+        </p:txBody>
+      </p:sp>
+      <p:sp>
+        <p:nvSpPr>
+          <p:cNvPr id="4" name="Date Placeholder 3"/>
+          <p:cNvSpPr>
+            <a:spLocks noGrp="1"/>
+          </p:cNvSpPr>
+          <p:nvPr>
+            <p:ph type="dt" sz="half" idx="10"/>
+          </p:nvPr>
+        </p:nvSpPr>
+        <p:spPr/>
+        <p:txBody>
+          <a:bodyPr/>
+          <a:lstStyle/>
+          <a:p>
+            <a:fld id="{0EEBE4E2-722C-4916-A391-E0B1B79DBDC9}" type="datetimeFigureOut">
+              <a:rPr lang="en-US" smtClean="0"/>
+              <a:t>11/15/2022</a:t>
+            </a:fld>
+            <a:endParaRPr lang="en-US"/>
+          </a:p>
+        </p:txBody>
+      </p:sp>
+      <p:sp>
+        <p:nvSpPr>
+          <p:cNvPr id="5" name="Footer Placeholder 4"/>
+          <p:cNvSpPr>
+            <a:spLocks noGrp="1"/>
+          </p:cNvSpPr>
+          <p:nvPr>
+            <p:ph type="ftr" sz="quarter" idx="11"/>
+          </p:nvPr>
+        </p:nvSpPr>
+        <p:spPr/>
+        <p:txBody>
+          <a:bodyPr/>
+          <a:lstStyle/>
+          <a:p>
+            <a:endParaRPr lang="en-US"/>
+          </a:p>
+        </p:txBody>
+      </p:sp>
+      <p:sp>
+        <p:nvSpPr>
+          <p:cNvPr id="6" name="Slide Number Placeholder 5"/>
+          <p:cNvSpPr>
+            <a:spLocks noGrp="1"/>
+          </p:cNvSpPr>
+          <p:nvPr>
+            <p:ph type="sldNum" sz="quarter" idx="12"/>
+          </p:nvPr>
+        </p:nvSpPr>
+        <p:spPr/>
+        <p:txBody>
+          <a:bodyPr/>
+          <a:lstStyle/>
+          <a:p>
+            <a:fld id="{BC07FA81-D92D-4079-88C7-8B7259F34E9B}" type="slidenum">
+              <a:rPr lang="en-US" smtClean="0"/>
+              <a:t>‹#›</a:t>
+            </a:fld>
+            <a:endParaRPr lang="en-US"/>
+          </a:p>
+        </p:txBody>
+      </p:sp>
+      <p:cxnSp>
+        <p:nvCxnSpPr>
+          <p:cNvPr id="15" name="Straight Connector 14"/>
+          <p:cNvCxnSpPr/>
+          <p:nvPr/>
+        </p:nvCxnSpPr>
+        <p:spPr>
+          <a:xfrm>
+            <a:off x="1396169" y="3429000"/>
+            <a:ext cx="9407298" cy="0"/>
+          </a:xfrm>
+          <a:prstGeom prst="line">
+            <a:avLst/>
+          </a:prstGeom>
+          <a:ln w="15875"/>
+        </p:spPr>
+        <p:style>
+          <a:lnRef idx="2">
+            <a:schemeClr val="accent1"/>
+          </a:lnRef>
+          <a:fillRef idx="0">
+            <a:schemeClr val="accent1"/>
+          </a:fillRef>
+          <a:effectRef idx="1">
+            <a:schemeClr val="accent1"/>
+          </a:effectRef>
+          <a:fontRef idx="minor">
+            <a:schemeClr val="tx1"/>
+          </a:fontRef>
+        </p:style>
+      </p:cxnSp>
+    </p:spTree>
+    <p:extLst>
+      <p:ext uri="{BB962C8B-B14F-4D97-AF65-F5344CB8AC3E}">
+        <p14:creationId xmlns:p14="http://schemas.microsoft.com/office/powerpoint/2010/main" val="1841673438"/>
+      </p:ext>
+    </p:extLst>
+  </p:cSld>
+  <p:clrMapOvr>
+    <a:masterClrMapping/>
+  </p:clrMapOvr>
+</p:sldLayout>
+</file>
+
+<file path=ppt/slideLayouts/slideLayout16.xml><?xml version="1.0" encoding="utf-8"?>
 <p:sldLayout xmlns:a="http://schemas.openxmlformats.org/drawingml/2006/main" xmlns:r="http://schemas.openxmlformats.org/officeDocument/2006/relationships" xmlns:p="http://schemas.openxmlformats.org/presentationml/2006/main" type="vertTx" preserve="1">
   <p:cSld name="Title and Vertical Text">
     <p:spTree>
@@ -466,7 +2671,11 @@
         <p:spPr/>
         <p:txBody>
           <a:bodyPr/>
-          <a:lstStyle/>
+          <a:lstStyle>
+            <a:lvl1pPr algn="ctr">
+              <a:defRPr/>
+            </a:lvl1pPr>
+          </a:lstStyle>
           <a:p>
             <a:r>
               <a:rPr lang="en-US" smtClean="0"/>
@@ -488,7 +2697,7 @@
         </p:nvSpPr>
         <p:spPr/>
         <p:txBody>
-          <a:bodyPr vert="eaVert" lIns="45720" tIns="0" rIns="45720" bIns="0"/>
+          <a:bodyPr vert="eaVert" anchor="t"/>
           <a:lstStyle/>
           <a:p>
             <a:pPr lvl="0"/>
@@ -545,7 +2754,7 @@
           <a:p>
             <a:fld id="{0EEBE4E2-722C-4916-A391-E0B1B79DBDC9}" type="datetimeFigureOut">
               <a:rPr lang="en-US" smtClean="0"/>
-              <a:t>15/11/2022</a:t>
+              <a:t>11/15/2022</a:t>
             </a:fld>
             <a:endParaRPr lang="en-US"/>
           </a:p>
@@ -593,10 +2802,41 @@
           </a:p>
         </p:txBody>
       </p:sp>
+      <p:cxnSp>
+        <p:nvCxnSpPr>
+          <p:cNvPr id="14" name="Straight Connector 13"/>
+          <p:cNvCxnSpPr/>
+          <p:nvPr/>
+        </p:nvCxnSpPr>
+        <p:spPr>
+          <a:xfrm>
+            <a:off x="1396169" y="2421466"/>
+            <a:ext cx="9407298" cy="0"/>
+          </a:xfrm>
+          <a:prstGeom prst="line">
+            <a:avLst/>
+          </a:prstGeom>
+          <a:ln w="15875"/>
+        </p:spPr>
+        <p:style>
+          <a:lnRef idx="2">
+            <a:schemeClr val="accent1"/>
+          </a:lnRef>
+          <a:fillRef idx="0">
+            <a:schemeClr val="accent1"/>
+          </a:fillRef>
+          <a:effectRef idx="1">
+            <a:schemeClr val="accent1"/>
+          </a:effectRef>
+          <a:fontRef idx="minor">
+            <a:schemeClr val="tx1"/>
+          </a:fontRef>
+        </p:style>
+      </p:cxnSp>
     </p:spTree>
     <p:extLst>
       <p:ext uri="{BB962C8B-B14F-4D97-AF65-F5344CB8AC3E}">
-        <p14:creationId xmlns:p14="http://schemas.microsoft.com/office/powerpoint/2010/main" val="1138155845"/>
+        <p14:creationId xmlns:p14="http://schemas.microsoft.com/office/powerpoint/2010/main" val="683269463"/>
       </p:ext>
     </p:extLst>
   </p:cSld>
@@ -606,8 +2846,8 @@
 </p:sldLayout>
 </file>
 
-<file path=ppt/slideLayouts/slideLayout11.xml><?xml version="1.0" encoding="utf-8"?>
-<p:sldLayout xmlns:a="http://schemas.openxmlformats.org/drawingml/2006/main" xmlns:r="http://schemas.openxmlformats.org/officeDocument/2006/relationships" xmlns:p="http://schemas.openxmlformats.org/presentationml/2006/main" showMasterSp="0" type="vertTitleAndTx" preserve="1">
+<file path=ppt/slideLayouts/slideLayout17.xml><?xml version="1.0" encoding="utf-8"?>
+<p:sldLayout xmlns:a="http://schemas.openxmlformats.org/drawingml/2006/main" xmlns:r="http://schemas.openxmlformats.org/officeDocument/2006/relationships" xmlns:p="http://schemas.openxmlformats.org/presentationml/2006/main" type="vertTitleAndTx" preserve="1">
   <p:cSld name="Vertical Title and Text">
     <p:spTree>
       <p:nvGrpSpPr>
@@ -625,234 +2865,189 @@
       </p:grpSpPr>
       <p:sp>
         <p:nvSpPr>
-          <p:cNvPr id="7" name="Rectangle 6"/>
-          <p:cNvSpPr/>
-          <p:nvPr/>
+          <p:cNvPr id="2" name="Vertical Title 1"/>
+          <p:cNvSpPr>
+            <a:spLocks noGrp="1"/>
+          </p:cNvSpPr>
+          <p:nvPr>
+            <p:ph type="title" orient="vert"/>
+          </p:nvPr>
         </p:nvSpPr>
         <p:spPr>
           <a:xfrm>
-            <a:off x="3175" y="6400800"/>
-            <a:ext cx="12188825" cy="457200"/>
+            <a:off x="8999356" y="982131"/>
+            <a:ext cx="1890895" cy="4893735"/>
           </a:xfrm>
-          <a:prstGeom prst="rect">
+        </p:spPr>
+        <p:txBody>
+          <a:bodyPr vert="eaVert"/>
+          <a:lstStyle/>
+          <a:p>
+            <a:r>
+              <a:rPr lang="en-US" smtClean="0"/>
+              <a:t>Click to edit Master title style</a:t>
+            </a:r>
+            <a:endParaRPr lang="en-US" dirty="0"/>
+          </a:p>
+        </p:txBody>
+      </p:sp>
+      <p:sp>
+        <p:nvSpPr>
+          <p:cNvPr id="3" name="Vertical Text Placeholder 2"/>
+          <p:cNvSpPr>
+            <a:spLocks noGrp="1"/>
+          </p:cNvSpPr>
+          <p:nvPr>
+            <p:ph type="body" orient="vert" idx="1"/>
+          </p:nvPr>
+        </p:nvSpPr>
+        <p:spPr>
+          <a:xfrm>
+            <a:off x="1295398" y="982132"/>
+            <a:ext cx="7433025" cy="4893734"/>
+          </a:xfrm>
+        </p:spPr>
+        <p:txBody>
+          <a:bodyPr vert="eaVert" anchor="t"/>
+          <a:lstStyle/>
+          <a:p>
+            <a:pPr lvl="0"/>
+            <a:r>
+              <a:rPr lang="en-US" smtClean="0"/>
+              <a:t>Click to edit Master text styles</a:t>
+            </a:r>
+          </a:p>
+          <a:p>
+            <a:pPr lvl="1"/>
+            <a:r>
+              <a:rPr lang="en-US" smtClean="0"/>
+              <a:t>Second level</a:t>
+            </a:r>
+          </a:p>
+          <a:p>
+            <a:pPr lvl="2"/>
+            <a:r>
+              <a:rPr lang="en-US" smtClean="0"/>
+              <a:t>Third level</a:t>
+            </a:r>
+          </a:p>
+          <a:p>
+            <a:pPr lvl="3"/>
+            <a:r>
+              <a:rPr lang="en-US" smtClean="0"/>
+              <a:t>Fourth level</a:t>
+            </a:r>
+          </a:p>
+          <a:p>
+            <a:pPr lvl="4"/>
+            <a:r>
+              <a:rPr lang="en-US" smtClean="0"/>
+              <a:t>Fifth level</a:t>
+            </a:r>
+            <a:endParaRPr lang="en-US" dirty="0"/>
+          </a:p>
+        </p:txBody>
+      </p:sp>
+      <p:sp>
+        <p:nvSpPr>
+          <p:cNvPr id="4" name="Date Placeholder 3"/>
+          <p:cNvSpPr>
+            <a:spLocks noGrp="1"/>
+          </p:cNvSpPr>
+          <p:nvPr>
+            <p:ph type="dt" sz="half" idx="10"/>
+          </p:nvPr>
+        </p:nvSpPr>
+        <p:spPr/>
+        <p:txBody>
+          <a:bodyPr/>
+          <a:lstStyle/>
+          <a:p>
+            <a:fld id="{0EEBE4E2-722C-4916-A391-E0B1B79DBDC9}" type="datetimeFigureOut">
+              <a:rPr lang="en-US" smtClean="0"/>
+              <a:t>11/15/2022</a:t>
+            </a:fld>
+            <a:endParaRPr lang="en-US"/>
+          </a:p>
+        </p:txBody>
+      </p:sp>
+      <p:sp>
+        <p:nvSpPr>
+          <p:cNvPr id="5" name="Footer Placeholder 4"/>
+          <p:cNvSpPr>
+            <a:spLocks noGrp="1"/>
+          </p:cNvSpPr>
+          <p:nvPr>
+            <p:ph type="ftr" sz="quarter" idx="11"/>
+          </p:nvPr>
+        </p:nvSpPr>
+        <p:spPr/>
+        <p:txBody>
+          <a:bodyPr/>
+          <a:lstStyle/>
+          <a:p>
+            <a:endParaRPr lang="en-US"/>
+          </a:p>
+        </p:txBody>
+      </p:sp>
+      <p:sp>
+        <p:nvSpPr>
+          <p:cNvPr id="6" name="Slide Number Placeholder 5"/>
+          <p:cNvSpPr>
+            <a:spLocks noGrp="1"/>
+          </p:cNvSpPr>
+          <p:nvPr>
+            <p:ph type="sldNum" sz="quarter" idx="12"/>
+          </p:nvPr>
+        </p:nvSpPr>
+        <p:spPr/>
+        <p:txBody>
+          <a:bodyPr/>
+          <a:lstStyle/>
+          <a:p>
+            <a:fld id="{BC07FA81-D92D-4079-88C7-8B7259F34E9B}" type="slidenum">
+              <a:rPr lang="en-US" smtClean="0"/>
+              <a:t>‹#›</a:t>
+            </a:fld>
+            <a:endParaRPr lang="en-US"/>
+          </a:p>
+        </p:txBody>
+      </p:sp>
+      <p:cxnSp>
+        <p:nvCxnSpPr>
+          <p:cNvPr id="14" name="Straight Connector 13"/>
+          <p:cNvCxnSpPr/>
+          <p:nvPr/>
+        </p:nvCxnSpPr>
+        <p:spPr>
+          <a:xfrm>
+            <a:off x="8863890" y="990600"/>
+            <a:ext cx="0" cy="4876800"/>
+          </a:xfrm>
+          <a:prstGeom prst="line">
             <a:avLst/>
           </a:prstGeom>
-          <a:solidFill>
-            <a:schemeClr val="accent2"/>
-          </a:solidFill>
-          <a:ln>
-            <a:noFill/>
-          </a:ln>
+          <a:ln w="15875"/>
         </p:spPr>
         <p:style>
           <a:lnRef idx="2">
-            <a:schemeClr val="accent1">
-              <a:shade val="50000"/>
-            </a:schemeClr>
+            <a:schemeClr val="accent1"/>
           </a:lnRef>
-          <a:fillRef idx="1">
+          <a:fillRef idx="0">
             <a:schemeClr val="accent1"/>
           </a:fillRef>
-          <a:effectRef idx="0">
+          <a:effectRef idx="1">
             <a:schemeClr val="accent1"/>
           </a:effectRef>
           <a:fontRef idx="minor">
-            <a:schemeClr val="lt1"/>
+            <a:schemeClr val="tx1"/>
           </a:fontRef>
         </p:style>
-      </p:sp>
-      <p:sp>
-        <p:nvSpPr>
-          <p:cNvPr id="8" name="Rectangle 7"/>
-          <p:cNvSpPr/>
-          <p:nvPr/>
-        </p:nvSpPr>
-        <p:spPr>
-          <a:xfrm>
-            <a:off x="15" y="6334316"/>
-            <a:ext cx="12188825" cy="64008"/>
-          </a:xfrm>
-          <a:prstGeom prst="rect">
-            <a:avLst/>
-          </a:prstGeom>
-          <a:solidFill>
-            <a:schemeClr val="accent1"/>
-          </a:solidFill>
-          <a:ln>
-            <a:noFill/>
-          </a:ln>
-        </p:spPr>
-        <p:style>
-          <a:lnRef idx="2">
-            <a:schemeClr val="accent1">
-              <a:shade val="50000"/>
-            </a:schemeClr>
-          </a:lnRef>
-          <a:fillRef idx="1">
-            <a:schemeClr val="accent1"/>
-          </a:fillRef>
-          <a:effectRef idx="0">
-            <a:schemeClr val="accent1"/>
-          </a:effectRef>
-          <a:fontRef idx="minor">
-            <a:schemeClr val="lt1"/>
-          </a:fontRef>
-        </p:style>
-      </p:sp>
-      <p:sp>
-        <p:nvSpPr>
-          <p:cNvPr id="2" name="Vertical Title 1"/>
-          <p:cNvSpPr>
-            <a:spLocks noGrp="1"/>
-          </p:cNvSpPr>
-          <p:nvPr>
-            <p:ph type="title" orient="vert"/>
-          </p:nvPr>
-        </p:nvSpPr>
-        <p:spPr>
-          <a:xfrm>
-            <a:off x="8724900" y="414778"/>
-            <a:ext cx="2628900" cy="5757421"/>
-          </a:xfrm>
-        </p:spPr>
-        <p:txBody>
-          <a:bodyPr vert="eaVert"/>
-          <a:lstStyle/>
-          <a:p>
-            <a:r>
-              <a:rPr lang="en-US" smtClean="0"/>
-              <a:t>Click to edit Master title style</a:t>
-            </a:r>
-            <a:endParaRPr lang="en-US" dirty="0"/>
-          </a:p>
-        </p:txBody>
-      </p:sp>
-      <p:sp>
-        <p:nvSpPr>
-          <p:cNvPr id="3" name="Vertical Text Placeholder 2"/>
-          <p:cNvSpPr>
-            <a:spLocks noGrp="1"/>
-          </p:cNvSpPr>
-          <p:nvPr>
-            <p:ph type="body" orient="vert" idx="1"/>
-          </p:nvPr>
-        </p:nvSpPr>
-        <p:spPr>
-          <a:xfrm>
-            <a:off x="838200" y="414778"/>
-            <a:ext cx="7734300" cy="5757422"/>
-          </a:xfrm>
-        </p:spPr>
-        <p:txBody>
-          <a:bodyPr vert="eaVert" lIns="45720" tIns="0" rIns="45720" bIns="0"/>
-          <a:lstStyle/>
-          <a:p>
-            <a:pPr lvl="0"/>
-            <a:r>
-              <a:rPr lang="en-US" smtClean="0"/>
-              <a:t>Click to edit Master text styles</a:t>
-            </a:r>
-          </a:p>
-          <a:p>
-            <a:pPr lvl="1"/>
-            <a:r>
-              <a:rPr lang="en-US" smtClean="0"/>
-              <a:t>Second level</a:t>
-            </a:r>
-          </a:p>
-          <a:p>
-            <a:pPr lvl="2"/>
-            <a:r>
-              <a:rPr lang="en-US" smtClean="0"/>
-              <a:t>Third level</a:t>
-            </a:r>
-          </a:p>
-          <a:p>
-            <a:pPr lvl="3"/>
-            <a:r>
-              <a:rPr lang="en-US" smtClean="0"/>
-              <a:t>Fourth level</a:t>
-            </a:r>
-          </a:p>
-          <a:p>
-            <a:pPr lvl="4"/>
-            <a:r>
-              <a:rPr lang="en-US" smtClean="0"/>
-              <a:t>Fifth level</a:t>
-            </a:r>
-            <a:endParaRPr lang="en-US" dirty="0"/>
-          </a:p>
-        </p:txBody>
-      </p:sp>
-      <p:sp>
-        <p:nvSpPr>
-          <p:cNvPr id="4" name="Date Placeholder 3"/>
-          <p:cNvSpPr>
-            <a:spLocks noGrp="1"/>
-          </p:cNvSpPr>
-          <p:nvPr>
-            <p:ph type="dt" sz="half" idx="10"/>
-          </p:nvPr>
-        </p:nvSpPr>
-        <p:spPr/>
-        <p:txBody>
-          <a:bodyPr/>
-          <a:lstStyle/>
-          <a:p>
-            <a:fld id="{0EEBE4E2-722C-4916-A391-E0B1B79DBDC9}" type="datetimeFigureOut">
-              <a:rPr lang="en-US" smtClean="0"/>
-              <a:t>15/11/2022</a:t>
-            </a:fld>
-            <a:endParaRPr lang="en-US"/>
-          </a:p>
-        </p:txBody>
-      </p:sp>
-      <p:sp>
-        <p:nvSpPr>
-          <p:cNvPr id="5" name="Footer Placeholder 4"/>
-          <p:cNvSpPr>
-            <a:spLocks noGrp="1"/>
-          </p:cNvSpPr>
-          <p:nvPr>
-            <p:ph type="ftr" sz="quarter" idx="11"/>
-          </p:nvPr>
-        </p:nvSpPr>
-        <p:spPr/>
-        <p:txBody>
-          <a:bodyPr/>
-          <a:lstStyle/>
-          <a:p>
-            <a:endParaRPr lang="en-US"/>
-          </a:p>
-        </p:txBody>
-      </p:sp>
-      <p:sp>
-        <p:nvSpPr>
-          <p:cNvPr id="6" name="Slide Number Placeholder 5"/>
-          <p:cNvSpPr>
-            <a:spLocks noGrp="1"/>
-          </p:cNvSpPr>
-          <p:nvPr>
-            <p:ph type="sldNum" sz="quarter" idx="12"/>
-          </p:nvPr>
-        </p:nvSpPr>
-        <p:spPr/>
-        <p:txBody>
-          <a:bodyPr/>
-          <a:lstStyle/>
-          <a:p>
-            <a:fld id="{BC07FA81-D92D-4079-88C7-8B7259F34E9B}" type="slidenum">
-              <a:rPr lang="en-US" smtClean="0"/>
-              <a:t>‹#›</a:t>
-            </a:fld>
-            <a:endParaRPr lang="en-US"/>
-          </a:p>
-        </p:txBody>
-      </p:sp>
+      </p:cxnSp>
     </p:spTree>
     <p:extLst>
       <p:ext uri="{BB962C8B-B14F-4D97-AF65-F5344CB8AC3E}">
-        <p14:creationId xmlns:p14="http://schemas.microsoft.com/office/powerpoint/2010/main" val="978917792"/>
+        <p14:creationId xmlns:p14="http://schemas.microsoft.com/office/powerpoint/2010/main" val="4152568488"/>
       </p:ext>
     </p:extLst>
   </p:cSld>
@@ -879,6 +3074,37 @@
           <a:chExt cx="0" cy="0"/>
         </a:xfrm>
       </p:grpSpPr>
+      <p:cxnSp>
+        <p:nvCxnSpPr>
+          <p:cNvPr id="7" name="Straight Connector 6"/>
+          <p:cNvCxnSpPr/>
+          <p:nvPr/>
+        </p:nvCxnSpPr>
+        <p:spPr>
+          <a:xfrm>
+            <a:off x="1396169" y="2421466"/>
+            <a:ext cx="9407298" cy="0"/>
+          </a:xfrm>
+          <a:prstGeom prst="line">
+            <a:avLst/>
+          </a:prstGeom>
+          <a:ln w="15875"/>
+        </p:spPr>
+        <p:style>
+          <a:lnRef idx="2">
+            <a:schemeClr val="accent1"/>
+          </a:lnRef>
+          <a:fillRef idx="0">
+            <a:schemeClr val="accent1"/>
+          </a:fillRef>
+          <a:effectRef idx="1">
+            <a:schemeClr val="accent1"/>
+          </a:effectRef>
+          <a:fontRef idx="minor">
+            <a:schemeClr val="tx1"/>
+          </a:fontRef>
+        </p:style>
+      </p:cxnSp>
       <p:sp>
         <p:nvSpPr>
           <p:cNvPr id="2" name="Title 1"/>
@@ -892,11 +3118,7 @@
         <p:spPr/>
         <p:txBody>
           <a:bodyPr/>
-          <a:lstStyle>
-            <a:lvl1pPr marL="0">
-              <a:defRPr/>
-            </a:lvl1pPr>
-          </a:lstStyle>
+          <a:lstStyle/>
           <a:p>
             <a:r>
               <a:rPr lang="en-US" smtClean="0"/>
@@ -975,7 +3197,7 @@
           <a:p>
             <a:fld id="{0EEBE4E2-722C-4916-A391-E0B1B79DBDC9}" type="datetimeFigureOut">
               <a:rPr lang="en-US" smtClean="0"/>
-              <a:t>15/11/2022</a:t>
+              <a:t>11/15/2022</a:t>
             </a:fld>
             <a:endParaRPr lang="en-US"/>
           </a:p>
@@ -1026,7 +3248,7 @@
     </p:spTree>
     <p:extLst>
       <p:ext uri="{BB962C8B-B14F-4D97-AF65-F5344CB8AC3E}">
-        <p14:creationId xmlns:p14="http://schemas.microsoft.com/office/powerpoint/2010/main" val="2544473709"/>
+        <p14:creationId xmlns:p14="http://schemas.microsoft.com/office/powerpoint/2010/main" val="2366329747"/>
       </p:ext>
     </p:extLst>
   </p:cSld>
@@ -1037,16 +3259,8 @@
 </file>
 
 <file path=ppt/slideLayouts/slideLayout3.xml><?xml version="1.0" encoding="utf-8"?>
-<p:sldLayout xmlns:a="http://schemas.openxmlformats.org/drawingml/2006/main" xmlns:r="http://schemas.openxmlformats.org/officeDocument/2006/relationships" xmlns:p="http://schemas.openxmlformats.org/presentationml/2006/main" showMasterSp="0" type="secHead" preserve="1">
+<p:sldLayout xmlns:a="http://schemas.openxmlformats.org/drawingml/2006/main" xmlns:r="http://schemas.openxmlformats.org/officeDocument/2006/relationships" xmlns:p="http://schemas.openxmlformats.org/presentationml/2006/main" type="secHead" preserve="1">
   <p:cSld name="Section Header">
-    <p:bg>
-      <p:bgPr>
-        <a:solidFill>
-          <a:schemeClr val="bg1"/>
-        </a:solidFill>
-        <a:effectLst/>
-      </p:bgPr>
-    </p:bg>
     <p:spTree>
       <p:nvGrpSpPr>
         <p:cNvPr id="1" name=""/>
@@ -1063,113 +3277,27 @@
       </p:grpSpPr>
       <p:sp>
         <p:nvSpPr>
-          <p:cNvPr id="7" name="Rectangle 6"/>
-          <p:cNvSpPr/>
-          <p:nvPr/>
+          <p:cNvPr id="2" name="Title 1"/>
+          <p:cNvSpPr>
+            <a:spLocks noGrp="1"/>
+          </p:cNvSpPr>
+          <p:nvPr>
+            <p:ph type="title"/>
+          </p:nvPr>
         </p:nvSpPr>
         <p:spPr>
           <a:xfrm>
-            <a:off x="3175" y="6400800"/>
-            <a:ext cx="12188825" cy="457200"/>
-          </a:xfrm>
-          <a:prstGeom prst="rect">
-            <a:avLst/>
-          </a:prstGeom>
-          <a:solidFill>
-            <a:schemeClr val="accent2"/>
-          </a:solidFill>
-          <a:ln>
-            <a:noFill/>
-          </a:ln>
-        </p:spPr>
-        <p:style>
-          <a:lnRef idx="2">
-            <a:schemeClr val="accent1">
-              <a:shade val="50000"/>
-            </a:schemeClr>
-          </a:lnRef>
-          <a:fillRef idx="1">
-            <a:schemeClr val="accent1"/>
-          </a:fillRef>
-          <a:effectRef idx="0">
-            <a:schemeClr val="accent1"/>
-          </a:effectRef>
-          <a:fontRef idx="minor">
-            <a:schemeClr val="lt1"/>
-          </a:fontRef>
-        </p:style>
-      </p:sp>
-      <p:sp>
-        <p:nvSpPr>
-          <p:cNvPr id="8" name="Rectangle 7"/>
-          <p:cNvSpPr/>
-          <p:nvPr/>
-        </p:nvSpPr>
-        <p:spPr>
-          <a:xfrm>
-            <a:off x="15" y="6334316"/>
-            <a:ext cx="12188825" cy="64008"/>
-          </a:xfrm>
-          <a:prstGeom prst="rect">
-            <a:avLst/>
-          </a:prstGeom>
-          <a:solidFill>
-            <a:schemeClr val="accent1"/>
-          </a:solidFill>
-          <a:ln>
-            <a:noFill/>
-          </a:ln>
-        </p:spPr>
-        <p:style>
-          <a:lnRef idx="2">
-            <a:schemeClr val="accent1">
-              <a:shade val="50000"/>
-            </a:schemeClr>
-          </a:lnRef>
-          <a:fillRef idx="1">
-            <a:schemeClr val="accent1"/>
-          </a:fillRef>
-          <a:effectRef idx="0">
-            <a:schemeClr val="accent1"/>
-          </a:effectRef>
-          <a:fontRef idx="minor">
-            <a:schemeClr val="lt1"/>
-          </a:fontRef>
-        </p:style>
-      </p:sp>
-      <p:sp>
-        <p:nvSpPr>
-          <p:cNvPr id="2" name="Title 1"/>
-          <p:cNvSpPr>
-            <a:spLocks noGrp="1"/>
-          </p:cNvSpPr>
-          <p:nvPr>
-            <p:ph type="title"/>
-          </p:nvPr>
-        </p:nvSpPr>
-        <p:spPr>
-          <a:xfrm>
-            <a:off x="1097280" y="758952"/>
-            <a:ext cx="10058400" cy="3566160"/>
+            <a:off x="2015069" y="1752606"/>
+            <a:ext cx="8158688" cy="1822514"/>
           </a:xfrm>
         </p:spPr>
         <p:txBody>
-          <a:bodyPr anchor="b" anchorCtr="0">
+          <a:bodyPr anchor="b">
             <a:normAutofit/>
           </a:bodyPr>
           <a:lstStyle>
-            <a:lvl1pPr>
-              <a:lnSpc>
-                <a:spcPct val="85000"/>
-              </a:lnSpc>
-              <a:defRPr sz="8000" b="0">
-                <a:solidFill>
-                  <a:schemeClr val="tx1">
-                    <a:lumMod val="85000"/>
-                    <a:lumOff val="15000"/>
-                  </a:schemeClr>
-                </a:solidFill>
-              </a:defRPr>
+            <a:lvl1pPr algn="ctr">
+              <a:defRPr sz="4400" b="0" cap="none"/>
             </a:lvl1pPr>
           </a:lstStyle>
           <a:p>
@@ -1193,22 +3321,21 @@
         </p:nvSpPr>
         <p:spPr>
           <a:xfrm>
-            <a:off x="1097280" y="4453128"/>
-            <a:ext cx="10058400" cy="1143000"/>
+            <a:off x="2015067" y="3846051"/>
+            <a:ext cx="8158690" cy="954547"/>
           </a:xfrm>
         </p:spPr>
         <p:txBody>
-          <a:bodyPr lIns="91440" rIns="91440" anchor="t" anchorCtr="0">
+          <a:bodyPr anchor="t">
             <a:normAutofit/>
           </a:bodyPr>
           <a:lstStyle>
-            <a:lvl1pPr marL="0" indent="0">
-              <a:buNone/>
-              <a:defRPr sz="2400" cap="all" spc="200" baseline="0">
-                <a:solidFill>
-                  <a:schemeClr val="tx2"/>
-                </a:solidFill>
-                <a:latin typeface="+mj-lt"/>
+            <a:lvl1pPr marL="0" indent="0" algn="ctr">
+              <a:buNone/>
+              <a:defRPr sz="2400">
+                <a:solidFill>
+                  <a:schemeClr val="tx1"/>
+                </a:solidFill>
               </a:defRPr>
             </a:lvl1pPr>
             <a:lvl2pPr marL="457200" indent="0">
@@ -1318,7 +3445,7 @@
           <a:p>
             <a:fld id="{0EEBE4E2-722C-4916-A391-E0B1B79DBDC9}" type="datetimeFigureOut">
               <a:rPr lang="en-US" smtClean="0"/>
-              <a:t>15/11/2022</a:t>
+              <a:t>11/15/2022</a:t>
             </a:fld>
             <a:endParaRPr lang="en-US"/>
           </a:p>
@@ -1368,35 +3495,28 @@
       </p:sp>
       <p:cxnSp>
         <p:nvCxnSpPr>
-          <p:cNvPr id="9" name="Straight Connector 8"/>
+          <p:cNvPr id="16" name="Straight Connector 15"/>
           <p:cNvCxnSpPr/>
           <p:nvPr/>
         </p:nvCxnSpPr>
         <p:spPr>
           <a:xfrm>
-            <a:off x="1207658" y="4343400"/>
-            <a:ext cx="9875520" cy="0"/>
+            <a:off x="2012723" y="3710585"/>
+            <a:ext cx="8163380" cy="0"/>
           </a:xfrm>
           <a:prstGeom prst="line">
             <a:avLst/>
           </a:prstGeom>
-          <a:ln w="6350">
-            <a:solidFill>
-              <a:schemeClr val="tx1">
-                <a:lumMod val="50000"/>
-                <a:lumOff val="50000"/>
-              </a:schemeClr>
-            </a:solidFill>
-          </a:ln>
+          <a:ln w="15875"/>
         </p:spPr>
         <p:style>
-          <a:lnRef idx="1">
+          <a:lnRef idx="2">
             <a:schemeClr val="accent1"/>
           </a:lnRef>
           <a:fillRef idx="0">
             <a:schemeClr val="accent1"/>
           </a:fillRef>
-          <a:effectRef idx="0">
+          <a:effectRef idx="1">
             <a:schemeClr val="accent1"/>
           </a:effectRef>
           <a:fontRef idx="minor">
@@ -1407,7 +3527,7 @@
     </p:spTree>
     <p:extLst>
       <p:ext uri="{BB962C8B-B14F-4D97-AF65-F5344CB8AC3E}">
-        <p14:creationId xmlns:p14="http://schemas.microsoft.com/office/powerpoint/2010/main" val="1003968784"/>
+        <p14:creationId xmlns:p14="http://schemas.microsoft.com/office/powerpoint/2010/main" val="3699880288"/>
       </p:ext>
     </p:extLst>
   </p:cSld>
@@ -1434,29 +3554,114 @@
           <a:chExt cx="0" cy="0"/>
         </a:xfrm>
       </p:grpSpPr>
-      <p:sp>
-        <p:nvSpPr>
-          <p:cNvPr id="8" name="Title 7"/>
-          <p:cNvSpPr>
-            <a:spLocks noGrp="1"/>
-          </p:cNvSpPr>
-          <p:nvPr>
-            <p:ph type="title"/>
-          </p:nvPr>
-        </p:nvSpPr>
+      <p:cxnSp>
+        <p:nvCxnSpPr>
+          <p:cNvPr id="8" name="Straight Connector 7"/>
+          <p:cNvCxnSpPr/>
+          <p:nvPr/>
+        </p:nvCxnSpPr>
         <p:spPr>
           <a:xfrm>
-            <a:off x="1097280" y="286603"/>
-            <a:ext cx="10058400" cy="1450757"/>
+            <a:off x="1396169" y="2421466"/>
+            <a:ext cx="9407298" cy="0"/>
+          </a:xfrm>
+          <a:prstGeom prst="line">
+            <a:avLst/>
+          </a:prstGeom>
+          <a:ln w="15875"/>
+        </p:spPr>
+        <p:style>
+          <a:lnRef idx="2">
+            <a:schemeClr val="accent1"/>
+          </a:lnRef>
+          <a:fillRef idx="0">
+            <a:schemeClr val="accent1"/>
+          </a:fillRef>
+          <a:effectRef idx="1">
+            <a:schemeClr val="accent1"/>
+          </a:effectRef>
+          <a:fontRef idx="minor">
+            <a:schemeClr val="tx1"/>
+          </a:fontRef>
+        </p:style>
+      </p:cxnSp>
+      <p:sp>
+        <p:nvSpPr>
+          <p:cNvPr id="2" name="Title 1"/>
+          <p:cNvSpPr>
+            <a:spLocks noGrp="1"/>
+          </p:cNvSpPr>
+          <p:nvPr>
+            <p:ph type="title"/>
+          </p:nvPr>
+        </p:nvSpPr>
+        <p:spPr/>
+        <p:txBody>
+          <a:bodyPr/>
+          <a:lstStyle/>
+          <a:p>
+            <a:r>
+              <a:rPr lang="en-US" smtClean="0"/>
+              <a:t>Click to edit Master title style</a:t>
+            </a:r>
+            <a:endParaRPr lang="en-US" dirty="0"/>
+          </a:p>
+        </p:txBody>
+      </p:sp>
+      <p:sp>
+        <p:nvSpPr>
+          <p:cNvPr id="3" name="Content Placeholder 2"/>
+          <p:cNvSpPr>
+            <a:spLocks noGrp="1"/>
+          </p:cNvSpPr>
+          <p:nvPr>
+            <p:ph sz="half" idx="1"/>
+          </p:nvPr>
+        </p:nvSpPr>
+        <p:spPr>
+          <a:xfrm>
+            <a:off x="1298448" y="2560320"/>
+            <a:ext cx="4718304" cy="3310128"/>
           </a:xfrm>
         </p:spPr>
         <p:txBody>
-          <a:bodyPr/>
-          <a:lstStyle/>
-          <a:p>
-            <a:r>
-              <a:rPr lang="en-US" smtClean="0"/>
-              <a:t>Click to edit Master title style</a:t>
+          <a:bodyPr>
+            <a:normAutofit/>
+          </a:bodyPr>
+          <a:lstStyle/>
+          <a:p>
+            <a:pPr lvl="0"/>
+            <a:r>
+              <a:rPr lang="en-US" smtClean="0"/>
+              <a:t>Click to edit Master text styles</a:t>
+            </a:r>
+          </a:p>
+          <a:p>
+            <a:pPr lvl="1"/>
+            <a:r>
+              <a:rPr lang="en-US" smtClean="0"/>
+              <a:t>Second level</a:t>
+            </a:r>
+          </a:p>
+          <a:p>
+            <a:pPr lvl="2"/>
+            <a:r>
+              <a:rPr lang="en-US" smtClean="0"/>
+              <a:t>Third level</a:t>
+            </a:r>
+          </a:p>
+          <a:p>
+            <a:pPr lvl="3"/>
+            <a:r>
+              <a:rPr lang="en-US" smtClean="0"/>
+              <a:t>Fourth level</a:t>
+            </a:r>
+          </a:p>
+          <a:p>
+            <a:pPr lvl="4"/>
+            <a:r>
+              <a:rPr lang="en-US" smtClean="0"/>
+              <a:t>Fifth level</a:t>
             </a:r>
             <a:endParaRPr lang="en-US" dirty="0"/>
           </a:p>
@@ -1464,136 +3669,81 @@
       </p:sp>
       <p:sp>
         <p:nvSpPr>
-          <p:cNvPr id="3" name="Content Placeholder 2"/>
-          <p:cNvSpPr>
-            <a:spLocks noGrp="1"/>
-          </p:cNvSpPr>
-          <p:nvPr>
-            <p:ph sz="half" idx="1"/>
+          <p:cNvPr id="4" name="Content Placeholder 3"/>
+          <p:cNvSpPr>
+            <a:spLocks noGrp="1"/>
+          </p:cNvSpPr>
+          <p:nvPr>
+            <p:ph sz="half" idx="2"/>
           </p:nvPr>
         </p:nvSpPr>
         <p:spPr>
           <a:xfrm>
-            <a:off x="1097279" y="1845734"/>
-            <a:ext cx="4937760" cy="4023360"/>
+            <a:off x="6181344" y="2560320"/>
+            <a:ext cx="4718304" cy="3310128"/>
           </a:xfrm>
         </p:spPr>
         <p:txBody>
+          <a:bodyPr>
+            <a:normAutofit/>
+          </a:bodyPr>
+          <a:lstStyle/>
+          <a:p>
+            <a:pPr lvl="0"/>
+            <a:r>
+              <a:rPr lang="en-US" smtClean="0"/>
+              <a:t>Click to edit Master text styles</a:t>
+            </a:r>
+          </a:p>
+          <a:p>
+            <a:pPr lvl="1"/>
+            <a:r>
+              <a:rPr lang="en-US" smtClean="0"/>
+              <a:t>Second level</a:t>
+            </a:r>
+          </a:p>
+          <a:p>
+            <a:pPr lvl="2"/>
+            <a:r>
+              <a:rPr lang="en-US" smtClean="0"/>
+              <a:t>Third level</a:t>
+            </a:r>
+          </a:p>
+          <a:p>
+            <a:pPr lvl="3"/>
+            <a:r>
+              <a:rPr lang="en-US" smtClean="0"/>
+              <a:t>Fourth level</a:t>
+            </a:r>
+          </a:p>
+          <a:p>
+            <a:pPr lvl="4"/>
+            <a:r>
+              <a:rPr lang="en-US" smtClean="0"/>
+              <a:t>Fifth level</a:t>
+            </a:r>
+            <a:endParaRPr lang="en-US" dirty="0"/>
+          </a:p>
+        </p:txBody>
+      </p:sp>
+      <p:sp>
+        <p:nvSpPr>
+          <p:cNvPr id="5" name="Date Placeholder 4"/>
+          <p:cNvSpPr>
+            <a:spLocks noGrp="1"/>
+          </p:cNvSpPr>
+          <p:nvPr>
+            <p:ph type="dt" sz="half" idx="10"/>
+          </p:nvPr>
+        </p:nvSpPr>
+        <p:spPr/>
+        <p:txBody>
           <a:bodyPr/>
           <a:lstStyle/>
           <a:p>
-            <a:pPr lvl="0"/>
-            <a:r>
-              <a:rPr lang="en-US" smtClean="0"/>
-              <a:t>Click to edit Master text styles</a:t>
-            </a:r>
-          </a:p>
-          <a:p>
-            <a:pPr lvl="1"/>
-            <a:r>
-              <a:rPr lang="en-US" smtClean="0"/>
-              <a:t>Second level</a:t>
-            </a:r>
-          </a:p>
-          <a:p>
-            <a:pPr lvl="2"/>
-            <a:r>
-              <a:rPr lang="en-US" smtClean="0"/>
-              <a:t>Third level</a:t>
-            </a:r>
-          </a:p>
-          <a:p>
-            <a:pPr lvl="3"/>
-            <a:r>
-              <a:rPr lang="en-US" smtClean="0"/>
-              <a:t>Fourth level</a:t>
-            </a:r>
-          </a:p>
-          <a:p>
-            <a:pPr lvl="4"/>
-            <a:r>
-              <a:rPr lang="en-US" smtClean="0"/>
-              <a:t>Fifth level</a:t>
-            </a:r>
-            <a:endParaRPr lang="en-US" dirty="0"/>
-          </a:p>
-        </p:txBody>
-      </p:sp>
-      <p:sp>
-        <p:nvSpPr>
-          <p:cNvPr id="4" name="Content Placeholder 3"/>
-          <p:cNvSpPr>
-            <a:spLocks noGrp="1"/>
-          </p:cNvSpPr>
-          <p:nvPr>
-            <p:ph sz="half" idx="2"/>
-          </p:nvPr>
-        </p:nvSpPr>
-        <p:spPr>
-          <a:xfrm>
-            <a:off x="6217920" y="1845735"/>
-            <a:ext cx="4937760" cy="4023360"/>
-          </a:xfrm>
-        </p:spPr>
-        <p:txBody>
-          <a:bodyPr/>
-          <a:lstStyle/>
-          <a:p>
-            <a:pPr lvl="0"/>
-            <a:r>
-              <a:rPr lang="en-US" smtClean="0"/>
-              <a:t>Click to edit Master text styles</a:t>
-            </a:r>
-          </a:p>
-          <a:p>
-            <a:pPr lvl="1"/>
-            <a:r>
-              <a:rPr lang="en-US" smtClean="0"/>
-              <a:t>Second level</a:t>
-            </a:r>
-          </a:p>
-          <a:p>
-            <a:pPr lvl="2"/>
-            <a:r>
-              <a:rPr lang="en-US" smtClean="0"/>
-              <a:t>Third level</a:t>
-            </a:r>
-          </a:p>
-          <a:p>
-            <a:pPr lvl="3"/>
-            <a:r>
-              <a:rPr lang="en-US" smtClean="0"/>
-              <a:t>Fourth level</a:t>
-            </a:r>
-          </a:p>
-          <a:p>
-            <a:pPr lvl="4"/>
-            <a:r>
-              <a:rPr lang="en-US" smtClean="0"/>
-              <a:t>Fifth level</a:t>
-            </a:r>
-            <a:endParaRPr lang="en-US" dirty="0"/>
-          </a:p>
-        </p:txBody>
-      </p:sp>
-      <p:sp>
-        <p:nvSpPr>
-          <p:cNvPr id="5" name="Date Placeholder 4"/>
-          <p:cNvSpPr>
-            <a:spLocks noGrp="1"/>
-          </p:cNvSpPr>
-          <p:nvPr>
-            <p:ph type="dt" sz="half" idx="10"/>
-          </p:nvPr>
-        </p:nvSpPr>
-        <p:spPr/>
-        <p:txBody>
-          <a:bodyPr/>
-          <a:lstStyle/>
-          <a:p>
             <a:fld id="{0EEBE4E2-722C-4916-A391-E0B1B79DBDC9}" type="datetimeFigureOut">
               <a:rPr lang="en-US" smtClean="0"/>
-              <a:t>15/11/2022</a:t>
+              <a:t>11/15/2022</a:t>
             </a:fld>
             <a:endParaRPr lang="en-US"/>
           </a:p>
@@ -1644,7 +3794,7 @@
     </p:spTree>
     <p:extLst>
       <p:ext uri="{BB962C8B-B14F-4D97-AF65-F5344CB8AC3E}">
-        <p14:creationId xmlns:p14="http://schemas.microsoft.com/office/powerpoint/2010/main" val="1138922465"/>
+        <p14:creationId xmlns:p14="http://schemas.microsoft.com/office/powerpoint/2010/main" val="2494208878"/>
       </p:ext>
     </p:extLst>
   </p:cSld>
@@ -1673,58 +3823,63 @@
       </p:grpSpPr>
       <p:sp>
         <p:nvSpPr>
-          <p:cNvPr id="10" name="Title 9"/>
+          <p:cNvPr id="2" name="Title 1"/>
           <p:cNvSpPr>
             <a:spLocks noGrp="1"/>
           </p:cNvSpPr>
           <p:nvPr>
             <p:ph type="title"/>
+          </p:nvPr>
+        </p:nvSpPr>
+        <p:spPr/>
+        <p:txBody>
+          <a:bodyPr/>
+          <a:lstStyle>
+            <a:lvl1pPr>
+              <a:defRPr/>
+            </a:lvl1pPr>
+          </a:lstStyle>
+          <a:p>
+            <a:r>
+              <a:rPr lang="en-US" smtClean="0"/>
+              <a:t>Click to edit Master title style</a:t>
+            </a:r>
+            <a:endParaRPr lang="en-US" dirty="0"/>
+          </a:p>
+        </p:txBody>
+      </p:sp>
+      <p:sp>
+        <p:nvSpPr>
+          <p:cNvPr id="3" name="Text Placeholder 2"/>
+          <p:cNvSpPr>
+            <a:spLocks noGrp="1"/>
+          </p:cNvSpPr>
+          <p:nvPr>
+            <p:ph type="body" idx="1"/>
           </p:nvPr>
         </p:nvSpPr>
         <p:spPr>
           <a:xfrm>
-            <a:off x="1097280" y="286603"/>
-            <a:ext cx="10058400" cy="1450757"/>
+            <a:off x="1295400" y="2658533"/>
+            <a:ext cx="4718304" cy="576262"/>
           </a:xfrm>
         </p:spPr>
         <p:txBody>
-          <a:bodyPr/>
-          <a:lstStyle/>
-          <a:p>
-            <a:r>
-              <a:rPr lang="en-US" smtClean="0"/>
-              <a:t>Click to edit Master title style</a:t>
-            </a:r>
-            <a:endParaRPr lang="en-US" dirty="0"/>
-          </a:p>
-        </p:txBody>
-      </p:sp>
-      <p:sp>
-        <p:nvSpPr>
-          <p:cNvPr id="3" name="Text Placeholder 2"/>
-          <p:cNvSpPr>
-            <a:spLocks noGrp="1"/>
-          </p:cNvSpPr>
-          <p:nvPr>
-            <p:ph type="body" idx="1"/>
-          </p:nvPr>
-        </p:nvSpPr>
-        <p:spPr>
-          <a:xfrm>
-            <a:off x="1097280" y="1846052"/>
-            <a:ext cx="4937760" cy="736282"/>
-          </a:xfrm>
-        </p:spPr>
-        <p:txBody>
-          <a:bodyPr lIns="91440" rIns="91440" anchor="ctr">
-            <a:normAutofit/>
+          <a:bodyPr anchor="b">
+            <a:noAutofit/>
           </a:bodyPr>
           <a:lstStyle>
             <a:lvl1pPr marL="0" indent="0">
-              <a:buNone/>
-              <a:defRPr sz="2000" b="0" cap="all" baseline="0">
-                <a:solidFill>
-                  <a:schemeClr val="tx2"/>
+              <a:spcBef>
+                <a:spcPts val="672"/>
+              </a:spcBef>
+              <a:spcAft>
+                <a:spcPts val="600"/>
+              </a:spcAft>
+              <a:buNone/>
+              <a:defRPr sz="2800" b="0">
+                <a:solidFill>
+                  <a:schemeClr val="accent1"/>
                 </a:solidFill>
               </a:defRPr>
             </a:lvl1pPr>
@@ -1782,12 +3937,14 @@
         </p:nvSpPr>
         <p:spPr>
           <a:xfrm>
-            <a:off x="1097280" y="2582334"/>
-            <a:ext cx="4937760" cy="3378200"/>
+            <a:off x="1295400" y="3243262"/>
+            <a:ext cx="4718304" cy="2632605"/>
           </a:xfrm>
         </p:spPr>
         <p:txBody>
-          <a:bodyPr/>
+          <a:bodyPr anchor="t">
+            <a:normAutofit/>
+          </a:bodyPr>
           <a:lstStyle/>
           <a:p>
             <a:pPr lvl="0"/>
@@ -1839,20 +3996,26 @@
         </p:nvSpPr>
         <p:spPr>
           <a:xfrm>
-            <a:off x="6217920" y="1846052"/>
-            <a:ext cx="4937760" cy="736282"/>
+            <a:off x="6180670" y="2658533"/>
+            <a:ext cx="4718304" cy="576262"/>
           </a:xfrm>
         </p:spPr>
         <p:txBody>
-          <a:bodyPr lIns="91440" rIns="91440" anchor="ctr">
-            <a:normAutofit/>
+          <a:bodyPr anchor="b">
+            <a:noAutofit/>
           </a:bodyPr>
           <a:lstStyle>
             <a:lvl1pPr marL="0" indent="0">
-              <a:buNone/>
-              <a:defRPr sz="2000" b="0" cap="all" baseline="0">
-                <a:solidFill>
-                  <a:schemeClr val="tx2"/>
+              <a:spcBef>
+                <a:spcPts val="672"/>
+              </a:spcBef>
+              <a:spcAft>
+                <a:spcPts val="600"/>
+              </a:spcAft>
+              <a:buNone/>
+              <a:defRPr sz="2800" b="0">
+                <a:solidFill>
+                  <a:schemeClr val="accent1"/>
                 </a:solidFill>
               </a:defRPr>
             </a:lvl1pPr>
@@ -1910,69 +4073,71 @@
         </p:nvSpPr>
         <p:spPr>
           <a:xfrm>
-            <a:off x="6217920" y="2582334"/>
-            <a:ext cx="4937760" cy="3378200"/>
+            <a:off x="6180670" y="3243262"/>
+            <a:ext cx="4718304" cy="2632605"/>
           </a:xfrm>
         </p:spPr>
         <p:txBody>
+          <a:bodyPr anchor="t">
+            <a:normAutofit/>
+          </a:bodyPr>
+          <a:lstStyle/>
+          <a:p>
+            <a:pPr lvl="0"/>
+            <a:r>
+              <a:rPr lang="en-US" smtClean="0"/>
+              <a:t>Click to edit Master text styles</a:t>
+            </a:r>
+          </a:p>
+          <a:p>
+            <a:pPr lvl="1"/>
+            <a:r>
+              <a:rPr lang="en-US" smtClean="0"/>
+              <a:t>Second level</a:t>
+            </a:r>
+          </a:p>
+          <a:p>
+            <a:pPr lvl="2"/>
+            <a:r>
+              <a:rPr lang="en-US" smtClean="0"/>
+              <a:t>Third level</a:t>
+            </a:r>
+          </a:p>
+          <a:p>
+            <a:pPr lvl="3"/>
+            <a:r>
+              <a:rPr lang="en-US" smtClean="0"/>
+              <a:t>Fourth level</a:t>
+            </a:r>
+          </a:p>
+          <a:p>
+            <a:pPr lvl="4"/>
+            <a:r>
+              <a:rPr lang="en-US" smtClean="0"/>
+              <a:t>Fifth level</a:t>
+            </a:r>
+            <a:endParaRPr lang="en-US" dirty="0"/>
+          </a:p>
+        </p:txBody>
+      </p:sp>
+      <p:sp>
+        <p:nvSpPr>
+          <p:cNvPr id="7" name="Date Placeholder 6"/>
+          <p:cNvSpPr>
+            <a:spLocks noGrp="1"/>
+          </p:cNvSpPr>
+          <p:nvPr>
+            <p:ph type="dt" sz="half" idx="10"/>
+          </p:nvPr>
+        </p:nvSpPr>
+        <p:spPr/>
+        <p:txBody>
           <a:bodyPr/>
           <a:lstStyle/>
           <a:p>
-            <a:pPr lvl="0"/>
-            <a:r>
-              <a:rPr lang="en-US" smtClean="0"/>
-              <a:t>Click to edit Master text styles</a:t>
-            </a:r>
-          </a:p>
-          <a:p>
-            <a:pPr lvl="1"/>
-            <a:r>
-              <a:rPr lang="en-US" smtClean="0"/>
-              <a:t>Second level</a:t>
-            </a:r>
-          </a:p>
-          <a:p>
-            <a:pPr lvl="2"/>
-            <a:r>
-              <a:rPr lang="en-US" smtClean="0"/>
-              <a:t>Third level</a:t>
-            </a:r>
-          </a:p>
-          <a:p>
-            <a:pPr lvl="3"/>
-            <a:r>
-              <a:rPr lang="en-US" smtClean="0"/>
-              <a:t>Fourth level</a:t>
-            </a:r>
-          </a:p>
-          <a:p>
-            <a:pPr lvl="4"/>
-            <a:r>
-              <a:rPr lang="en-US" smtClean="0"/>
-              <a:t>Fifth level</a:t>
-            </a:r>
-            <a:endParaRPr lang="en-US" dirty="0"/>
-          </a:p>
-        </p:txBody>
-      </p:sp>
-      <p:sp>
-        <p:nvSpPr>
-          <p:cNvPr id="7" name="Date Placeholder 6"/>
-          <p:cNvSpPr>
-            <a:spLocks noGrp="1"/>
-          </p:cNvSpPr>
-          <p:nvPr>
-            <p:ph type="dt" sz="half" idx="10"/>
-          </p:nvPr>
-        </p:nvSpPr>
-        <p:spPr/>
-        <p:txBody>
-          <a:bodyPr/>
-          <a:lstStyle/>
-          <a:p>
             <a:fld id="{0EEBE4E2-722C-4916-A391-E0B1B79DBDC9}" type="datetimeFigureOut">
               <a:rPr lang="en-US" smtClean="0"/>
-              <a:t>15/11/2022</a:t>
+              <a:t>11/15/2022</a:t>
             </a:fld>
             <a:endParaRPr lang="en-US"/>
           </a:p>
@@ -2020,10 +4185,41 @@
           </a:p>
         </p:txBody>
       </p:sp>
+      <p:cxnSp>
+        <p:nvCxnSpPr>
+          <p:cNvPr id="18" name="Straight Connector 17"/>
+          <p:cNvCxnSpPr/>
+          <p:nvPr/>
+        </p:nvCxnSpPr>
+        <p:spPr>
+          <a:xfrm>
+            <a:off x="1396169" y="2421466"/>
+            <a:ext cx="9407298" cy="0"/>
+          </a:xfrm>
+          <a:prstGeom prst="line">
+            <a:avLst/>
+          </a:prstGeom>
+          <a:ln w="15875"/>
+        </p:spPr>
+        <p:style>
+          <a:lnRef idx="2">
+            <a:schemeClr val="accent1"/>
+          </a:lnRef>
+          <a:fillRef idx="0">
+            <a:schemeClr val="accent1"/>
+          </a:fillRef>
+          <a:effectRef idx="1">
+            <a:schemeClr val="accent1"/>
+          </a:effectRef>
+          <a:fontRef idx="minor">
+            <a:schemeClr val="tx1"/>
+          </a:fontRef>
+        </p:style>
+      </p:cxnSp>
     </p:spTree>
     <p:extLst>
       <p:ext uri="{BB962C8B-B14F-4D97-AF65-F5344CB8AC3E}">
-        <p14:creationId xmlns:p14="http://schemas.microsoft.com/office/powerpoint/2010/main" val="246583547"/>
+        <p14:creationId xmlns:p14="http://schemas.microsoft.com/office/powerpoint/2010/main" val="1655496453"/>
       </p:ext>
     </p:extLst>
   </p:cSld>
@@ -2090,7 +4286,7 @@
           <a:p>
             <a:fld id="{0EEBE4E2-722C-4916-A391-E0B1B79DBDC9}" type="datetimeFigureOut">
               <a:rPr lang="en-US" smtClean="0"/>
-              <a:t>15/11/2022</a:t>
+              <a:t>11/15/2022</a:t>
             </a:fld>
             <a:endParaRPr lang="en-US"/>
           </a:p>
@@ -2138,10 +4334,41 @@
           </a:p>
         </p:txBody>
       </p:sp>
+      <p:cxnSp>
+        <p:nvCxnSpPr>
+          <p:cNvPr id="14" name="Straight Connector 13"/>
+          <p:cNvCxnSpPr/>
+          <p:nvPr/>
+        </p:nvCxnSpPr>
+        <p:spPr>
+          <a:xfrm>
+            <a:off x="1396169" y="2421466"/>
+            <a:ext cx="9407298" cy="0"/>
+          </a:xfrm>
+          <a:prstGeom prst="line">
+            <a:avLst/>
+          </a:prstGeom>
+          <a:ln w="15875"/>
+        </p:spPr>
+        <p:style>
+          <a:lnRef idx="2">
+            <a:schemeClr val="accent1"/>
+          </a:lnRef>
+          <a:fillRef idx="0">
+            <a:schemeClr val="accent1"/>
+          </a:fillRef>
+          <a:effectRef idx="1">
+            <a:schemeClr val="accent1"/>
+          </a:effectRef>
+          <a:fontRef idx="minor">
+            <a:schemeClr val="tx1"/>
+          </a:fontRef>
+        </p:style>
+      </p:cxnSp>
     </p:spTree>
     <p:extLst>
       <p:ext uri="{BB962C8B-B14F-4D97-AF65-F5344CB8AC3E}">
-        <p14:creationId xmlns:p14="http://schemas.microsoft.com/office/powerpoint/2010/main" val="3167806832"/>
+        <p14:creationId xmlns:p14="http://schemas.microsoft.com/office/powerpoint/2010/main" val="1711494079"/>
       </p:ext>
     </p:extLst>
   </p:cSld>
@@ -2152,7 +4379,7 @@
 </file>
 
 <file path=ppt/slideLayouts/slideLayout7.xml><?xml version="1.0" encoding="utf-8"?>
-<p:sldLayout xmlns:a="http://schemas.openxmlformats.org/drawingml/2006/main" xmlns:r="http://schemas.openxmlformats.org/officeDocument/2006/relationships" xmlns:p="http://schemas.openxmlformats.org/presentationml/2006/main" showMasterSp="0" type="blank" preserve="1">
+<p:sldLayout xmlns:a="http://schemas.openxmlformats.org/drawingml/2006/main" xmlns:r="http://schemas.openxmlformats.org/officeDocument/2006/relationships" xmlns:p="http://schemas.openxmlformats.org/presentationml/2006/main" type="blank" preserve="1">
   <p:cSld name="Blank">
     <p:spTree>
       <p:nvGrpSpPr>
@@ -2170,83 +4397,7 @@
       </p:grpSpPr>
       <p:sp>
         <p:nvSpPr>
-          <p:cNvPr id="5" name="Rectangle 4"/>
-          <p:cNvSpPr/>
-          <p:nvPr/>
-        </p:nvSpPr>
-        <p:spPr>
-          <a:xfrm>
-            <a:off x="3175" y="6400800"/>
-            <a:ext cx="12188825" cy="457200"/>
-          </a:xfrm>
-          <a:prstGeom prst="rect">
-            <a:avLst/>
-          </a:prstGeom>
-          <a:solidFill>
-            <a:schemeClr val="accent2"/>
-          </a:solidFill>
-          <a:ln>
-            <a:noFill/>
-          </a:ln>
-        </p:spPr>
-        <p:style>
-          <a:lnRef idx="2">
-            <a:schemeClr val="accent1">
-              <a:shade val="50000"/>
-            </a:schemeClr>
-          </a:lnRef>
-          <a:fillRef idx="1">
-            <a:schemeClr val="accent1"/>
-          </a:fillRef>
-          <a:effectRef idx="0">
-            <a:schemeClr val="accent1"/>
-          </a:effectRef>
-          <a:fontRef idx="minor">
-            <a:schemeClr val="lt1"/>
-          </a:fontRef>
-        </p:style>
-      </p:sp>
-      <p:sp>
-        <p:nvSpPr>
-          <p:cNvPr id="6" name="Rectangle 5"/>
-          <p:cNvSpPr/>
-          <p:nvPr/>
-        </p:nvSpPr>
-        <p:spPr>
-          <a:xfrm>
-            <a:off x="15" y="6334316"/>
-            <a:ext cx="12188825" cy="64008"/>
-          </a:xfrm>
-          <a:prstGeom prst="rect">
-            <a:avLst/>
-          </a:prstGeom>
-          <a:solidFill>
-            <a:schemeClr val="accent1"/>
-          </a:solidFill>
-          <a:ln>
-            <a:noFill/>
-          </a:ln>
-        </p:spPr>
-        <p:style>
-          <a:lnRef idx="2">
-            <a:schemeClr val="accent1">
-              <a:shade val="50000"/>
-            </a:schemeClr>
-          </a:lnRef>
-          <a:fillRef idx="1">
-            <a:schemeClr val="accent1"/>
-          </a:fillRef>
-          <a:effectRef idx="0">
-            <a:schemeClr val="accent1"/>
-          </a:effectRef>
-          <a:fontRef idx="minor">
-            <a:schemeClr val="lt1"/>
-          </a:fontRef>
-        </p:style>
-      </p:sp>
-      <p:sp>
-        <p:nvSpPr>
-          <p:cNvPr id="7" name="Date Placeholder 6"/>
+          <p:cNvPr id="2" name="Date Placeholder 1"/>
           <p:cNvSpPr>
             <a:spLocks noGrp="1"/>
           </p:cNvSpPr>
@@ -2261,7 +4412,7 @@
           <a:p>
             <a:fld id="{0EEBE4E2-722C-4916-A391-E0B1B79DBDC9}" type="datetimeFigureOut">
               <a:rPr lang="en-US" smtClean="0"/>
-              <a:t>15/11/2022</a:t>
+              <a:t>11/15/2022</a:t>
             </a:fld>
             <a:endParaRPr lang="en-US"/>
           </a:p>
@@ -2269,7 +4420,7 @@
       </p:sp>
       <p:sp>
         <p:nvSpPr>
-          <p:cNvPr id="8" name="Footer Placeholder 7"/>
+          <p:cNvPr id="3" name="Footer Placeholder 2"/>
           <p:cNvSpPr>
             <a:spLocks noGrp="1"/>
           </p:cNvSpPr>
@@ -2280,15 +4431,7 @@
         <p:spPr/>
         <p:txBody>
           <a:bodyPr/>
-          <a:lstStyle>
-            <a:lvl1pPr>
-              <a:defRPr>
-                <a:solidFill>
-                  <a:srgbClr val="FFFFFF"/>
-                </a:solidFill>
-              </a:defRPr>
-            </a:lvl1pPr>
-          </a:lstStyle>
+          <a:lstStyle/>
           <a:p>
             <a:endParaRPr lang="en-US"/>
           </a:p>
@@ -2296,7 +4439,7 @@
       </p:sp>
       <p:sp>
         <p:nvSpPr>
-          <p:cNvPr id="9" name="Slide Number Placeholder 8"/>
+          <p:cNvPr id="4" name="Slide Number Placeholder 3"/>
           <p:cNvSpPr>
             <a:spLocks noGrp="1"/>
           </p:cNvSpPr>
@@ -2320,7 +4463,7 @@
     </p:spTree>
     <p:extLst>
       <p:ext uri="{BB962C8B-B14F-4D97-AF65-F5344CB8AC3E}">
-        <p14:creationId xmlns:p14="http://schemas.microsoft.com/office/powerpoint/2010/main" val="4120213673"/>
+        <p14:creationId xmlns:p14="http://schemas.microsoft.com/office/powerpoint/2010/main" val="3727922435"/>
       </p:ext>
     </p:extLst>
   </p:cSld>
@@ -2331,7 +4474,7 @@
 </file>
 
 <file path=ppt/slideLayouts/slideLayout8.xml><?xml version="1.0" encoding="utf-8"?>
-<p:sldLayout xmlns:a="http://schemas.openxmlformats.org/drawingml/2006/main" xmlns:r="http://schemas.openxmlformats.org/officeDocument/2006/relationships" xmlns:p="http://schemas.openxmlformats.org/presentationml/2006/main" showMasterSp="0" type="objTx" preserve="1">
+<p:sldLayout xmlns:a="http://schemas.openxmlformats.org/drawingml/2006/main" xmlns:r="http://schemas.openxmlformats.org/officeDocument/2006/relationships" xmlns:p="http://schemas.openxmlformats.org/presentationml/2006/main" type="objTx" preserve="1">
   <p:cSld name="Content with Caption">
     <p:spTree>
       <p:nvGrpSpPr>
@@ -2349,94 +4492,18 @@
       </p:grpSpPr>
       <p:sp>
         <p:nvSpPr>
-          <p:cNvPr id="8" name="Rectangle 7"/>
-          <p:cNvSpPr/>
-          <p:nvPr/>
+          <p:cNvPr id="2" name="Title 1"/>
+          <p:cNvSpPr>
+            <a:spLocks noGrp="1"/>
+          </p:cNvSpPr>
+          <p:nvPr>
+            <p:ph type="title"/>
+          </p:nvPr>
         </p:nvSpPr>
         <p:spPr>
           <a:xfrm>
-            <a:off x="16" y="0"/>
-            <a:ext cx="4050791" cy="6858000"/>
-          </a:xfrm>
-          <a:prstGeom prst="rect">
-            <a:avLst/>
-          </a:prstGeom>
-          <a:solidFill>
-            <a:schemeClr val="accent2"/>
-          </a:solidFill>
-          <a:ln>
-            <a:noFill/>
-          </a:ln>
-        </p:spPr>
-        <p:style>
-          <a:lnRef idx="2">
-            <a:schemeClr val="accent1">
-              <a:shade val="50000"/>
-            </a:schemeClr>
-          </a:lnRef>
-          <a:fillRef idx="1">
-            <a:schemeClr val="accent1"/>
-          </a:fillRef>
-          <a:effectRef idx="0">
-            <a:schemeClr val="accent1"/>
-          </a:effectRef>
-          <a:fontRef idx="minor">
-            <a:schemeClr val="lt1"/>
-          </a:fontRef>
-        </p:style>
-      </p:sp>
-      <p:sp>
-        <p:nvSpPr>
-          <p:cNvPr id="9" name="Rectangle 8"/>
-          <p:cNvSpPr/>
-          <p:nvPr/>
-        </p:nvSpPr>
-        <p:spPr>
-          <a:xfrm>
-            <a:off x="4040071" y="0"/>
-            <a:ext cx="64008" cy="6858000"/>
-          </a:xfrm>
-          <a:prstGeom prst="rect">
-            <a:avLst/>
-          </a:prstGeom>
-          <a:solidFill>
-            <a:schemeClr val="accent1"/>
-          </a:solidFill>
-          <a:ln>
-            <a:noFill/>
-          </a:ln>
-        </p:spPr>
-        <p:style>
-          <a:lnRef idx="2">
-            <a:schemeClr val="accent1">
-              <a:shade val="50000"/>
-            </a:schemeClr>
-          </a:lnRef>
-          <a:fillRef idx="1">
-            <a:schemeClr val="accent1"/>
-          </a:fillRef>
-          <a:effectRef idx="0">
-            <a:schemeClr val="accent1"/>
-          </a:effectRef>
-          <a:fontRef idx="minor">
-            <a:schemeClr val="lt1"/>
-          </a:fontRef>
-        </p:style>
-      </p:sp>
-      <p:sp>
-        <p:nvSpPr>
-          <p:cNvPr id="2" name="Title 1"/>
-          <p:cNvSpPr>
-            <a:spLocks noGrp="1"/>
-          </p:cNvSpPr>
-          <p:nvPr>
-            <p:ph type="title"/>
-          </p:nvPr>
-        </p:nvSpPr>
-        <p:spPr>
-          <a:xfrm>
-            <a:off x="457200" y="594359"/>
-            <a:ext cx="3200400" cy="2286000"/>
+            <a:off x="1293811" y="1388534"/>
+            <a:ext cx="3718455" cy="1371600"/>
           </a:xfrm>
         </p:spPr>
         <p:txBody>
@@ -2444,12 +4511,8 @@
             <a:normAutofit/>
           </a:bodyPr>
           <a:lstStyle>
-            <a:lvl1pPr>
-              <a:defRPr sz="3600" b="0">
-                <a:solidFill>
-                  <a:srgbClr val="FFFFFF"/>
-                </a:solidFill>
-              </a:defRPr>
+            <a:lvl1pPr algn="ctr">
+              <a:defRPr sz="2400" b="0"/>
             </a:lvl1pPr>
           </a:lstStyle>
           <a:p>
@@ -2473,12 +4536,14 @@
         </p:nvSpPr>
         <p:spPr>
           <a:xfrm>
-            <a:off x="4800600" y="731520"/>
-            <a:ext cx="6492240" cy="5257800"/>
+            <a:off x="5418668" y="982131"/>
+            <a:ext cx="5469466" cy="4893735"/>
           </a:xfrm>
         </p:spPr>
         <p:txBody>
-          <a:bodyPr/>
+          <a:bodyPr anchor="ctr">
+            <a:normAutofit/>
+          </a:bodyPr>
           <a:lstStyle/>
           <a:p>
             <a:pPr lvl="0"/>
@@ -2530,22 +4595,18 @@
         </p:nvSpPr>
         <p:spPr>
           <a:xfrm>
-            <a:off x="457200" y="2926080"/>
-            <a:ext cx="3200400" cy="3379124"/>
+            <a:off x="1293811" y="3031065"/>
+            <a:ext cx="3718455" cy="2438404"/>
           </a:xfrm>
         </p:spPr>
         <p:txBody>
-          <a:bodyPr lIns="91440" rIns="91440">
+          <a:bodyPr anchor="t">
             <a:normAutofit/>
           </a:bodyPr>
           <a:lstStyle>
-            <a:lvl1pPr marL="0" indent="0">
-              <a:buNone/>
-              <a:defRPr sz="1500">
-                <a:solidFill>
-                  <a:srgbClr val="FFFFFF"/>
-                </a:solidFill>
-              </a:defRPr>
+            <a:lvl1pPr marL="0" indent="0" algn="ctr">
+              <a:buNone/>
+              <a:defRPr sz="1600"/>
             </a:lvl1pPr>
             <a:lvl2pPr marL="457200" indent="0">
               <a:buNone/>
@@ -2599,23 +4660,14 @@
             <p:ph type="dt" sz="half" idx="10"/>
           </p:nvPr>
         </p:nvSpPr>
-        <p:spPr>
-          <a:xfrm>
-            <a:off x="465512" y="6459785"/>
-            <a:ext cx="2618510" cy="365125"/>
-          </a:xfrm>
-        </p:spPr>
+        <p:spPr/>
         <p:txBody>
           <a:bodyPr/>
-          <a:lstStyle>
-            <a:lvl1pPr algn="l">
-              <a:defRPr/>
-            </a:lvl1pPr>
-          </a:lstStyle>
+          <a:lstStyle/>
           <a:p>
             <a:fld id="{0EEBE4E2-722C-4916-A391-E0B1B79DBDC9}" type="datetimeFigureOut">
               <a:rPr lang="en-US" smtClean="0"/>
-              <a:t>15/11/2022</a:t>
+              <a:t>11/15/2022</a:t>
             </a:fld>
             <a:endParaRPr lang="en-US"/>
           </a:p>
@@ -2631,23 +4683,10 @@
             <p:ph type="ftr" sz="quarter" idx="11"/>
           </p:nvPr>
         </p:nvSpPr>
-        <p:spPr>
-          <a:xfrm>
-            <a:off x="4800600" y="6459785"/>
-            <a:ext cx="4648200" cy="365125"/>
-          </a:xfrm>
-        </p:spPr>
+        <p:spPr/>
         <p:txBody>
           <a:bodyPr/>
-          <a:lstStyle>
-            <a:lvl1pPr algn="l">
-              <a:defRPr>
-                <a:solidFill>
-                  <a:schemeClr val="tx2"/>
-                </a:solidFill>
-              </a:defRPr>
-            </a:lvl1pPr>
-          </a:lstStyle>
+          <a:lstStyle/>
           <a:p>
             <a:endParaRPr lang="en-US"/>
           </a:p>
@@ -2666,15 +4705,7 @@
         <p:spPr/>
         <p:txBody>
           <a:bodyPr/>
-          <a:lstStyle>
-            <a:lvl1pPr>
-              <a:defRPr>
-                <a:solidFill>
-                  <a:schemeClr val="tx2"/>
-                </a:solidFill>
-              </a:defRPr>
-            </a:lvl1pPr>
-          </a:lstStyle>
+          <a:lstStyle/>
           <a:p>
             <a:fld id="{BC07FA81-D92D-4079-88C7-8B7259F34E9B}" type="slidenum">
               <a:rPr lang="en-US" smtClean="0"/>
@@ -2684,10 +4715,41 @@
           </a:p>
         </p:txBody>
       </p:sp>
+      <p:cxnSp>
+        <p:nvCxnSpPr>
+          <p:cNvPr id="16" name="Straight Connector 15"/>
+          <p:cNvCxnSpPr/>
+          <p:nvPr/>
+        </p:nvCxnSpPr>
+        <p:spPr>
+          <a:xfrm>
+            <a:off x="1396169" y="2912533"/>
+            <a:ext cx="3514498" cy="0"/>
+          </a:xfrm>
+          <a:prstGeom prst="line">
+            <a:avLst/>
+          </a:prstGeom>
+          <a:ln w="15875"/>
+        </p:spPr>
+        <p:style>
+          <a:lnRef idx="2">
+            <a:schemeClr val="accent1"/>
+          </a:lnRef>
+          <a:fillRef idx="0">
+            <a:schemeClr val="accent1"/>
+          </a:fillRef>
+          <a:effectRef idx="1">
+            <a:schemeClr val="accent1"/>
+          </a:effectRef>
+          <a:fontRef idx="minor">
+            <a:schemeClr val="tx1"/>
+          </a:fontRef>
+        </p:style>
+      </p:cxnSp>
     </p:spTree>
     <p:extLst>
       <p:ext uri="{BB962C8B-B14F-4D97-AF65-F5344CB8AC3E}">
-        <p14:creationId xmlns:p14="http://schemas.microsoft.com/office/powerpoint/2010/main" val="2423074277"/>
+        <p14:creationId xmlns:p14="http://schemas.microsoft.com/office/powerpoint/2010/main" val="3010868171"/>
       </p:ext>
     </p:extLst>
   </p:cSld>
@@ -2698,7 +4760,7 @@
 </file>
 
 <file path=ppt/slideLayouts/slideLayout9.xml><?xml version="1.0" encoding="utf-8"?>
-<p:sldLayout xmlns:a="http://schemas.openxmlformats.org/drawingml/2006/main" xmlns:r="http://schemas.openxmlformats.org/officeDocument/2006/relationships" xmlns:p="http://schemas.openxmlformats.org/presentationml/2006/main" showMasterSp="0" type="picTx" preserve="1">
+<p:sldLayout xmlns:a="http://schemas.openxmlformats.org/drawingml/2006/main" xmlns:r="http://schemas.openxmlformats.org/officeDocument/2006/relationships" xmlns:p="http://schemas.openxmlformats.org/presentationml/2006/main" type="picTx" preserve="1">
   <p:cSld name="Picture with Caption">
     <p:spTree>
       <p:nvGrpSpPr>
@@ -2716,227 +4778,150 @@
       </p:grpSpPr>
       <p:sp>
         <p:nvSpPr>
-          <p:cNvPr id="8" name="Rectangle 7"/>
-          <p:cNvSpPr/>
-          <p:nvPr/>
+          <p:cNvPr id="2" name="Title 1"/>
+          <p:cNvSpPr>
+            <a:spLocks noGrp="1"/>
+          </p:cNvSpPr>
+          <p:nvPr>
+            <p:ph type="title"/>
+          </p:nvPr>
         </p:nvSpPr>
         <p:spPr>
           <a:xfrm>
-            <a:off x="0" y="4953000"/>
-            <a:ext cx="12188825" cy="1905000"/>
-          </a:xfrm>
-          <a:prstGeom prst="rect">
-            <a:avLst/>
-          </a:prstGeom>
-          <a:solidFill>
-            <a:schemeClr val="accent2"/>
-          </a:solidFill>
-          <a:ln>
-            <a:noFill/>
-          </a:ln>
-        </p:spPr>
-        <p:style>
-          <a:lnRef idx="2">
-            <a:schemeClr val="accent1">
-              <a:shade val="50000"/>
-            </a:schemeClr>
-          </a:lnRef>
-          <a:fillRef idx="1">
-            <a:schemeClr val="accent1"/>
-          </a:fillRef>
-          <a:effectRef idx="0">
-            <a:schemeClr val="accent1"/>
-          </a:effectRef>
-          <a:fontRef idx="minor">
-            <a:schemeClr val="lt1"/>
-          </a:fontRef>
-        </p:style>
-      </p:sp>
-      <p:sp>
-        <p:nvSpPr>
-          <p:cNvPr id="9" name="Rectangle 8"/>
-          <p:cNvSpPr/>
-          <p:nvPr/>
-        </p:nvSpPr>
-        <p:spPr>
-          <a:xfrm>
-            <a:off x="15" y="4915076"/>
-            <a:ext cx="12188825" cy="64008"/>
-          </a:xfrm>
-          <a:prstGeom prst="rect">
-            <a:avLst/>
-          </a:prstGeom>
-          <a:solidFill>
-            <a:schemeClr val="accent1"/>
-          </a:solidFill>
-          <a:ln>
-            <a:noFill/>
-          </a:ln>
-        </p:spPr>
-        <p:style>
-          <a:lnRef idx="2">
-            <a:schemeClr val="accent1">
-              <a:shade val="50000"/>
-            </a:schemeClr>
-          </a:lnRef>
-          <a:fillRef idx="1">
-            <a:schemeClr val="accent1"/>
-          </a:fillRef>
-          <a:effectRef idx="0">
-            <a:schemeClr val="accent1"/>
-          </a:effectRef>
-          <a:fontRef idx="minor">
-            <a:schemeClr val="lt1"/>
-          </a:fontRef>
-        </p:style>
-      </p:sp>
-      <p:sp>
-        <p:nvSpPr>
-          <p:cNvPr id="2" name="Title 1"/>
-          <p:cNvSpPr>
-            <a:spLocks noGrp="1"/>
-          </p:cNvSpPr>
-          <p:nvPr>
-            <p:ph type="title"/>
-          </p:nvPr>
-        </p:nvSpPr>
-        <p:spPr>
-          <a:xfrm>
-            <a:off x="1097280" y="5074920"/>
-            <a:ext cx="10113264" cy="822960"/>
+            <a:off x="1295399" y="1883832"/>
+            <a:ext cx="6241816" cy="1371600"/>
           </a:xfrm>
         </p:spPr>
         <p:txBody>
-          <a:bodyPr lIns="91440" tIns="0" rIns="91440" bIns="0" anchor="b">
-            <a:noAutofit/>
-          </a:bodyPr>
-          <a:lstStyle>
-            <a:lvl1pPr>
-              <a:defRPr sz="3600" b="0">
-                <a:solidFill>
-                  <a:srgbClr val="FFFFFF"/>
-                </a:solidFill>
-              </a:defRPr>
-            </a:lvl1pPr>
-          </a:lstStyle>
-          <a:p>
-            <a:r>
-              <a:rPr lang="en-US" smtClean="0"/>
-              <a:t>Click to edit Master title style</a:t>
-            </a:r>
-            <a:endParaRPr lang="en-US" dirty="0"/>
-          </a:p>
-        </p:txBody>
-      </p:sp>
-      <p:sp>
-        <p:nvSpPr>
-          <p:cNvPr id="3" name="Picture Placeholder 2"/>
-          <p:cNvSpPr>
-            <a:spLocks noGrp="1" noChangeAspect="1"/>
-          </p:cNvSpPr>
-          <p:nvPr>
-            <p:ph type="pic" idx="1"/>
-          </p:nvPr>
-        </p:nvSpPr>
-        <p:spPr>
-          <a:xfrm>
-            <a:off x="15" y="0"/>
-            <a:ext cx="12191985" cy="4915076"/>
-          </a:xfrm>
-          <a:blipFill>
-            <a:blip r:embed="rId2"/>
-            <a:stretch>
-              <a:fillRect/>
-            </a:stretch>
-          </a:blipFill>
-        </p:spPr>
-        <p:txBody>
-          <a:bodyPr lIns="457200" tIns="457200" anchor="t"/>
-          <a:lstStyle>
-            <a:lvl1pPr marL="0" indent="0">
-              <a:buNone/>
-              <a:defRPr sz="3200">
-                <a:solidFill>
-                  <a:schemeClr val="bg1"/>
-                </a:solidFill>
-              </a:defRPr>
-            </a:lvl1pPr>
-            <a:lvl2pPr marL="457200" indent="0">
-              <a:buNone/>
-              <a:defRPr sz="2800"/>
-            </a:lvl2pPr>
-            <a:lvl3pPr marL="914400" indent="0">
-              <a:buNone/>
-              <a:defRPr sz="2400"/>
-            </a:lvl3pPr>
-            <a:lvl4pPr marL="1371600" indent="0">
-              <a:buNone/>
-              <a:defRPr sz="2000"/>
-            </a:lvl4pPr>
-            <a:lvl5pPr marL="1828800" indent="0">
-              <a:buNone/>
-              <a:defRPr sz="2000"/>
-            </a:lvl5pPr>
-            <a:lvl6pPr marL="2286000" indent="0">
-              <a:buNone/>
-              <a:defRPr sz="2000"/>
-            </a:lvl6pPr>
-            <a:lvl7pPr marL="2743200" indent="0">
-              <a:buNone/>
-              <a:defRPr sz="2000"/>
-            </a:lvl7pPr>
-            <a:lvl8pPr marL="3200400" indent="0">
-              <a:buNone/>
-              <a:defRPr sz="2000"/>
-            </a:lvl8pPr>
-            <a:lvl9pPr marL="3657600" indent="0">
-              <a:buNone/>
-              <a:defRPr sz="2000"/>
-            </a:lvl9pPr>
-          </a:lstStyle>
-          <a:p>
-            <a:r>
-              <a:rPr lang="en-US" smtClean="0"/>
-              <a:t>Click icon to add picture</a:t>
-            </a:r>
-            <a:endParaRPr lang="en-US" dirty="0"/>
-          </a:p>
-        </p:txBody>
-      </p:sp>
-      <p:sp>
-        <p:nvSpPr>
-          <p:cNvPr id="4" name="Text Placeholder 3"/>
-          <p:cNvSpPr>
-            <a:spLocks noGrp="1"/>
-          </p:cNvSpPr>
-          <p:nvPr>
-            <p:ph type="body" sz="half" idx="2"/>
-          </p:nvPr>
-        </p:nvSpPr>
-        <p:spPr>
-          <a:xfrm>
-            <a:off x="1097280" y="5907023"/>
-            <a:ext cx="10113264" cy="594360"/>
-          </a:xfrm>
-        </p:spPr>
-        <p:txBody>
-          <a:bodyPr lIns="91440" tIns="0" rIns="91440" bIns="0">
+          <a:bodyPr anchor="b">
             <a:normAutofit/>
           </a:bodyPr>
           <a:lstStyle>
-            <a:lvl1pPr marL="0" indent="0">
-              <a:spcBef>
-                <a:spcPts val="0"/>
-              </a:spcBef>
-              <a:spcAft>
-                <a:spcPts val="600"/>
-              </a:spcAft>
-              <a:buNone/>
-              <a:defRPr sz="1500">
-                <a:solidFill>
-                  <a:srgbClr val="FFFFFF"/>
-                </a:solidFill>
-              </a:defRPr>
+            <a:lvl1pPr algn="ctr">
+              <a:defRPr sz="2800" b="0"/>
+            </a:lvl1pPr>
+          </a:lstStyle>
+          <a:p>
+            <a:r>
+              <a:rPr lang="en-US" smtClean="0"/>
+              <a:t>Click to edit Master title style</a:t>
+            </a:r>
+            <a:endParaRPr lang="en-US" dirty="0"/>
+          </a:p>
+        </p:txBody>
+      </p:sp>
+      <p:sp>
+        <p:nvSpPr>
+          <p:cNvPr id="17" name="Picture Placeholder 2"/>
+          <p:cNvSpPr>
+            <a:spLocks noGrp="1" noChangeAspect="1"/>
+          </p:cNvSpPr>
+          <p:nvPr>
+            <p:ph type="pic" idx="1"/>
+          </p:nvPr>
+        </p:nvSpPr>
+        <p:spPr>
+          <a:xfrm>
+            <a:off x="8094831" y="1041400"/>
+            <a:ext cx="3063347" cy="4775200"/>
+          </a:xfrm>
+          <a:prstGeom prst="roundRect">
+            <a:avLst>
+              <a:gd name="adj" fmla="val 0"/>
+            </a:avLst>
+          </a:prstGeom>
+          <a:ln w="57150" cmpd="thickThin">
+            <a:solidFill>
+              <a:schemeClr val="tx1">
+                <a:lumMod val="50000"/>
+                <a:lumOff val="50000"/>
+              </a:schemeClr>
+            </a:solidFill>
+            <a:miter lim="800000"/>
+          </a:ln>
+          <a:effectLst>
+            <a:innerShdw blurRad="57150" dist="38100" dir="14460000">
+              <a:srgbClr val="000000">
+                <a:alpha val="70000"/>
+              </a:srgbClr>
+            </a:innerShdw>
+          </a:effectLst>
+        </p:spPr>
+        <p:txBody>
+          <a:bodyPr anchor="t">
+            <a:normAutofit/>
+          </a:bodyPr>
+          <a:lstStyle>
+            <a:lvl1pPr marL="0" indent="0" algn="ctr">
+              <a:buNone/>
+              <a:defRPr sz="1600"/>
+            </a:lvl1pPr>
+            <a:lvl2pPr marL="457200" indent="0">
+              <a:buNone/>
+              <a:defRPr sz="1600"/>
+            </a:lvl2pPr>
+            <a:lvl3pPr marL="914400" indent="0">
+              <a:buNone/>
+              <a:defRPr sz="1600"/>
+            </a:lvl3pPr>
+            <a:lvl4pPr marL="1371600" indent="0">
+              <a:buNone/>
+              <a:defRPr sz="1600"/>
+            </a:lvl4pPr>
+            <a:lvl5pPr marL="1828800" indent="0">
+              <a:buNone/>
+              <a:defRPr sz="1600"/>
+            </a:lvl5pPr>
+            <a:lvl6pPr marL="2286000" indent="0">
+              <a:buNone/>
+              <a:defRPr sz="1600"/>
+            </a:lvl6pPr>
+            <a:lvl7pPr marL="2743200" indent="0">
+              <a:buNone/>
+              <a:defRPr sz="1600"/>
+            </a:lvl7pPr>
+            <a:lvl8pPr marL="3200400" indent="0">
+              <a:buNone/>
+              <a:defRPr sz="1600"/>
+            </a:lvl8pPr>
+            <a:lvl9pPr marL="3657600" indent="0">
+              <a:buNone/>
+              <a:defRPr sz="1600"/>
+            </a:lvl9pPr>
+          </a:lstStyle>
+          <a:p>
+            <a:r>
+              <a:rPr lang="en-US" smtClean="0"/>
+              <a:t>Click icon to add picture</a:t>
+            </a:r>
+            <a:endParaRPr lang="en-US" dirty="0"/>
+          </a:p>
+        </p:txBody>
+      </p:sp>
+      <p:sp>
+        <p:nvSpPr>
+          <p:cNvPr id="4" name="Text Placeholder 3"/>
+          <p:cNvSpPr>
+            <a:spLocks noGrp="1"/>
+          </p:cNvSpPr>
+          <p:nvPr>
+            <p:ph type="body" sz="half" idx="2"/>
+          </p:nvPr>
+        </p:nvSpPr>
+        <p:spPr>
+          <a:xfrm>
+            <a:off x="1295399" y="3255432"/>
+            <a:ext cx="6241816" cy="1828800"/>
+          </a:xfrm>
+        </p:spPr>
+        <p:txBody>
+          <a:bodyPr anchor="t">
+            <a:normAutofit/>
+          </a:bodyPr>
+          <a:lstStyle>
+            <a:lvl1pPr marL="0" indent="0" algn="ctr">
+              <a:buNone/>
+              <a:defRPr sz="1800"/>
             </a:lvl1pPr>
             <a:lvl2pPr marL="457200" indent="0">
               <a:buNone/>
@@ -2997,7 +4982,7 @@
           <a:p>
             <a:fld id="{0EEBE4E2-722C-4916-A391-E0B1B79DBDC9}" type="datetimeFigureOut">
               <a:rPr lang="en-US" smtClean="0"/>
-              <a:t>15/11/2022</a:t>
+              <a:t>11/15/2022</a:t>
             </a:fld>
             <a:endParaRPr lang="en-US"/>
           </a:p>
@@ -3048,7 +5033,7 @@
     </p:spTree>
     <p:extLst>
       <p:ext uri="{BB962C8B-B14F-4D97-AF65-F5344CB8AC3E}">
-        <p14:creationId xmlns:p14="http://schemas.microsoft.com/office/powerpoint/2010/main" val="3746290088"/>
+        <p14:creationId xmlns:p14="http://schemas.microsoft.com/office/powerpoint/2010/main" val="2213485560"/>
       </p:ext>
     </p:extLst>
   </p:cSld>
@@ -3062,7 +5047,7 @@
 <p:sldMaster xmlns:a="http://schemas.openxmlformats.org/drawingml/2006/main" xmlns:r="http://schemas.openxmlformats.org/officeDocument/2006/relationships" xmlns:p="http://schemas.openxmlformats.org/presentationml/2006/main">
   <p:cSld>
     <p:bg>
-      <p:bgRef idx="1001">
+      <p:bgRef idx="1003">
         <a:schemeClr val="bg1"/>
       </p:bgRef>
     </p:bg>
@@ -3080,110 +5065,234 @@
           <a:chExt cx="0" cy="0"/>
         </a:xfrm>
       </p:grpSpPr>
-      <p:sp>
-        <p:nvSpPr>
-          <p:cNvPr id="7" name="Rectangle 6"/>
-          <p:cNvSpPr/>
+      <p:grpSp>
+        <p:nvGrpSpPr>
+          <p:cNvPr id="7" name="Group 6"/>
+          <p:cNvGrpSpPr/>
           <p:nvPr/>
+        </p:nvGrpSpPr>
+        <p:grpSpPr>
+          <a:xfrm>
+            <a:off x="-15736" y="0"/>
+            <a:ext cx="12229962" cy="6856214"/>
+            <a:chOff x="-15736" y="0"/>
+            <a:chExt cx="12229962" cy="6856214"/>
+          </a:xfrm>
+        </p:grpSpPr>
+        <p:pic>
+          <p:nvPicPr>
+            <p:cNvPr id="8" name="Picture 7" descr="HD-PanelContent.png"/>
+            <p:cNvPicPr>
+              <a:picLocks noChangeAspect="1"/>
+            </p:cNvPicPr>
+            <p:nvPr/>
+          </p:nvPicPr>
+          <p:blipFill>
+            <a:blip r:embed="rId19">
+              <a:extLst>
+                <a:ext uri="{28A0092B-C50C-407E-A947-70E740481C1C}">
+                  <a14:useLocalDpi xmlns:a14="http://schemas.microsoft.com/office/drawing/2010/main" val="0"/>
+                </a:ext>
+              </a:extLst>
+            </a:blip>
+            <a:stretch>
+              <a:fillRect/>
+            </a:stretch>
+          </p:blipFill>
+          <p:spPr>
+            <a:xfrm>
+              <a:off x="0" y="0"/>
+              <a:ext cx="12188825" cy="6856214"/>
+            </a:xfrm>
+            <a:prstGeom prst="rect">
+              <a:avLst/>
+            </a:prstGeom>
+          </p:spPr>
+        </p:pic>
+        <p:sp>
+          <p:nvSpPr>
+            <p:cNvPr id="9" name="Rectangle 8"/>
+            <p:cNvSpPr/>
+            <p:nvPr/>
+          </p:nvSpPr>
+          <p:spPr>
+            <a:xfrm>
+              <a:off x="608012" y="609600"/>
+              <a:ext cx="10972800" cy="5638800"/>
+            </a:xfrm>
+            <a:prstGeom prst="rect">
+              <a:avLst/>
+            </a:prstGeom>
+            <a:noFill/>
+            <a:ln w="15875" cap="flat">
+              <a:miter lim="800000"/>
+            </a:ln>
+          </p:spPr>
+          <p:style>
+            <a:lnRef idx="1">
+              <a:schemeClr val="accent1"/>
+            </a:lnRef>
+            <a:fillRef idx="3">
+              <a:schemeClr val="accent1"/>
+            </a:fillRef>
+            <a:effectRef idx="2">
+              <a:schemeClr val="accent1"/>
+            </a:effectRef>
+            <a:fontRef idx="minor">
+              <a:schemeClr val="lt1"/>
+            </a:fontRef>
+          </p:style>
+        </p:sp>
+        <p:pic>
+          <p:nvPicPr>
+            <p:cNvPr id="10" name="Picture 9" descr="HDRibbonContent-UniformTrim.png"/>
+            <p:cNvPicPr>
+              <a:picLocks noChangeAspect="1"/>
+            </p:cNvPicPr>
+            <p:nvPr/>
+          </p:nvPicPr>
+          <p:blipFill rotWithShape="1">
+            <a:blip r:embed="rId20">
+              <a:extLst>
+                <a:ext uri="{28A0092B-C50C-407E-A947-70E740481C1C}">
+                  <a14:useLocalDpi xmlns:a14="http://schemas.microsoft.com/office/drawing/2010/main" val="0"/>
+                </a:ext>
+              </a:extLst>
+            </a:blip>
+            <a:srcRect/>
+            <a:stretch/>
+          </p:blipFill>
+          <p:spPr>
+            <a:xfrm>
+              <a:off x="-15736" y="3153832"/>
+              <a:ext cx="777240" cy="606425"/>
+            </a:xfrm>
+            <a:prstGeom prst="rect">
+              <a:avLst/>
+            </a:prstGeom>
+          </p:spPr>
+        </p:pic>
+        <p:pic>
+          <p:nvPicPr>
+            <p:cNvPr id="11" name="Picture 10" descr="HDRibbonContent-UniformTrim.png"/>
+            <p:cNvPicPr>
+              <a:picLocks noChangeAspect="1"/>
+            </p:cNvPicPr>
+            <p:nvPr/>
+          </p:nvPicPr>
+          <p:blipFill rotWithShape="1">
+            <a:blip r:embed="rId20">
+              <a:extLst>
+                <a:ext uri="{28A0092B-C50C-407E-A947-70E740481C1C}">
+                  <a14:useLocalDpi xmlns:a14="http://schemas.microsoft.com/office/drawing/2010/main" val="0"/>
+                </a:ext>
+              </a:extLst>
+            </a:blip>
+            <a:srcRect/>
+            <a:stretch/>
+          </p:blipFill>
+          <p:spPr>
+            <a:xfrm>
+              <a:off x="11436986" y="3153832"/>
+              <a:ext cx="777240" cy="606425"/>
+            </a:xfrm>
+            <a:prstGeom prst="rect">
+              <a:avLst/>
+            </a:prstGeom>
+          </p:spPr>
+        </p:pic>
+      </p:grpSp>
+      <p:sp>
+        <p:nvSpPr>
+          <p:cNvPr id="2" name="Title Placeholder 1"/>
+          <p:cNvSpPr>
+            <a:spLocks noGrp="1"/>
+          </p:cNvSpPr>
+          <p:nvPr>
+            <p:ph type="title"/>
+          </p:nvPr>
         </p:nvSpPr>
         <p:spPr>
           <a:xfrm>
-            <a:off x="1" y="6400800"/>
-            <a:ext cx="12192000" cy="457200"/>
+            <a:off x="1295402" y="982132"/>
+            <a:ext cx="9601196" cy="1303867"/>
           </a:xfrm>
           <a:prstGeom prst="rect">
             <a:avLst/>
           </a:prstGeom>
-          <a:solidFill>
-            <a:schemeClr val="accent2"/>
-          </a:solidFill>
-          <a:ln>
-            <a:noFill/>
-          </a:ln>
+          <a:effectLst/>
         </p:spPr>
-        <p:style>
-          <a:lnRef idx="2">
-            <a:schemeClr val="accent1">
-              <a:shade val="50000"/>
-            </a:schemeClr>
-          </a:lnRef>
-          <a:fillRef idx="1">
-            <a:schemeClr val="accent1"/>
-          </a:fillRef>
-          <a:effectRef idx="0">
-            <a:schemeClr val="accent1"/>
-          </a:effectRef>
-          <a:fontRef idx="minor">
-            <a:schemeClr val="lt1"/>
-          </a:fontRef>
-        </p:style>
-      </p:sp>
-      <p:sp>
-        <p:nvSpPr>
-          <p:cNvPr id="9" name="Rectangle 8"/>
-          <p:cNvSpPr/>
-          <p:nvPr/>
+        <p:txBody>
+          <a:bodyPr vert="horz" lIns="91440" tIns="45720" rIns="91440" bIns="45720" rtlCol="0" anchor="ctr">
+            <a:normAutofit/>
+          </a:bodyPr>
+          <a:lstStyle/>
+          <a:p>
+            <a:r>
+              <a:rPr lang="en-US" smtClean="0"/>
+              <a:t>Click to edit Master title style</a:t>
+            </a:r>
+            <a:endParaRPr lang="en-US" dirty="0"/>
+          </a:p>
+        </p:txBody>
+      </p:sp>
+      <p:sp>
+        <p:nvSpPr>
+          <p:cNvPr id="3" name="Text Placeholder 2"/>
+          <p:cNvSpPr>
+            <a:spLocks noGrp="1"/>
+          </p:cNvSpPr>
+          <p:nvPr>
+            <p:ph type="body" idx="1"/>
+          </p:nvPr>
         </p:nvSpPr>
         <p:spPr>
           <a:xfrm>
-            <a:off x="0" y="6334316"/>
-            <a:ext cx="12192001" cy="65998"/>
-          </a:xfrm>
-          <a:prstGeom prst="rect">
-            <a:avLst/>
-          </a:prstGeom>
-          <a:solidFill>
-            <a:schemeClr val="accent1"/>
-          </a:solidFill>
-          <a:ln>
-            <a:noFill/>
-          </a:ln>
-        </p:spPr>
-        <p:style>
-          <a:lnRef idx="2">
-            <a:schemeClr val="accent1">
-              <a:shade val="50000"/>
-            </a:schemeClr>
-          </a:lnRef>
-          <a:fillRef idx="1">
-            <a:schemeClr val="accent1"/>
-          </a:fillRef>
-          <a:effectRef idx="0">
-            <a:schemeClr val="accent1"/>
-          </a:effectRef>
-          <a:fontRef idx="minor">
-            <a:schemeClr val="lt1"/>
-          </a:fontRef>
-        </p:style>
-      </p:sp>
-      <p:sp>
-        <p:nvSpPr>
-          <p:cNvPr id="2" name="Title Placeholder 1"/>
-          <p:cNvSpPr>
-            <a:spLocks noGrp="1"/>
-          </p:cNvSpPr>
-          <p:nvPr>
-            <p:ph type="title"/>
-          </p:nvPr>
-        </p:nvSpPr>
-        <p:spPr>
-          <a:xfrm>
-            <a:off x="1097280" y="286603"/>
-            <a:ext cx="10058400" cy="1450757"/>
+            <a:off x="1295401" y="2556932"/>
+            <a:ext cx="9601196" cy="3318936"/>
           </a:xfrm>
           <a:prstGeom prst="rect">
             <a:avLst/>
           </a:prstGeom>
         </p:spPr>
         <p:txBody>
-          <a:bodyPr vert="horz" lIns="91440" tIns="45720" rIns="91440" bIns="45720" rtlCol="0" anchor="b">
+          <a:bodyPr vert="horz" lIns="91440" tIns="45720" rIns="91440" bIns="45720" rtlCol="0" anchor="t">
             <a:normAutofit/>
           </a:bodyPr>
           <a:lstStyle/>
           <a:p>
-            <a:r>
-              <a:rPr lang="en-US" smtClean="0"/>
-              <a:t>Click to edit Master title style</a:t>
+            <a:pPr lvl="0"/>
+            <a:r>
+              <a:rPr lang="en-US" smtClean="0"/>
+              <a:t>Click to edit Master text styles</a:t>
+            </a:r>
+          </a:p>
+          <a:p>
+            <a:pPr lvl="1"/>
+            <a:r>
+              <a:rPr lang="en-US" smtClean="0"/>
+              <a:t>Second level</a:t>
+            </a:r>
+          </a:p>
+          <a:p>
+            <a:pPr lvl="2"/>
+            <a:r>
+              <a:rPr lang="en-US" smtClean="0"/>
+              <a:t>Third level</a:t>
+            </a:r>
+          </a:p>
+          <a:p>
+            <a:pPr lvl="3"/>
+            <a:r>
+              <a:rPr lang="en-US" smtClean="0"/>
+              <a:t>Fourth level</a:t>
+            </a:r>
+          </a:p>
+          <a:p>
+            <a:pPr lvl="4"/>
+            <a:r>
+              <a:rPr lang="en-US" smtClean="0"/>
+              <a:t>Fifth level</a:t>
             </a:r>
             <a:endParaRPr lang="en-US" dirty="0"/>
           </a:p>
@@ -3191,80 +5300,59 @@
       </p:sp>
       <p:sp>
         <p:nvSpPr>
-          <p:cNvPr id="3" name="Text Placeholder 2"/>
-          <p:cNvSpPr>
-            <a:spLocks noGrp="1"/>
-          </p:cNvSpPr>
-          <p:nvPr>
-            <p:ph type="body" idx="1"/>
+          <p:cNvPr id="4" name="Date Placeholder 3"/>
+          <p:cNvSpPr>
+            <a:spLocks noGrp="1"/>
+          </p:cNvSpPr>
+          <p:nvPr>
+            <p:ph type="dt" sz="half" idx="2"/>
           </p:nvPr>
         </p:nvSpPr>
         <p:spPr>
           <a:xfrm>
-            <a:off x="1097280" y="1845734"/>
-            <a:ext cx="10058400" cy="4023360"/>
+            <a:off x="8677501" y="5969000"/>
+            <a:ext cx="1600200" cy="279400"/>
           </a:xfrm>
           <a:prstGeom prst="rect">
             <a:avLst/>
           </a:prstGeom>
         </p:spPr>
         <p:txBody>
-          <a:bodyPr vert="horz" lIns="0" tIns="45720" rIns="0" bIns="45720" rtlCol="0">
-            <a:normAutofit/>
-          </a:bodyPr>
-          <a:lstStyle/>
-          <a:p>
-            <a:pPr lvl="0"/>
-            <a:r>
-              <a:rPr lang="en-US" smtClean="0"/>
-              <a:t>Click to edit Master text styles</a:t>
-            </a:r>
-          </a:p>
-          <a:p>
-            <a:pPr lvl="1"/>
-            <a:r>
-              <a:rPr lang="en-US" smtClean="0"/>
-              <a:t>Second level</a:t>
-            </a:r>
-          </a:p>
-          <a:p>
-            <a:pPr lvl="2"/>
-            <a:r>
-              <a:rPr lang="en-US" smtClean="0"/>
-              <a:t>Third level</a:t>
-            </a:r>
-          </a:p>
-          <a:p>
-            <a:pPr lvl="3"/>
-            <a:r>
-              <a:rPr lang="en-US" smtClean="0"/>
-              <a:t>Fourth level</a:t>
-            </a:r>
-          </a:p>
-          <a:p>
-            <a:pPr lvl="4"/>
-            <a:r>
-              <a:rPr lang="en-US" smtClean="0"/>
-              <a:t>Fifth level</a:t>
-            </a:r>
-            <a:endParaRPr lang="en-US" dirty="0"/>
-          </a:p>
-        </p:txBody>
-      </p:sp>
-      <p:sp>
-        <p:nvSpPr>
-          <p:cNvPr id="4" name="Date Placeholder 3"/>
-          <p:cNvSpPr>
-            <a:spLocks noGrp="1"/>
-          </p:cNvSpPr>
-          <p:nvPr>
-            <p:ph type="dt" sz="half" idx="2"/>
+          <a:bodyPr vert="horz" lIns="91440" tIns="45720" rIns="91440" bIns="45720" rtlCol="0" anchor="ctr"/>
+          <a:lstStyle>
+            <a:lvl1pPr algn="r">
+              <a:defRPr sz="1000" b="0" i="0">
+                <a:solidFill>
+                  <a:schemeClr val="tx1"/>
+                </a:solidFill>
+                <a:effectLst/>
+                <a:latin typeface="+mn-lt"/>
+              </a:defRPr>
+            </a:lvl1pPr>
+          </a:lstStyle>
+          <a:p>
+            <a:fld id="{0EEBE4E2-722C-4916-A391-E0B1B79DBDC9}" type="datetimeFigureOut">
+              <a:rPr lang="en-US" smtClean="0"/>
+              <a:t>11/15/2022</a:t>
+            </a:fld>
+            <a:endParaRPr lang="en-US"/>
+          </a:p>
+        </p:txBody>
+      </p:sp>
+      <p:sp>
+        <p:nvSpPr>
+          <p:cNvPr id="5" name="Footer Placeholder 4"/>
+          <p:cNvSpPr>
+            <a:spLocks noGrp="1"/>
+          </p:cNvSpPr>
+          <p:nvPr>
+            <p:ph type="ftr" sz="quarter" idx="3"/>
           </p:nvPr>
         </p:nvSpPr>
         <p:spPr>
           <a:xfrm>
-            <a:off x="1097280" y="6459785"/>
-            <a:ext cx="2472271" cy="365125"/>
+            <a:off x="1295401" y="5969000"/>
+            <a:ext cx="7305900" cy="279400"/>
           </a:xfrm>
           <a:prstGeom prst="rect">
             <a:avLst/>
@@ -3274,36 +5362,34 @@
           <a:bodyPr vert="horz" lIns="91440" tIns="45720" rIns="91440" bIns="45720" rtlCol="0" anchor="ctr"/>
           <a:lstStyle>
             <a:lvl1pPr algn="l">
-              <a:defRPr sz="900">
-                <a:solidFill>
-                  <a:srgbClr val="FFFFFF"/>
-                </a:solidFill>
+              <a:defRPr sz="1000" b="0" i="0">
+                <a:solidFill>
+                  <a:schemeClr val="tx1"/>
+                </a:solidFill>
+                <a:effectLst/>
+                <a:latin typeface="+mn-lt"/>
               </a:defRPr>
             </a:lvl1pPr>
           </a:lstStyle>
           <a:p>
-            <a:fld id="{0EEBE4E2-722C-4916-A391-E0B1B79DBDC9}" type="datetimeFigureOut">
-              <a:rPr lang="en-US" smtClean="0"/>
-              <a:t>15/11/2022</a:t>
-            </a:fld>
             <a:endParaRPr lang="en-US"/>
           </a:p>
         </p:txBody>
       </p:sp>
       <p:sp>
         <p:nvSpPr>
-          <p:cNvPr id="5" name="Footer Placeholder 4"/>
-          <p:cNvSpPr>
-            <a:spLocks noGrp="1"/>
-          </p:cNvSpPr>
-          <p:nvPr>
-            <p:ph type="ftr" sz="quarter" idx="3"/>
+          <p:cNvPr id="6" name="Slide Number Placeholder 5"/>
+          <p:cNvSpPr>
+            <a:spLocks noGrp="1"/>
+          </p:cNvSpPr>
+          <p:nvPr>
+            <p:ph type="sldNum" sz="quarter" idx="4"/>
           </p:nvPr>
         </p:nvSpPr>
         <p:spPr>
           <a:xfrm>
-            <a:off x="3686185" y="6459785"/>
-            <a:ext cx="4822804" cy="365125"/>
+            <a:off x="10353901" y="5969000"/>
+            <a:ext cx="542697" cy="279400"/>
           </a:xfrm>
           <a:prstGeom prst="rect">
             <a:avLst/>
@@ -3312,46 +5398,13 @@
         <p:txBody>
           <a:bodyPr vert="horz" lIns="91440" tIns="45720" rIns="91440" bIns="45720" rtlCol="0" anchor="ctr"/>
           <a:lstStyle>
-            <a:lvl1pPr algn="ctr">
-              <a:defRPr sz="900" cap="all" baseline="0">
-                <a:solidFill>
-                  <a:srgbClr val="FFFFFF"/>
-                </a:solidFill>
-              </a:defRPr>
-            </a:lvl1pPr>
-          </a:lstStyle>
-          <a:p>
-            <a:endParaRPr lang="en-US"/>
-          </a:p>
-        </p:txBody>
-      </p:sp>
-      <p:sp>
-        <p:nvSpPr>
-          <p:cNvPr id="6" name="Slide Number Placeholder 5"/>
-          <p:cNvSpPr>
-            <a:spLocks noGrp="1"/>
-          </p:cNvSpPr>
-          <p:nvPr>
-            <p:ph type="sldNum" sz="quarter" idx="4"/>
-          </p:nvPr>
-        </p:nvSpPr>
-        <p:spPr>
-          <a:xfrm>
-            <a:off x="9900458" y="6459785"/>
-            <a:ext cx="1312025" cy="365125"/>
-          </a:xfrm>
-          <a:prstGeom prst="rect">
-            <a:avLst/>
-          </a:prstGeom>
-        </p:spPr>
-        <p:txBody>
-          <a:bodyPr vert="horz" lIns="91440" tIns="45720" rIns="91440" bIns="45720" rtlCol="0" anchor="ctr"/>
-          <a:lstStyle>
             <a:lvl1pPr algn="r">
-              <a:defRPr sz="1050">
-                <a:solidFill>
-                  <a:srgbClr val="FFFFFF"/>
-                </a:solidFill>
+              <a:defRPr sz="1000" b="0" i="0">
+                <a:solidFill>
+                  <a:schemeClr val="tx1"/>
+                </a:solidFill>
+                <a:effectLst/>
+                <a:latin typeface="+mn-lt"/>
               </a:defRPr>
             </a:lvl1pPr>
           </a:lstStyle>
@@ -3364,328 +5417,343 @@
           </a:p>
         </p:txBody>
       </p:sp>
-      <p:cxnSp>
-        <p:nvCxnSpPr>
-          <p:cNvPr id="10" name="Straight Connector 9"/>
-          <p:cNvCxnSpPr/>
-          <p:nvPr/>
-        </p:nvCxnSpPr>
-        <p:spPr>
-          <a:xfrm>
-            <a:off x="1193532" y="1737845"/>
-            <a:ext cx="9966960" cy="0"/>
-          </a:xfrm>
-          <a:prstGeom prst="line">
-            <a:avLst/>
-          </a:prstGeom>
-          <a:ln w="6350">
-            <a:solidFill>
-              <a:schemeClr val="tx1">
-                <a:lumMod val="50000"/>
-                <a:lumOff val="50000"/>
-              </a:schemeClr>
-            </a:solidFill>
-          </a:ln>
-        </p:spPr>
-        <p:style>
-          <a:lnRef idx="1">
-            <a:schemeClr val="accent1"/>
-          </a:lnRef>
-          <a:fillRef idx="0">
-            <a:schemeClr val="accent1"/>
-          </a:fillRef>
-          <a:effectRef idx="0">
-            <a:schemeClr val="accent1"/>
-          </a:effectRef>
-          <a:fontRef idx="minor">
-            <a:schemeClr val="tx1"/>
-          </a:fontRef>
-        </p:style>
-      </p:cxnSp>
     </p:spTree>
     <p:extLst>
       <p:ext uri="{BB962C8B-B14F-4D97-AF65-F5344CB8AC3E}">
-        <p14:creationId xmlns:p14="http://schemas.microsoft.com/office/powerpoint/2010/main" val="3624991870"/>
+        <p14:creationId xmlns:p14="http://schemas.microsoft.com/office/powerpoint/2010/main" val="2388571305"/>
       </p:ext>
     </p:extLst>
   </p:cSld>
   <p:clrMap bg1="lt1" tx1="dk1" bg2="lt2" tx2="dk2" accent1="accent1" accent2="accent2" accent3="accent3" accent4="accent4" accent5="accent5" accent6="accent6" hlink="hlink" folHlink="folHlink"/>
   <p:sldLayoutIdLst>
-    <p:sldLayoutId id="2147483661" r:id="rId1"/>
-    <p:sldLayoutId id="2147483662" r:id="rId2"/>
-    <p:sldLayoutId id="2147483663" r:id="rId3"/>
-    <p:sldLayoutId id="2147483664" r:id="rId4"/>
-    <p:sldLayoutId id="2147483665" r:id="rId5"/>
-    <p:sldLayoutId id="2147483666" r:id="rId6"/>
-    <p:sldLayoutId id="2147483667" r:id="rId7"/>
-    <p:sldLayoutId id="2147483668" r:id="rId8"/>
-    <p:sldLayoutId id="2147483669" r:id="rId9"/>
-    <p:sldLayoutId id="2147483670" r:id="rId10"/>
-    <p:sldLayoutId id="2147483671" r:id="rId11"/>
+    <p:sldLayoutId id="2147483673" r:id="rId1"/>
+    <p:sldLayoutId id="2147483674" r:id="rId2"/>
+    <p:sldLayoutId id="2147483675" r:id="rId3"/>
+    <p:sldLayoutId id="2147483676" r:id="rId4"/>
+    <p:sldLayoutId id="2147483677" r:id="rId5"/>
+    <p:sldLayoutId id="2147483678" r:id="rId6"/>
+    <p:sldLayoutId id="2147483679" r:id="rId7"/>
+    <p:sldLayoutId id="2147483680" r:id="rId8"/>
+    <p:sldLayoutId id="2147483681" r:id="rId9"/>
+    <p:sldLayoutId id="2147483682" r:id="rId10"/>
+    <p:sldLayoutId id="2147483683" r:id="rId11"/>
+    <p:sldLayoutId id="2147483684" r:id="rId12"/>
+    <p:sldLayoutId id="2147483685" r:id="rId13"/>
+    <p:sldLayoutId id="2147483686" r:id="rId14"/>
+    <p:sldLayoutId id="2147483687" r:id="rId15"/>
+    <p:sldLayoutId id="2147483688" r:id="rId16"/>
+    <p:sldLayoutId id="2147483689" r:id="rId17"/>
   </p:sldLayoutIdLst>
   <p:txStyles>
     <p:titleStyle>
-      <a:lvl1pPr algn="l" defTabSz="914400" rtl="0" eaLnBrk="1" latinLnBrk="0" hangingPunct="1">
-        <a:lnSpc>
-          <a:spcPct val="85000"/>
-        </a:lnSpc>
+      <a:lvl1pPr algn="ctr" defTabSz="457200" rtl="0" eaLnBrk="1" latinLnBrk="0" hangingPunct="1">
         <a:spcBef>
           <a:spcPct val="0"/>
         </a:spcBef>
         <a:buNone/>
-        <a:defRPr sz="4800" kern="1200" spc="-50" baseline="0">
+        <a:defRPr sz="4400" kern="1200" cap="none">
+          <a:ln w="3175" cmpd="sng">
+            <a:noFill/>
+          </a:ln>
           <a:solidFill>
             <a:schemeClr val="tx1">
-              <a:lumMod val="75000"/>
-              <a:lumOff val="25000"/>
+              <a:lumMod val="85000"/>
+              <a:lumOff val="15000"/>
             </a:schemeClr>
           </a:solidFill>
+          <a:effectLst/>
           <a:latin typeface="+mj-lt"/>
           <a:ea typeface="+mj-ea"/>
           <a:cs typeface="+mj-cs"/>
         </a:defRPr>
       </a:lvl1pPr>
+      <a:lvl2pPr eaLnBrk="1" hangingPunct="1">
+        <a:defRPr>
+          <a:solidFill>
+            <a:schemeClr val="tx2"/>
+          </a:solidFill>
+        </a:defRPr>
+      </a:lvl2pPr>
+      <a:lvl3pPr eaLnBrk="1" hangingPunct="1">
+        <a:defRPr>
+          <a:solidFill>
+            <a:schemeClr val="tx2"/>
+          </a:solidFill>
+        </a:defRPr>
+      </a:lvl3pPr>
+      <a:lvl4pPr eaLnBrk="1" hangingPunct="1">
+        <a:defRPr>
+          <a:solidFill>
+            <a:schemeClr val="tx2"/>
+          </a:solidFill>
+        </a:defRPr>
+      </a:lvl4pPr>
+      <a:lvl5pPr eaLnBrk="1" hangingPunct="1">
+        <a:defRPr>
+          <a:solidFill>
+            <a:schemeClr val="tx2"/>
+          </a:solidFill>
+        </a:defRPr>
+      </a:lvl5pPr>
+      <a:lvl6pPr eaLnBrk="1" hangingPunct="1">
+        <a:defRPr>
+          <a:solidFill>
+            <a:schemeClr val="tx2"/>
+          </a:solidFill>
+        </a:defRPr>
+      </a:lvl6pPr>
+      <a:lvl7pPr eaLnBrk="1" hangingPunct="1">
+        <a:defRPr>
+          <a:solidFill>
+            <a:schemeClr val="tx2"/>
+          </a:solidFill>
+        </a:defRPr>
+      </a:lvl7pPr>
+      <a:lvl8pPr eaLnBrk="1" hangingPunct="1">
+        <a:defRPr>
+          <a:solidFill>
+            <a:schemeClr val="tx2"/>
+          </a:solidFill>
+        </a:defRPr>
+      </a:lvl8pPr>
+      <a:lvl9pPr eaLnBrk="1" hangingPunct="1">
+        <a:defRPr>
+          <a:solidFill>
+            <a:schemeClr val="tx2"/>
+          </a:solidFill>
+        </a:defRPr>
+      </a:lvl9pPr>
     </p:titleStyle>
     <p:bodyStyle>
-      <a:lvl1pPr marL="91440" indent="-91440" algn="l" defTabSz="914400" rtl="0" eaLnBrk="1" latinLnBrk="0" hangingPunct="1">
-        <a:lnSpc>
-          <a:spcPct val="90000"/>
-        </a:lnSpc>
+      <a:lvl1pPr marL="285750" indent="-285750" algn="l" defTabSz="457200" rtl="0" eaLnBrk="1" latinLnBrk="0" hangingPunct="1">
         <a:spcBef>
-          <a:spcPts val="1200"/>
+          <a:spcPct val="20000"/>
         </a:spcBef>
         <a:spcAft>
-          <a:spcPts val="200"/>
+          <a:spcPts val="600"/>
         </a:spcAft>
         <a:buClr>
           <a:schemeClr val="accent1"/>
         </a:buClr>
-        <a:buSzPct val="100000"/>
-        <a:buFont typeface="Calibri" panose="020F0502020204030204" pitchFamily="34" charset="0"/>
-        <a:buChar char=" "/>
-        <a:defRPr sz="2000" kern="1200">
+        <a:buSzPct val="115000"/>
+        <a:buFont typeface="Arial"/>
+        <a:buChar char="•"/>
+        <a:defRPr sz="2400" kern="1200" cap="none">
           <a:solidFill>
             <a:schemeClr val="tx1">
-              <a:lumMod val="75000"/>
-              <a:lumOff val="25000"/>
+              <a:lumMod val="85000"/>
+              <a:lumOff val="15000"/>
             </a:schemeClr>
           </a:solidFill>
+          <a:effectLst/>
           <a:latin typeface="+mn-lt"/>
           <a:ea typeface="+mn-ea"/>
           <a:cs typeface="+mn-cs"/>
         </a:defRPr>
       </a:lvl1pPr>
-      <a:lvl2pPr marL="384048" indent="-182880" algn="l" defTabSz="914400" rtl="0" eaLnBrk="1" latinLnBrk="0" hangingPunct="1">
-        <a:lnSpc>
-          <a:spcPct val="90000"/>
-        </a:lnSpc>
+      <a:lvl2pPr marL="742950" indent="-285750" algn="l" defTabSz="457200" rtl="0" eaLnBrk="1" latinLnBrk="0" hangingPunct="1">
         <a:spcBef>
-          <a:spcPts val="200"/>
+          <a:spcPct val="20000"/>
         </a:spcBef>
         <a:spcAft>
-          <a:spcPts val="400"/>
+          <a:spcPts val="600"/>
         </a:spcAft>
         <a:buClr>
           <a:schemeClr val="accent1"/>
         </a:buClr>
-        <a:buFont typeface="Calibri" pitchFamily="34" charset="0"/>
-        <a:buChar char="◦"/>
-        <a:defRPr sz="1800" kern="1200">
+        <a:buSzPct val="115000"/>
+        <a:buFont typeface="Arial"/>
+        <a:buChar char="•"/>
+        <a:defRPr sz="2000" kern="1200" cap="none">
           <a:solidFill>
             <a:schemeClr val="tx1">
-              <a:lumMod val="75000"/>
-              <a:lumOff val="25000"/>
+              <a:lumMod val="85000"/>
+              <a:lumOff val="15000"/>
             </a:schemeClr>
           </a:solidFill>
+          <a:effectLst/>
           <a:latin typeface="+mn-lt"/>
           <a:ea typeface="+mn-ea"/>
           <a:cs typeface="+mn-cs"/>
         </a:defRPr>
       </a:lvl2pPr>
-      <a:lvl3pPr marL="566928" indent="-182880" algn="l" defTabSz="914400" rtl="0" eaLnBrk="1" latinLnBrk="0" hangingPunct="1">
-        <a:lnSpc>
-          <a:spcPct val="90000"/>
-        </a:lnSpc>
+      <a:lvl3pPr marL="1200150" indent="-285750" algn="l" defTabSz="457200" rtl="0" eaLnBrk="1" latinLnBrk="0" hangingPunct="1">
         <a:spcBef>
-          <a:spcPts val="200"/>
+          <a:spcPct val="20000"/>
         </a:spcBef>
         <a:spcAft>
-          <a:spcPts val="400"/>
+          <a:spcPts val="600"/>
         </a:spcAft>
         <a:buClr>
           <a:schemeClr val="accent1"/>
         </a:buClr>
-        <a:buFont typeface="Calibri" pitchFamily="34" charset="0"/>
-        <a:buChar char="◦"/>
-        <a:defRPr sz="1400" kern="1200">
+        <a:buSzPct val="115000"/>
+        <a:buFont typeface="Arial"/>
+        <a:buChar char="•"/>
+        <a:defRPr sz="1800" kern="1200" cap="none">
           <a:solidFill>
             <a:schemeClr val="tx1">
-              <a:lumMod val="75000"/>
-              <a:lumOff val="25000"/>
+              <a:lumMod val="85000"/>
+              <a:lumOff val="15000"/>
             </a:schemeClr>
           </a:solidFill>
+          <a:effectLst/>
           <a:latin typeface="+mn-lt"/>
           <a:ea typeface="+mn-ea"/>
           <a:cs typeface="+mn-cs"/>
         </a:defRPr>
       </a:lvl3pPr>
-      <a:lvl4pPr marL="749808" indent="-182880" algn="l" defTabSz="914400" rtl="0" eaLnBrk="1" latinLnBrk="0" hangingPunct="1">
-        <a:lnSpc>
-          <a:spcPct val="90000"/>
-        </a:lnSpc>
+      <a:lvl4pPr marL="1543050" indent="-171450" algn="l" defTabSz="457200" rtl="0" eaLnBrk="1" latinLnBrk="0" hangingPunct="1">
         <a:spcBef>
-          <a:spcPts val="200"/>
+          <a:spcPct val="20000"/>
         </a:spcBef>
         <a:spcAft>
-          <a:spcPts val="400"/>
+          <a:spcPts val="600"/>
         </a:spcAft>
         <a:buClr>
           <a:schemeClr val="accent1"/>
         </a:buClr>
-        <a:buFont typeface="Calibri" pitchFamily="34" charset="0"/>
-        <a:buChar char="◦"/>
-        <a:defRPr sz="1400" kern="1200">
+        <a:buSzPct val="115000"/>
+        <a:buFont typeface="Arial"/>
+        <a:buChar char="•"/>
+        <a:defRPr sz="1600" kern="1200" cap="none">
           <a:solidFill>
             <a:schemeClr val="tx1">
-              <a:lumMod val="75000"/>
-              <a:lumOff val="25000"/>
+              <a:lumMod val="85000"/>
+              <a:lumOff val="15000"/>
             </a:schemeClr>
           </a:solidFill>
+          <a:effectLst/>
           <a:latin typeface="+mn-lt"/>
           <a:ea typeface="+mn-ea"/>
           <a:cs typeface="+mn-cs"/>
         </a:defRPr>
       </a:lvl4pPr>
-      <a:lvl5pPr marL="932688" indent="-182880" algn="l" defTabSz="914400" rtl="0" eaLnBrk="1" latinLnBrk="0" hangingPunct="1">
-        <a:lnSpc>
-          <a:spcPct val="90000"/>
-        </a:lnSpc>
+      <a:lvl5pPr marL="2000250" indent="-171450" algn="l" defTabSz="457200" rtl="0" eaLnBrk="1" latinLnBrk="0" hangingPunct="1">
         <a:spcBef>
-          <a:spcPts val="200"/>
+          <a:spcPct val="20000"/>
         </a:spcBef>
         <a:spcAft>
-          <a:spcPts val="400"/>
+          <a:spcPts val="600"/>
         </a:spcAft>
         <a:buClr>
           <a:schemeClr val="accent1"/>
         </a:buClr>
-        <a:buFont typeface="Calibri" pitchFamily="34" charset="0"/>
-        <a:buChar char="◦"/>
-        <a:defRPr sz="1400" kern="1200">
+        <a:buSzPct val="115000"/>
+        <a:buFont typeface="Arial"/>
+        <a:buChar char="•"/>
+        <a:defRPr sz="1400" kern="1200" cap="none">
           <a:solidFill>
             <a:schemeClr val="tx1">
-              <a:lumMod val="75000"/>
-              <a:lumOff val="25000"/>
+              <a:lumMod val="85000"/>
+              <a:lumOff val="15000"/>
             </a:schemeClr>
           </a:solidFill>
+          <a:effectLst/>
           <a:latin typeface="+mn-lt"/>
           <a:ea typeface="+mn-ea"/>
           <a:cs typeface="+mn-cs"/>
         </a:defRPr>
       </a:lvl5pPr>
-      <a:lvl6pPr marL="1100000" indent="-228600" algn="l" defTabSz="914400" rtl="0" eaLnBrk="1" latinLnBrk="0" hangingPunct="1">
-        <a:lnSpc>
-          <a:spcPct val="90000"/>
-        </a:lnSpc>
+      <a:lvl6pPr marL="2514600" indent="-228600" algn="l" defTabSz="457200" rtl="0" eaLnBrk="1" latinLnBrk="0" hangingPunct="1">
         <a:spcBef>
-          <a:spcPts val="200"/>
+          <a:spcPct val="20000"/>
         </a:spcBef>
         <a:spcAft>
-          <a:spcPts val="400"/>
+          <a:spcPts val="600"/>
         </a:spcAft>
         <a:buClr>
           <a:schemeClr val="accent1"/>
         </a:buClr>
-        <a:buFont typeface="Calibri" pitchFamily="34" charset="0"/>
-        <a:buChar char="◦"/>
-        <a:defRPr sz="1400" kern="1200">
+        <a:buSzPct val="115000"/>
+        <a:buFont typeface="Arial"/>
+        <a:buChar char="•"/>
+        <a:defRPr sz="1400" kern="1200" cap="none">
           <a:solidFill>
             <a:schemeClr val="tx1">
-              <a:lumMod val="75000"/>
-              <a:lumOff val="25000"/>
+              <a:lumMod val="85000"/>
+              <a:lumOff val="15000"/>
             </a:schemeClr>
           </a:solidFill>
+          <a:effectLst/>
           <a:latin typeface="+mn-lt"/>
           <a:ea typeface="+mn-ea"/>
           <a:cs typeface="+mn-cs"/>
         </a:defRPr>
       </a:lvl6pPr>
-      <a:lvl7pPr marL="1300000" indent="-228600" algn="l" defTabSz="914400" rtl="0" eaLnBrk="1" latinLnBrk="0" hangingPunct="1">
-        <a:lnSpc>
-          <a:spcPct val="90000"/>
-        </a:lnSpc>
+      <a:lvl7pPr marL="2971800" indent="-228600" algn="l" defTabSz="457200" rtl="0" eaLnBrk="1" latinLnBrk="0" hangingPunct="1">
         <a:spcBef>
-          <a:spcPts val="200"/>
+          <a:spcPct val="20000"/>
         </a:spcBef>
         <a:spcAft>
-          <a:spcPts val="400"/>
+          <a:spcPts val="600"/>
         </a:spcAft>
         <a:buClr>
           <a:schemeClr val="accent1"/>
         </a:buClr>
-        <a:buFont typeface="Calibri" pitchFamily="34" charset="0"/>
-        <a:buChar char="◦"/>
-        <a:defRPr sz="1400" kern="1200">
+        <a:buSzPct val="115000"/>
+        <a:buFont typeface="Arial"/>
+        <a:buChar char="•"/>
+        <a:defRPr sz="1400" kern="1200" cap="none">
           <a:solidFill>
             <a:schemeClr val="tx1">
-              <a:lumMod val="75000"/>
-              <a:lumOff val="25000"/>
+              <a:lumMod val="85000"/>
+              <a:lumOff val="15000"/>
             </a:schemeClr>
           </a:solidFill>
+          <a:effectLst/>
           <a:latin typeface="+mn-lt"/>
           <a:ea typeface="+mn-ea"/>
           <a:cs typeface="+mn-cs"/>
         </a:defRPr>
       </a:lvl7pPr>
-      <a:lvl8pPr marL="1500000" indent="-228600" algn="l" defTabSz="914400" rtl="0" eaLnBrk="1" latinLnBrk="0" hangingPunct="1">
-        <a:lnSpc>
-          <a:spcPct val="90000"/>
-        </a:lnSpc>
+      <a:lvl8pPr marL="3429000" indent="-228600" algn="l" defTabSz="457200" rtl="0" eaLnBrk="1" latinLnBrk="0" hangingPunct="1">
         <a:spcBef>
-          <a:spcPts val="200"/>
+          <a:spcPct val="20000"/>
         </a:spcBef>
         <a:spcAft>
-          <a:spcPts val="400"/>
+          <a:spcPts val="600"/>
         </a:spcAft>
         <a:buClr>
           <a:schemeClr val="accent1"/>
         </a:buClr>
-        <a:buFont typeface="Calibri" pitchFamily="34" charset="0"/>
-        <a:buChar char="◦"/>
-        <a:defRPr sz="1400" kern="1200">
+        <a:buSzPct val="115000"/>
+        <a:buFont typeface="Arial"/>
+        <a:buChar char="•"/>
+        <a:defRPr sz="1400" kern="1200" cap="none">
           <a:solidFill>
             <a:schemeClr val="tx1">
-              <a:lumMod val="75000"/>
-              <a:lumOff val="25000"/>
+              <a:lumMod val="85000"/>
+              <a:lumOff val="15000"/>
             </a:schemeClr>
           </a:solidFill>
+          <a:effectLst/>
           <a:latin typeface="+mn-lt"/>
           <a:ea typeface="+mn-ea"/>
           <a:cs typeface="+mn-cs"/>
         </a:defRPr>
       </a:lvl8pPr>
-      <a:lvl9pPr marL="1700000" indent="-228600" algn="l" defTabSz="914400" rtl="0" eaLnBrk="1" latinLnBrk="0" hangingPunct="1">
-        <a:lnSpc>
-          <a:spcPct val="90000"/>
-        </a:lnSpc>
+      <a:lvl9pPr marL="3886200" indent="-228600" algn="l" defTabSz="457200" rtl="0" eaLnBrk="1" latinLnBrk="0" hangingPunct="1">
         <a:spcBef>
-          <a:spcPts val="200"/>
+          <a:spcPct val="20000"/>
         </a:spcBef>
         <a:spcAft>
-          <a:spcPts val="400"/>
+          <a:spcPts val="600"/>
         </a:spcAft>
         <a:buClr>
           <a:schemeClr val="accent1"/>
         </a:buClr>
-        <a:buFont typeface="Calibri" pitchFamily="34" charset="0"/>
-        <a:buChar char="◦"/>
-        <a:defRPr sz="1400" kern="1200">
+        <a:buSzPct val="115000"/>
+        <a:buFont typeface="Arial"/>
+        <a:buChar char="•"/>
+        <a:defRPr sz="1400" kern="1200" cap="none">
           <a:solidFill>
             <a:schemeClr val="tx1">
-              <a:lumMod val="75000"/>
-              <a:lumOff val="25000"/>
+              <a:lumMod val="85000"/>
+              <a:lumOff val="15000"/>
             </a:schemeClr>
           </a:solidFill>
+          <a:effectLst/>
           <a:latin typeface="+mn-lt"/>
           <a:ea typeface="+mn-ea"/>
           <a:cs typeface="+mn-cs"/>
@@ -3696,7 +5764,7 @@
       <a:defPPr>
         <a:defRPr lang="en-US"/>
       </a:defPPr>
-      <a:lvl1pPr marL="0" algn="l" defTabSz="914400" rtl="0" eaLnBrk="1" latinLnBrk="0" hangingPunct="1">
+      <a:lvl1pPr marL="0" algn="l" defTabSz="457200" rtl="0" eaLnBrk="1" latinLnBrk="0" hangingPunct="1">
         <a:defRPr sz="1800" kern="1200">
           <a:solidFill>
             <a:schemeClr val="tx1"/>
@@ -3706,7 +5774,7 @@
           <a:cs typeface="+mn-cs"/>
         </a:defRPr>
       </a:lvl1pPr>
-      <a:lvl2pPr marL="457200" algn="l" defTabSz="914400" rtl="0" eaLnBrk="1" latinLnBrk="0" hangingPunct="1">
+      <a:lvl2pPr marL="457200" algn="l" defTabSz="457200" rtl="0" eaLnBrk="1" latinLnBrk="0" hangingPunct="1">
         <a:defRPr sz="1800" kern="1200">
           <a:solidFill>
             <a:schemeClr val="tx1"/>
@@ -3716,7 +5784,7 @@
           <a:cs typeface="+mn-cs"/>
         </a:defRPr>
       </a:lvl2pPr>
-      <a:lvl3pPr marL="914400" algn="l" defTabSz="914400" rtl="0" eaLnBrk="1" latinLnBrk="0" hangingPunct="1">
+      <a:lvl3pPr marL="914400" algn="l" defTabSz="457200" rtl="0" eaLnBrk="1" latinLnBrk="0" hangingPunct="1">
         <a:defRPr sz="1800" kern="1200">
           <a:solidFill>
             <a:schemeClr val="tx1"/>
@@ -3726,7 +5794,7 @@
           <a:cs typeface="+mn-cs"/>
         </a:defRPr>
       </a:lvl3pPr>
-      <a:lvl4pPr marL="1371600" algn="l" defTabSz="914400" rtl="0" eaLnBrk="1" latinLnBrk="0" hangingPunct="1">
+      <a:lvl4pPr marL="1371600" algn="l" defTabSz="457200" rtl="0" eaLnBrk="1" latinLnBrk="0" hangingPunct="1">
         <a:defRPr sz="1800" kern="1200">
           <a:solidFill>
             <a:schemeClr val="tx1"/>
@@ -3736,7 +5804,7 @@
           <a:cs typeface="+mn-cs"/>
         </a:defRPr>
       </a:lvl4pPr>
-      <a:lvl5pPr marL="1828800" algn="l" defTabSz="914400" rtl="0" eaLnBrk="1" latinLnBrk="0" hangingPunct="1">
+      <a:lvl5pPr marL="1828800" algn="l" defTabSz="457200" rtl="0" eaLnBrk="1" latinLnBrk="0" hangingPunct="1">
         <a:defRPr sz="1800" kern="1200">
           <a:solidFill>
             <a:schemeClr val="tx1"/>
@@ -3746,7 +5814,7 @@
           <a:cs typeface="+mn-cs"/>
         </a:defRPr>
       </a:lvl5pPr>
-      <a:lvl6pPr marL="2286000" algn="l" defTabSz="914400" rtl="0" eaLnBrk="1" latinLnBrk="0" hangingPunct="1">
+      <a:lvl6pPr marL="2286000" algn="l" defTabSz="457200" rtl="0" eaLnBrk="1" latinLnBrk="0" hangingPunct="1">
         <a:defRPr sz="1800" kern="1200">
           <a:solidFill>
             <a:schemeClr val="tx1"/>
@@ -3756,7 +5824,7 @@
           <a:cs typeface="+mn-cs"/>
         </a:defRPr>
       </a:lvl6pPr>
-      <a:lvl7pPr marL="2743200" algn="l" defTabSz="914400" rtl="0" eaLnBrk="1" latinLnBrk="0" hangingPunct="1">
+      <a:lvl7pPr marL="2743200" algn="l" defTabSz="457200" rtl="0" eaLnBrk="1" latinLnBrk="0" hangingPunct="1">
         <a:defRPr sz="1800" kern="1200">
           <a:solidFill>
             <a:schemeClr val="tx1"/>
@@ -3766,7 +5834,7 @@
           <a:cs typeface="+mn-cs"/>
         </a:defRPr>
       </a:lvl7pPr>
-      <a:lvl8pPr marL="3200400" algn="l" defTabSz="914400" rtl="0" eaLnBrk="1" latinLnBrk="0" hangingPunct="1">
+      <a:lvl8pPr marL="3200400" algn="l" defTabSz="457200" rtl="0" eaLnBrk="1" latinLnBrk="0" hangingPunct="1">
         <a:defRPr sz="1800" kern="1200">
           <a:solidFill>
             <a:schemeClr val="tx1"/>
@@ -3776,7 +5844,7 @@
           <a:cs typeface="+mn-cs"/>
         </a:defRPr>
       </a:lvl8pPr>
-      <a:lvl9pPr marL="3657600" algn="l" defTabSz="914400" rtl="0" eaLnBrk="1" latinLnBrk="0" hangingPunct="1">
+      <a:lvl9pPr marL="3657600" algn="l" defTabSz="457200" rtl="0" eaLnBrk="1" latinLnBrk="0" hangingPunct="1">
         <a:defRPr sz="1800" kern="1200">
           <a:solidFill>
             <a:schemeClr val="tx1"/>
@@ -4108,10 +6176,6 @@
               </a:rPr>
               <a:t>University</a:t>
             </a:r>
-            <a:endParaRPr lang="en-US" dirty="0">
-              <a:latin typeface="Times New Roman" panose="02020603050405020304" pitchFamily="18" charset="0"/>
-              <a:cs typeface="Times New Roman" panose="02020603050405020304" pitchFamily="18" charset="0"/>
-            </a:endParaRPr>
           </a:p>
         </p:txBody>
       </p:sp>
@@ -4180,7 +6244,9 @@
         </p:nvSpPr>
         <p:spPr/>
         <p:txBody>
-          <a:bodyPr/>
+          <a:bodyPr>
+            <a:normAutofit fontScale="92500" lnSpcReduction="20000"/>
+          </a:bodyPr>
           <a:lstStyle/>
           <a:p>
             <a:r>
@@ -4283,7 +6349,9 @@
         </p:nvSpPr>
         <p:spPr/>
         <p:txBody>
-          <a:bodyPr/>
+          <a:bodyPr>
+            <a:normAutofit fontScale="90000"/>
+          </a:bodyPr>
           <a:lstStyle/>
           <a:p>
             <a:pPr algn="ctr"/>
@@ -4315,17 +6383,19 @@
         <p:spPr/>
         <p:txBody>
           <a:bodyPr>
-            <a:normAutofit fontScale="77500" lnSpcReduction="20000"/>
+            <a:normAutofit fontScale="55000" lnSpcReduction="20000"/>
           </a:bodyPr>
           <a:lstStyle/>
           <a:p>
-            <a:pPr lvl="1" fontAlgn="base"/>
+            <a:pPr marL="457200" lvl="1" indent="0" fontAlgn="base">
+              <a:buNone/>
+            </a:pPr>
             <a:r>
               <a:rPr lang="en-US" dirty="0"/>
               <a:t> </a:t>
             </a:r>
             <a:r>
-              <a:rPr lang="en-US" b="1" dirty="0"/>
+              <a:rPr lang="en-US" sz="3200" b="1" dirty="0"/>
               <a:t>Motivation</a:t>
             </a:r>
             <a:r>
@@ -4337,38 +6407,33 @@
           <a:p>
             <a:r>
               <a:rPr lang="en-US" dirty="0"/>
-              <a:t>The core motivation behind this system is to reduce doctor’s effort and patient hassle to understand the writing of doctors and the name of the medicines. Often patients are complaining that they don’t understand the writing of doctor’s. On the other hand a doctor has write a lots of prescription daily. They also has to write the same things repeatedly. Which is really annoying. We also face the same issue that sometimes we don’t understand the writing of doctors. So, to help both doctors and patients we want to introduce this solution. So it will helpful for both doctors and patients.</a:t>
+              <a:t>The core motivation behind this system is to reduce doctor’s effort and patient hassle to understand the writing of doctors and the name of the medicines. Often patients are complaining that they don’t understand the writing of doctor’s. On the other hand a doctor has write a lots of prescription daily. They also has to write the same things repeatedly. Which is really annoying. We also face the same issue that sometimes we don’t understand the writing of doctors. So, to help both doctors and patients we want to introduce this solution. So it will helpful for both doctors and patients</a:t>
+            </a:r>
+            <a:r>
+              <a:rPr lang="en-US" dirty="0" smtClean="0"/>
+              <a:t>.</a:t>
             </a:r>
             <a:endParaRPr lang="en-US" sz="1600" dirty="0"/>
           </a:p>
           <a:p>
-            <a:r>
-              <a:rPr lang="en-US" dirty="0"/>
-              <a:t> </a:t>
-            </a:r>
-            <a:endParaRPr lang="en-US" sz="1600" dirty="0"/>
-          </a:p>
-          <a:p>
-            <a:r>
-              <a:rPr lang="en-US" dirty="0"/>
-              <a:t> </a:t>
-            </a:r>
-            <a:endParaRPr lang="en-US" sz="1600" dirty="0"/>
-          </a:p>
-          <a:p>
-            <a:pPr lvl="1" fontAlgn="base"/>
+            <a:pPr marL="457200" lvl="1" indent="0" fontAlgn="base">
+              <a:buNone/>
+            </a:pPr>
             <a:r>
               <a:rPr lang="en-US" b="1" dirty="0"/>
-              <a:t> Objectives</a:t>
-            </a:r>
-            <a:endParaRPr lang="en-US" sz="1400" dirty="0"/>
+              <a:t> </a:t>
+            </a:r>
+            <a:r>
+              <a:rPr lang="en-US" sz="3200" b="1" dirty="0"/>
+              <a:t>Objectives</a:t>
+            </a:r>
+            <a:endParaRPr lang="en-US" sz="3200" dirty="0"/>
           </a:p>
           <a:p>
             <a:r>
               <a:rPr lang="en-US" dirty="0"/>
               <a:t>The main objective is to obtain doctor’s and patient satisfaction on health related sector. To reduce doctor’s effort and patient hassle to understand the writing of doctors and the name of the medicines. Often patients are complaining that they don’t understand the writing of doctor’s. On the other hand a doctor has write a lots of prescription daily. They also has to write the same things repeatedly. Which is really annoying. We also face the same issue that sometimes we don’t understand the writing of doctors. So, to help both doctors and patients we want to introduce this solution. So it will helpful for both doctors and patients. By this system all new comers doctor will be benefited. They will get a huge data set for research purpose. They can study the previous patient’s history and what the prescription has provided to the patients for their betterment.</a:t>
             </a:r>
-            <a:endParaRPr lang="en-US" dirty="0"/>
           </a:p>
         </p:txBody>
       </p:sp>
@@ -4415,7 +6480,7 @@
         <p:spPr/>
         <p:txBody>
           <a:bodyPr>
-            <a:normAutofit/>
+            <a:normAutofit fontScale="90000"/>
           </a:bodyPr>
           <a:lstStyle/>
           <a:p>
@@ -4452,7 +6517,7 @@
         <p:spPr/>
         <p:txBody>
           <a:bodyPr>
-            <a:normAutofit fontScale="85000" lnSpcReduction="10000"/>
+            <a:normAutofit fontScale="62500" lnSpcReduction="20000"/>
           </a:bodyPr>
           <a:lstStyle/>
           <a:p>
@@ -4476,22 +6541,26 @@
           <a:p>
             <a:r>
               <a:rPr lang="en-US" dirty="0"/>
-              <a:t>The interface helps the doctor to login through the system and add the details regarding the prescription. There are two type of user’s. Admin user and Doctor users.</a:t>
+              <a:t>The interface helps the doctor to login through the system and add the details regarding the prescription. There are two type of user’s. Admin user and Doctor </a:t>
+            </a:r>
+            <a:r>
+              <a:rPr lang="en-US" dirty="0" err="1" smtClean="0"/>
+              <a:t>users.The</a:t>
+            </a:r>
+            <a:r>
+              <a:rPr lang="en-US" dirty="0" smtClean="0"/>
+              <a:t> </a:t>
+            </a:r>
+            <a:r>
+              <a:rPr lang="en-US" dirty="0"/>
+              <a:t>Admin users will login the system and make the basic configuration for the doctors to write prescription and see the previous prescription and analysis the input.</a:t>
             </a:r>
             <a:endParaRPr lang="en-US" sz="1600" dirty="0"/>
           </a:p>
           <a:p>
-            <a:r>
-              <a:rPr lang="en-US" dirty="0"/>
-              <a:t>The Admin users will login the system and make the basic configuration for the doctors to write prescription and see the previous prescription and analysis the input.</a:t>
-            </a:r>
-            <a:endParaRPr lang="en-US" sz="1600" dirty="0"/>
-          </a:p>
-          <a:p>
-            <a:r>
-              <a:rPr lang="en-US" dirty="0"/>
-              <a:t> </a:t>
-            </a:r>
+            <a:pPr marL="0" indent="0">
+              <a:buNone/>
+            </a:pPr>
             <a:endParaRPr lang="en-US" sz="1600" dirty="0"/>
           </a:p>
           <a:p>
@@ -4538,54 +6607,89 @@
 </file>
 
 <file path=ppt/theme/theme1.xml><?xml version="1.0" encoding="utf-8"?>
-<a:theme xmlns:a="http://schemas.openxmlformats.org/drawingml/2006/main" name="Retrospect">
+<a:theme xmlns:a="http://schemas.openxmlformats.org/drawingml/2006/main" name="Organic">
   <a:themeElements>
-    <a:clrScheme name="Retrospect">
+    <a:clrScheme name="Organic">
       <a:dk1>
-        <a:srgbClr val="000000"/>
+        <a:sysClr val="windowText" lastClr="000000"/>
       </a:dk1>
       <a:lt1>
         <a:sysClr val="window" lastClr="FFFFFF"/>
       </a:lt1>
       <a:dk2>
-        <a:srgbClr val="637052"/>
+        <a:srgbClr val="212121"/>
       </a:dk2>
       <a:lt2>
-        <a:srgbClr val="CCDDEA"/>
+        <a:srgbClr val="DADADA"/>
       </a:lt2>
       <a:accent1>
-        <a:srgbClr val="E48312"/>
+        <a:srgbClr val="83992A"/>
       </a:accent1>
       <a:accent2>
-        <a:srgbClr val="BD582C"/>
+        <a:srgbClr val="3C9770"/>
       </a:accent2>
       <a:accent3>
-        <a:srgbClr val="865640"/>
+        <a:srgbClr val="44709D"/>
       </a:accent3>
       <a:accent4>
-        <a:srgbClr val="9B8357"/>
+        <a:srgbClr val="A23C33"/>
       </a:accent4>
       <a:accent5>
-        <a:srgbClr val="C2BC80"/>
+        <a:srgbClr val="D97828"/>
       </a:accent5>
       <a:accent6>
-        <a:srgbClr val="94A088"/>
+        <a:srgbClr val="DEB340"/>
       </a:accent6>
       <a:hlink>
-        <a:srgbClr val="2998E3"/>
+        <a:srgbClr val="A8BF4D"/>
       </a:hlink>
       <a:folHlink>
-        <a:srgbClr val="8C8C8C"/>
+        <a:srgbClr val="B4CA80"/>
       </a:folHlink>
     </a:clrScheme>
-    <a:fontScheme name="Retrospect">
+    <a:fontScheme name="Organic">
       <a:majorFont>
-        <a:latin typeface="Calibri Light" panose="020F0302020204030204"/>
+        <a:latin typeface="Garamond" panose="02020404030301010803"/>
         <a:ea typeface=""/>
         <a:cs typeface=""/>
         <a:font script="Jpan" typeface="ＭＳ Ｐゴシック"/>
-        <a:font script="Hang" typeface="맑은 고딕"/>
-        <a:font script="Hans" typeface="宋体"/>
+        <a:font script="Hang" typeface="돋움"/>
+        <a:font script="Hans" typeface="方正舒体"/>
+        <a:font script="Hant" typeface="微軟正黑體"/>
+        <a:font script="Arab" typeface="Arial"/>
+        <a:font script="Hebr" typeface="Arial"/>
+        <a:font script="Thai" typeface="Cordia New"/>
+        <a:font script="Ethi" typeface="Nyala"/>
+        <a:font script="Beng" typeface="Vrinda"/>
+        <a:font script="Gujr" typeface="Shruti"/>
+        <a:font script="Khmr" typeface="DaunPenh"/>
+        <a:font script="Knda" typeface="Tunga"/>
+        <a:font script="Guru" typeface="Raavi"/>
+        <a:font script="Cans" typeface="Euphemia"/>
+        <a:font script="Cher" typeface="Plantagenet Cherokee"/>
+        <a:font script="Yiii" typeface="Microsoft Yi Baiti"/>
+        <a:font script="Tibt" typeface="Microsoft Himalaya"/>
+        <a:font script="Thaa" typeface="MV Boli"/>
+        <a:font script="Deva" typeface="Mangal"/>
+        <a:font script="Telu" typeface="Gautami"/>
+        <a:font script="Taml" typeface="Latha"/>
+        <a:font script="Syrc" typeface="Estrangelo Edessa"/>
+        <a:font script="Orya" typeface="Kalinga"/>
+        <a:font script="Mlym" typeface="Kartika"/>
+        <a:font script="Laoo" typeface="DokChampa"/>
+        <a:font script="Sinh" typeface="Iskoola Pota"/>
+        <a:font script="Mong" typeface="Mongolian Baiti"/>
+        <a:font script="Viet" typeface="Arial"/>
+        <a:font script="Uigh" typeface="Microsoft Uighur"/>
+        <a:font script="Geor" typeface="Sylfaen"/>
+      </a:majorFont>
+      <a:minorFont>
+        <a:latin typeface="Garamond" panose="02020404030301010803"/>
+        <a:ea typeface=""/>
+        <a:cs typeface=""/>
+        <a:font script="Jpan" typeface="ＭＳ Ｐ明朝"/>
+        <a:font script="Hang" typeface="바탕"/>
+        <a:font script="Hans" typeface="方正舒体"/>
         <a:font script="Hant" typeface="新細明體"/>
         <a:font script="Arab" typeface="Times New Roman"/>
         <a:font script="Hebr" typeface="Times New Roman"/>
@@ -4613,44 +6717,9 @@
         <a:font script="Viet" typeface="Times New Roman"/>
         <a:font script="Uigh" typeface="Microsoft Uighur"/>
         <a:font script="Geor" typeface="Sylfaen"/>
-      </a:majorFont>
-      <a:minorFont>
-        <a:latin typeface="Calibri" panose="020F0502020204030204"/>
-        <a:ea typeface=""/>
-        <a:cs typeface=""/>
-        <a:font script="Jpan" typeface="ＭＳ Ｐゴシック"/>
-        <a:font script="Hang" typeface="맑은 고딕"/>
-        <a:font script="Hans" typeface="宋体"/>
-        <a:font script="Hant" typeface="新細明體"/>
-        <a:font script="Arab" typeface="Arial"/>
-        <a:font script="Hebr" typeface="Arial"/>
-        <a:font script="Thai" typeface="Cordia New"/>
-        <a:font script="Ethi" typeface="Nyala"/>
-        <a:font script="Beng" typeface="Vrinda"/>
-        <a:font script="Gujr" typeface="Shruti"/>
-        <a:font script="Khmr" typeface="DaunPenh"/>
-        <a:font script="Knda" typeface="Tunga"/>
-        <a:font script="Guru" typeface="Raavi"/>
-        <a:font script="Cans" typeface="Euphemia"/>
-        <a:font script="Cher" typeface="Plantagenet Cherokee"/>
-        <a:font script="Yiii" typeface="Microsoft Yi Baiti"/>
-        <a:font script="Tibt" typeface="Microsoft Himalaya"/>
-        <a:font script="Thaa" typeface="MV Boli"/>
-        <a:font script="Deva" typeface="Mangal"/>
-        <a:font script="Telu" typeface="Gautami"/>
-        <a:font script="Taml" typeface="Latha"/>
-        <a:font script="Syrc" typeface="Estrangelo Edessa"/>
-        <a:font script="Orya" typeface="Kalinga"/>
-        <a:font script="Mlym" typeface="Kartika"/>
-        <a:font script="Laoo" typeface="DokChampa"/>
-        <a:font script="Sinh" typeface="Iskoola Pota"/>
-        <a:font script="Mong" typeface="Mongolian Baiti"/>
-        <a:font script="Viet" typeface="Arial"/>
-        <a:font script="Uigh" typeface="Microsoft Uighur"/>
-        <a:font script="Geor" typeface="Sylfaen"/>
       </a:minorFont>
     </a:fontScheme>
-    <a:fmtScheme name="Retrospect">
+    <a:fmtScheme name="Organic">
       <a:fillStyleLst>
         <a:solidFill>
           <a:schemeClr val="phClr"/>
@@ -4659,65 +6728,38 @@
           <a:gsLst>
             <a:gs pos="0">
               <a:schemeClr val="phClr">
-                <a:tint val="65000"/>
-                <a:shade val="92000"/>
-                <a:satMod val="130000"/>
-              </a:schemeClr>
-            </a:gs>
-            <a:gs pos="45000">
-              <a:schemeClr val="phClr">
                 <a:tint val="60000"/>
-                <a:shade val="99000"/>
-                <a:satMod val="120000"/>
+                <a:lumMod val="110000"/>
               </a:schemeClr>
             </a:gs>
             <a:gs pos="100000">
               <a:schemeClr val="phClr">
-                <a:tint val="55000"/>
-                <a:satMod val="140000"/>
+                <a:tint val="82000"/>
               </a:schemeClr>
             </a:gs>
           </a:gsLst>
-          <a:path path="circle">
-            <a:fillToRect l="100000" t="100000" r="100000" b="100000"/>
-          </a:path>
+          <a:lin ang="5400000" scaled="0"/>
         </a:gradFill>
-        <a:gradFill rotWithShape="1">
-          <a:gsLst>
-            <a:gs pos="0">
+        <a:blipFill>
+          <a:blip xmlns:r="http://schemas.openxmlformats.org/officeDocument/2006/relationships" r:embed="rId1">
+            <a:duotone>
               <a:schemeClr val="phClr">
-                <a:shade val="85000"/>
+                <a:shade val="74000"/>
                 <a:satMod val="130000"/>
+                <a:lumMod val="90000"/>
               </a:schemeClr>
-            </a:gs>
-            <a:gs pos="34000">
               <a:schemeClr val="phClr">
-                <a:shade val="87000"/>
-                <a:satMod val="125000"/>
+                <a:tint val="94000"/>
+                <a:satMod val="120000"/>
+                <a:lumMod val="104000"/>
               </a:schemeClr>
-            </a:gs>
-            <a:gs pos="70000">
-              <a:schemeClr val="phClr">
-                <a:tint val="100000"/>
-                <a:shade val="90000"/>
-                <a:satMod val="130000"/>
-              </a:schemeClr>
-            </a:gs>
-            <a:gs pos="100000">
-              <a:schemeClr val="phClr">
-                <a:tint val="100000"/>
-                <a:shade val="100000"/>
-                <a:satMod val="110000"/>
-              </a:schemeClr>
-            </a:gs>
-          </a:gsLst>
-          <a:path path="circle">
-            <a:fillToRect l="100000" t="100000" r="100000" b="100000"/>
-          </a:path>
-        </a:gradFill>
+            </a:duotone>
+          </a:blip>
+          <a:tile tx="0" ty="0" sx="100000" sy="100000" flip="none" algn="tl"/>
+        </a:blipFill>
       </a:fillStyleLst>
       <a:lnStyleLst>
-        <a:ln w="12700" cap="flat" cmpd="sng" algn="ctr">
+        <a:ln w="9525" cap="flat" cmpd="sng" algn="ctr">
           <a:solidFill>
             <a:schemeClr val="phClr"/>
           </a:solidFill>
@@ -4742,71 +6784,48 @@
         </a:effectStyle>
         <a:effectStyle>
           <a:effectLst>
-            <a:outerShdw blurRad="38100" dist="25400" dir="2700000" algn="br" rotWithShape="0">
+            <a:innerShdw blurRad="25400" dist="12700" dir="13500000">
+              <a:srgbClr val="000000">
+                <a:alpha val="45000"/>
+              </a:srgbClr>
+            </a:innerShdw>
+          </a:effectLst>
+        </a:effectStyle>
+        <a:effectStyle>
+          <a:effectLst>
+            <a:outerShdw blurRad="38100" dist="25400" dir="5400000" rotWithShape="0">
               <a:srgbClr val="000000">
                 <a:alpha val="60000"/>
               </a:srgbClr>
             </a:outerShdw>
           </a:effectLst>
         </a:effectStyle>
-        <a:effectStyle>
-          <a:effectLst>
-            <a:outerShdw blurRad="44450" dist="25400" dir="2700000" algn="br" rotWithShape="0">
-              <a:srgbClr val="000000">
-                <a:alpha val="60000"/>
-              </a:srgbClr>
-            </a:outerShdw>
-          </a:effectLst>
-          <a:scene3d>
-            <a:camera prst="orthographicFront">
-              <a:rot lat="0" lon="0" rev="0"/>
-            </a:camera>
-            <a:lightRig rig="threePt" dir="t">
-              <a:rot lat="0" lon="0" rev="19800000"/>
-            </a:lightRig>
-          </a:scene3d>
-          <a:sp3d prstMaterial="flat">
-            <a:bevelT w="25400" h="31750"/>
-          </a:sp3d>
-        </a:effectStyle>
       </a:effectStyleLst>
       <a:bgFillStyleLst>
         <a:solidFill>
           <a:schemeClr val="phClr"/>
         </a:solidFill>
-        <a:solidFill>
-          <a:schemeClr val="phClr">
-            <a:tint val="90000"/>
-            <a:shade val="97000"/>
-            <a:satMod val="130000"/>
-          </a:schemeClr>
-        </a:solidFill>
         <a:gradFill rotWithShape="1">
           <a:gsLst>
             <a:gs pos="0">
               <a:schemeClr val="phClr">
-                <a:tint val="96000"/>
-                <a:shade val="99000"/>
-                <a:satMod val="140000"/>
-              </a:schemeClr>
-            </a:gs>
-            <a:gs pos="65000">
-              <a:schemeClr val="phClr">
-                <a:tint val="100000"/>
-                <a:shade val="80000"/>
-                <a:satMod val="130000"/>
+                <a:tint val="90000"/>
+                <a:lumMod val="110000"/>
               </a:schemeClr>
             </a:gs>
             <a:gs pos="100000">
               <a:schemeClr val="phClr">
-                <a:tint val="100000"/>
-                <a:shade val="48000"/>
-                <a:satMod val="120000"/>
+                <a:shade val="88000"/>
+                <a:lumMod val="98000"/>
               </a:schemeClr>
             </a:gs>
           </a:gsLst>
-          <a:lin ang="16200000" scaled="0"/>
+          <a:lin ang="5400000" scaled="0"/>
         </a:gradFill>
+        <a:blipFill>
+          <a:blip xmlns:r="http://schemas.openxmlformats.org/officeDocument/2006/relationships" r:embed="rId2"/>
+          <a:stretch/>
+        </a:blipFill>
       </a:bgFillStyleLst>
     </a:fmtScheme>
   </a:themeElements>
@@ -4814,7 +6833,7 @@
   <a:extraClrSchemeLst/>
   <a:extLst>
     <a:ext uri="{05A4C25C-085E-4340-85A3-A5531E510DB2}">
-      <thm15:themeFamily xmlns:thm15="http://schemas.microsoft.com/office/thememl/2012/main" name="Retrospect" id="{5F128B03-DCCA-4EEB-AB3B-CF2899314A46}" vid="{3F1AAB62-24C6-49D2-8E01-B56FAC9A3DCD}"/>
+      <thm15:themeFamily xmlns:thm15="http://schemas.microsoft.com/office/thememl/2012/main" name="Organic" id="{28CDC826-8792-45C0-861B-85EB3ADEDA33}" vid="{7DAC20F1-423D-49E2-BD0B-50532748BAD0}"/>
     </a:ext>
   </a:extLst>
 </a:theme>
